--- a/PoveR-T Test_slides.pptx
+++ b/PoveR-T Test_slides.pptx
@@ -6,15 +6,15 @@
   </p:sldMasterIdLst>
   <p:sldIdLst>
     <p:sldId id="256" r:id="rId2"/>
-    <p:sldId id="264" r:id="rId3"/>
-    <p:sldId id="265" r:id="rId4"/>
-    <p:sldId id="257" r:id="rId5"/>
-    <p:sldId id="258" r:id="rId6"/>
-    <p:sldId id="259" r:id="rId7"/>
-    <p:sldId id="260" r:id="rId8"/>
-    <p:sldId id="261" r:id="rId9"/>
-    <p:sldId id="262" r:id="rId10"/>
-    <p:sldId id="263" r:id="rId11"/>
+    <p:sldId id="265" r:id="rId3"/>
+    <p:sldId id="266" r:id="rId4"/>
+    <p:sldId id="267" r:id="rId5"/>
+    <p:sldId id="268" r:id="rId6"/>
+    <p:sldId id="269" r:id="rId7"/>
+    <p:sldId id="270" r:id="rId8"/>
+    <p:sldId id="271" r:id="rId9"/>
+    <p:sldId id="272" r:id="rId10"/>
+    <p:sldId id="273" r:id="rId11"/>
   </p:sldIdLst>
   <p:sldSz cx="12192000" cy="6858000"/>
   <p:notesSz cx="6858000" cy="9144000"/>
@@ -113,6 +113,11 @@
       </a:defRPr>
     </a:lvl9pPr>
   </p:defaultTextStyle>
+  <p:extLst>
+    <p:ext uri="{EFAFB233-063F-42B5-8137-9DF3F51BA10A}">
+      <p15:sldGuideLst xmlns:p15="http://schemas.microsoft.com/office/powerpoint/2012/main"/>
+    </p:ext>
+  </p:extLst>
 </p:presentation>
 </file>
 
@@ -125,20 +130,713 @@
       <pc:docMkLst>
         <pc:docMk/>
       </pc:docMkLst>
-      <pc:sldChg chg="modSp">
-        <pc:chgData name="William Bickelmann" userId="8a25679aff27a798" providerId="LiveId" clId="{9510F907-E377-4006-9591-7623AC264D9E}" dt="2018-02-26T18:52:15.889" v="30" actId="6549"/>
+    </pc:docChg>
+  </pc:docChgLst>
+  <pc:docChgLst>
+    <pc:chgData name="William Bickelmann" userId="8a25679aff27a798" providerId="LiveId" clId="{DDCC19B6-375E-46FE-8533-995A0398F90C}"/>
+    <pc:docChg chg="undo custSel addSld delSld modSld">
+      <pc:chgData name="William Bickelmann" userId="8a25679aff27a798" providerId="LiveId" clId="{DDCC19B6-375E-46FE-8533-995A0398F90C}" dt="2018-04-30T19:07:55.683" v="2809" actId="113"/>
+      <pc:docMkLst>
+        <pc:docMk/>
+      </pc:docMkLst>
+      <pc:sldChg chg="del">
+        <pc:chgData name="William Bickelmann" userId="8a25679aff27a798" providerId="LiveId" clId="{DDCC19B6-375E-46FE-8533-995A0398F90C}" dt="2018-04-30T18:49:09.482" v="1929" actId="2696"/>
         <pc:sldMkLst>
           <pc:docMk/>
           <pc:sldMk cId="566511604" sldId="257"/>
         </pc:sldMkLst>
+      </pc:sldChg>
+      <pc:sldChg chg="del">
+        <pc:chgData name="William Bickelmann" userId="8a25679aff27a798" providerId="LiveId" clId="{DDCC19B6-375E-46FE-8533-995A0398F90C}" dt="2018-04-30T18:49:09.498" v="1930" actId="2696"/>
+        <pc:sldMkLst>
+          <pc:docMk/>
+          <pc:sldMk cId="1479262614" sldId="258"/>
+        </pc:sldMkLst>
+      </pc:sldChg>
+      <pc:sldChg chg="del">
+        <pc:chgData name="William Bickelmann" userId="8a25679aff27a798" providerId="LiveId" clId="{DDCC19B6-375E-46FE-8533-995A0398F90C}" dt="2018-04-30T18:49:09.498" v="1931" actId="2696"/>
+        <pc:sldMkLst>
+          <pc:docMk/>
+          <pc:sldMk cId="419027112" sldId="259"/>
+        </pc:sldMkLst>
+      </pc:sldChg>
+      <pc:sldChg chg="del">
+        <pc:chgData name="William Bickelmann" userId="8a25679aff27a798" providerId="LiveId" clId="{DDCC19B6-375E-46FE-8533-995A0398F90C}" dt="2018-04-30T18:49:09.513" v="1932" actId="2696"/>
+        <pc:sldMkLst>
+          <pc:docMk/>
+          <pc:sldMk cId="1994688035" sldId="260"/>
+        </pc:sldMkLst>
+      </pc:sldChg>
+      <pc:sldChg chg="del">
+        <pc:chgData name="William Bickelmann" userId="8a25679aff27a798" providerId="LiveId" clId="{DDCC19B6-375E-46FE-8533-995A0398F90C}" dt="2018-04-30T18:49:14.301" v="1933" actId="2696"/>
+        <pc:sldMkLst>
+          <pc:docMk/>
+          <pc:sldMk cId="1527533455" sldId="261"/>
+        </pc:sldMkLst>
+      </pc:sldChg>
+      <pc:sldChg chg="del">
+        <pc:chgData name="William Bickelmann" userId="8a25679aff27a798" providerId="LiveId" clId="{DDCC19B6-375E-46FE-8533-995A0398F90C}" dt="2018-04-30T18:49:19.641" v="1934" actId="2696"/>
+        <pc:sldMkLst>
+          <pc:docMk/>
+          <pc:sldMk cId="1499678823" sldId="262"/>
+        </pc:sldMkLst>
+      </pc:sldChg>
+      <pc:sldChg chg="delSp del">
+        <pc:chgData name="William Bickelmann" userId="8a25679aff27a798" providerId="LiveId" clId="{DDCC19B6-375E-46FE-8533-995A0398F90C}" dt="2018-04-30T19:05:29.312" v="2485" actId="2696"/>
+        <pc:sldMkLst>
+          <pc:docMk/>
+          <pc:sldMk cId="758428186" sldId="263"/>
+        </pc:sldMkLst>
+        <pc:picChg chg="del">
+          <ac:chgData name="William Bickelmann" userId="8a25679aff27a798" providerId="LiveId" clId="{DDCC19B6-375E-46FE-8533-995A0398F90C}" dt="2018-04-30T19:05:20.943" v="2484" actId="478"/>
+          <ac:picMkLst>
+            <pc:docMk/>
+            <pc:sldMk cId="758428186" sldId="263"/>
+            <ac:picMk id="4" creationId="{B28A76B2-EF36-4B15-800F-6FEAF5AC5DD7}"/>
+          </ac:picMkLst>
+        </pc:picChg>
+      </pc:sldChg>
+      <pc:sldChg chg="del">
+        <pc:chgData name="William Bickelmann" userId="8a25679aff27a798" providerId="LiveId" clId="{DDCC19B6-375E-46FE-8533-995A0398F90C}" dt="2018-04-30T17:52:57.668" v="1" actId="2696"/>
+        <pc:sldMkLst>
+          <pc:docMk/>
+          <pc:sldMk cId="1742409602" sldId="264"/>
+        </pc:sldMkLst>
+      </pc:sldChg>
+      <pc:sldChg chg="modSp add del">
+        <pc:chgData name="William Bickelmann" userId="8a25679aff27a798" providerId="LiveId" clId="{DDCC19B6-375E-46FE-8533-995A0398F90C}" dt="2018-04-30T18:09:55.102" v="192" actId="2696"/>
+        <pc:sldMkLst>
+          <pc:docMk/>
+          <pc:sldMk cId="4171577519" sldId="264"/>
+        </pc:sldMkLst>
         <pc:spChg chg="mod">
-          <ac:chgData name="William Bickelmann" userId="8a25679aff27a798" providerId="LiveId" clId="{9510F907-E377-4006-9591-7623AC264D9E}" dt="2018-02-26T18:52:15.889" v="30" actId="6549"/>
+          <ac:chgData name="William Bickelmann" userId="8a25679aff27a798" providerId="LiveId" clId="{DDCC19B6-375E-46FE-8533-995A0398F90C}" dt="2018-04-30T17:56:33.262" v="158" actId="1076"/>
           <ac:spMkLst>
             <pc:docMk/>
-            <pc:sldMk cId="566511604" sldId="257"/>
-            <ac:spMk id="2" creationId="{AFD4D106-9F63-4D2C-96A4-0AF58447C862}"/>
+            <pc:sldMk cId="4171577519" sldId="264"/>
+            <ac:spMk id="2" creationId="{0DC84629-F084-4339-A9BB-90B36BB755EA}"/>
           </ac:spMkLst>
         </pc:spChg>
+        <pc:spChg chg="mod">
+          <ac:chgData name="William Bickelmann" userId="8a25679aff27a798" providerId="LiveId" clId="{DDCC19B6-375E-46FE-8533-995A0398F90C}" dt="2018-04-30T18:09:43.062" v="191" actId="20577"/>
+          <ac:spMkLst>
+            <pc:docMk/>
+            <pc:sldMk cId="4171577519" sldId="264"/>
+            <ac:spMk id="3" creationId="{D9C86AE4-0DBE-4960-B4ED-1E5C6CDDAAA0}"/>
+          </ac:spMkLst>
+        </pc:spChg>
+      </pc:sldChg>
+      <pc:sldChg chg="modSp add">
+        <pc:chgData name="William Bickelmann" userId="8a25679aff27a798" providerId="LiveId" clId="{DDCC19B6-375E-46FE-8533-995A0398F90C}" dt="2018-04-30T18:33:43.322" v="1167" actId="20577"/>
+        <pc:sldMkLst>
+          <pc:docMk/>
+          <pc:sldMk cId="1287084372" sldId="265"/>
+        </pc:sldMkLst>
+        <pc:spChg chg="mod">
+          <ac:chgData name="William Bickelmann" userId="8a25679aff27a798" providerId="LiveId" clId="{DDCC19B6-375E-46FE-8533-995A0398F90C}" dt="2018-04-30T18:33:43.322" v="1167" actId="20577"/>
+          <ac:spMkLst>
+            <pc:docMk/>
+            <pc:sldMk cId="1287084372" sldId="265"/>
+            <ac:spMk id="3" creationId="{D9C86AE4-0DBE-4960-B4ED-1E5C6CDDAAA0}"/>
+          </ac:spMkLst>
+        </pc:spChg>
+      </pc:sldChg>
+      <pc:sldChg chg="del">
+        <pc:chgData name="William Bickelmann" userId="8a25679aff27a798" providerId="LiveId" clId="{DDCC19B6-375E-46FE-8533-995A0398F90C}" dt="2018-04-30T17:52:46.069" v="0" actId="2696"/>
+        <pc:sldMkLst>
+          <pc:docMk/>
+          <pc:sldMk cId="2578332492" sldId="265"/>
+        </pc:sldMkLst>
+      </pc:sldChg>
+      <pc:sldChg chg="addSp delSp modSp add mod setBg setClrOvrMap">
+        <pc:chgData name="William Bickelmann" userId="8a25679aff27a798" providerId="LiveId" clId="{DDCC19B6-375E-46FE-8533-995A0398F90C}" dt="2018-04-30T18:19:23.913" v="543" actId="1036"/>
+        <pc:sldMkLst>
+          <pc:docMk/>
+          <pc:sldMk cId="3769897520" sldId="266"/>
+        </pc:sldMkLst>
+        <pc:spChg chg="mod">
+          <ac:chgData name="William Bickelmann" userId="8a25679aff27a798" providerId="LiveId" clId="{DDCC19B6-375E-46FE-8533-995A0398F90C}" dt="2018-04-30T18:19:17.841" v="515" actId="1035"/>
+          <ac:spMkLst>
+            <pc:docMk/>
+            <pc:sldMk cId="3769897520" sldId="266"/>
+            <ac:spMk id="2" creationId="{0DC84629-F084-4339-A9BB-90B36BB755EA}"/>
+          </ac:spMkLst>
+        </pc:spChg>
+        <pc:spChg chg="add del mod">
+          <ac:chgData name="William Bickelmann" userId="8a25679aff27a798" providerId="LiveId" clId="{DDCC19B6-375E-46FE-8533-995A0398F90C}" dt="2018-04-30T18:19:01.185" v="417" actId="26606"/>
+          <ac:spMkLst>
+            <pc:docMk/>
+            <pc:sldMk cId="3769897520" sldId="266"/>
+            <ac:spMk id="3" creationId="{D9C86AE4-0DBE-4960-B4ED-1E5C6CDDAAA0}"/>
+          </ac:spMkLst>
+        </pc:spChg>
+        <pc:spChg chg="add del mod">
+          <ac:chgData name="William Bickelmann" userId="8a25679aff27a798" providerId="LiveId" clId="{DDCC19B6-375E-46FE-8533-995A0398F90C}" dt="2018-04-30T18:17:24.502" v="401" actId="478"/>
+          <ac:spMkLst>
+            <pc:docMk/>
+            <pc:sldMk cId="3769897520" sldId="266"/>
+            <ac:spMk id="7" creationId="{FDA0FA79-C8E1-4386-9A22-E9D16F82F373}"/>
+          </ac:spMkLst>
+        </pc:spChg>
+        <pc:spChg chg="add del">
+          <ac:chgData name="William Bickelmann" userId="8a25679aff27a798" providerId="LiveId" clId="{DDCC19B6-375E-46FE-8533-995A0398F90C}" dt="2018-04-30T18:18:37.941" v="410" actId="26606"/>
+          <ac:spMkLst>
+            <pc:docMk/>
+            <pc:sldMk cId="3769897520" sldId="266"/>
+            <ac:spMk id="14" creationId="{D6F819BF-BEC4-454B-82CF-C7F1926407F9}"/>
+          </ac:spMkLst>
+        </pc:spChg>
+        <pc:spChg chg="add del">
+          <ac:chgData name="William Bickelmann" userId="8a25679aff27a798" providerId="LiveId" clId="{DDCC19B6-375E-46FE-8533-995A0398F90C}" dt="2018-04-30T18:18:37.941" v="410" actId="26606"/>
+          <ac:spMkLst>
+            <pc:docMk/>
+            <pc:sldMk cId="3769897520" sldId="266"/>
+            <ac:spMk id="23" creationId="{79D5C3D0-88DD-405B-A549-4B5C3712E181}"/>
+          </ac:spMkLst>
+        </pc:spChg>
+        <pc:spChg chg="add del">
+          <ac:chgData name="William Bickelmann" userId="8a25679aff27a798" providerId="LiveId" clId="{DDCC19B6-375E-46FE-8533-995A0398F90C}" dt="2018-04-30T18:18:40.848" v="412" actId="26606"/>
+          <ac:spMkLst>
+            <pc:docMk/>
+            <pc:sldMk cId="3769897520" sldId="266"/>
+            <ac:spMk id="25" creationId="{E09CCB3F-DBCE-4964-9E34-8C5DE80EF4B5}"/>
+          </ac:spMkLst>
+        </pc:spChg>
+        <pc:spChg chg="add del">
+          <ac:chgData name="William Bickelmann" userId="8a25679aff27a798" providerId="LiveId" clId="{DDCC19B6-375E-46FE-8533-995A0398F90C}" dt="2018-04-30T18:18:40.848" v="412" actId="26606"/>
+          <ac:spMkLst>
+            <pc:docMk/>
+            <pc:sldMk cId="3769897520" sldId="266"/>
+            <ac:spMk id="27" creationId="{1DFF944F-74BA-483A-82C0-64E3AAF4AE98}"/>
+          </ac:spMkLst>
+        </pc:spChg>
+        <pc:grpChg chg="add del">
+          <ac:chgData name="William Bickelmann" userId="8a25679aff27a798" providerId="LiveId" clId="{DDCC19B6-375E-46FE-8533-995A0398F90C}" dt="2018-04-30T18:18:37.941" v="410" actId="26606"/>
+          <ac:grpSpMkLst>
+            <pc:docMk/>
+            <pc:sldMk cId="3769897520" sldId="266"/>
+            <ac:grpSpMk id="16" creationId="{B29E1950-A366-48B7-8DAB-726C0DE58072}"/>
+          </ac:grpSpMkLst>
+        </pc:grpChg>
+        <pc:grpChg chg="add del">
+          <ac:chgData name="William Bickelmann" userId="8a25679aff27a798" providerId="LiveId" clId="{DDCC19B6-375E-46FE-8533-995A0398F90C}" dt="2018-04-30T18:18:40.848" v="412" actId="26606"/>
+          <ac:grpSpMkLst>
+            <pc:docMk/>
+            <pc:sldMk cId="3769897520" sldId="266"/>
+            <ac:grpSpMk id="26" creationId="{A9733A91-F958-4629-801A-3F6F1E09AD64}"/>
+          </ac:grpSpMkLst>
+        </pc:grpChg>
+        <pc:picChg chg="add del mod">
+          <ac:chgData name="William Bickelmann" userId="8a25679aff27a798" providerId="LiveId" clId="{DDCC19B6-375E-46FE-8533-995A0398F90C}" dt="2018-04-30T18:17:26.807" v="402" actId="478"/>
+          <ac:picMkLst>
+            <pc:docMk/>
+            <pc:sldMk cId="3769897520" sldId="266"/>
+            <ac:picMk id="4" creationId="{226CD998-E650-4F6E-80FC-D9121C751806}"/>
+          </ac:picMkLst>
+        </pc:picChg>
+        <pc:picChg chg="add del mod">
+          <ac:chgData name="William Bickelmann" userId="8a25679aff27a798" providerId="LiveId" clId="{DDCC19B6-375E-46FE-8533-995A0398F90C}" dt="2018-04-30T18:17:29.418" v="403" actId="478"/>
+          <ac:picMkLst>
+            <pc:docMk/>
+            <pc:sldMk cId="3769897520" sldId="266"/>
+            <ac:picMk id="5" creationId="{8457083D-2224-41FF-BD8F-A55AC75809F3}"/>
+          </ac:picMkLst>
+        </pc:picChg>
+        <pc:picChg chg="add del mod">
+          <ac:chgData name="William Bickelmann" userId="8a25679aff27a798" providerId="LiveId" clId="{DDCC19B6-375E-46FE-8533-995A0398F90C}" dt="2018-04-30T18:17:21.269" v="391"/>
+          <ac:picMkLst>
+            <pc:docMk/>
+            <pc:sldMk cId="3769897520" sldId="266"/>
+            <ac:picMk id="8" creationId="{C9452A4E-5B2D-4D47-B967-E55CC8CA69B9}"/>
+          </ac:picMkLst>
+        </pc:picChg>
+        <pc:picChg chg="add del mod ord">
+          <ac:chgData name="William Bickelmann" userId="8a25679aff27a798" providerId="LiveId" clId="{DDCC19B6-375E-46FE-8533-995A0398F90C}" dt="2018-04-30T18:19:23.913" v="543" actId="1036"/>
+          <ac:picMkLst>
+            <pc:docMk/>
+            <pc:sldMk cId="3769897520" sldId="266"/>
+            <ac:picMk id="9" creationId="{7E2860BB-B1F6-485D-8EFF-7EC5F03DB1EF}"/>
+          </ac:picMkLst>
+        </pc:picChg>
+      </pc:sldChg>
+      <pc:sldChg chg="addSp delSp modSp add mod setBg">
+        <pc:chgData name="William Bickelmann" userId="8a25679aff27a798" providerId="LiveId" clId="{DDCC19B6-375E-46FE-8533-995A0398F90C}" dt="2018-04-30T18:33:36.059" v="1148" actId="20577"/>
+        <pc:sldMkLst>
+          <pc:docMk/>
+          <pc:sldMk cId="3154972157" sldId="267"/>
+        </pc:sldMkLst>
+        <pc:spChg chg="mod ord">
+          <ac:chgData name="William Bickelmann" userId="8a25679aff27a798" providerId="LiveId" clId="{DDCC19B6-375E-46FE-8533-995A0398F90C}" dt="2018-04-30T18:27:43.988" v="1071" actId="1035"/>
+          <ac:spMkLst>
+            <pc:docMk/>
+            <pc:sldMk cId="3154972157" sldId="267"/>
+            <ac:spMk id="2" creationId="{0DC84629-F084-4339-A9BB-90B36BB755EA}"/>
+          </ac:spMkLst>
+        </pc:spChg>
+        <pc:spChg chg="add del mod ord">
+          <ac:chgData name="William Bickelmann" userId="8a25679aff27a798" providerId="LiveId" clId="{DDCC19B6-375E-46FE-8533-995A0398F90C}" dt="2018-04-30T18:33:36.059" v="1148" actId="20577"/>
+          <ac:spMkLst>
+            <pc:docMk/>
+            <pc:sldMk cId="3154972157" sldId="267"/>
+            <ac:spMk id="3" creationId="{D9C86AE4-0DBE-4960-B4ED-1E5C6CDDAAA0}"/>
+          </ac:spMkLst>
+        </pc:spChg>
+        <pc:spChg chg="add del mod">
+          <ac:chgData name="William Bickelmann" userId="8a25679aff27a798" providerId="LiveId" clId="{DDCC19B6-375E-46FE-8533-995A0398F90C}" dt="2018-04-30T18:27:06.423" v="1052" actId="478"/>
+          <ac:spMkLst>
+            <pc:docMk/>
+            <pc:sldMk cId="3154972157" sldId="267"/>
+            <ac:spMk id="11" creationId="{246C6EAE-60BA-4A8C-8E61-5BBB185C12B0}"/>
+          </ac:spMkLst>
+        </pc:spChg>
+        <pc:spChg chg="add">
+          <ac:chgData name="William Bickelmann" userId="8a25679aff27a798" providerId="LiveId" clId="{DDCC19B6-375E-46FE-8533-995A0398F90C}" dt="2018-04-30T18:25:38.367" v="784" actId="26606"/>
+          <ac:spMkLst>
+            <pc:docMk/>
+            <pc:sldMk cId="3154972157" sldId="267"/>
+            <ac:spMk id="13" creationId="{0E2F306A-EACD-45DC-B0AD-B4BE3259021A}"/>
+          </ac:spMkLst>
+        </pc:spChg>
+        <pc:spChg chg="add">
+          <ac:chgData name="William Bickelmann" userId="8a25679aff27a798" providerId="LiveId" clId="{DDCC19B6-375E-46FE-8533-995A0398F90C}" dt="2018-04-30T18:25:38.367" v="784" actId="26606"/>
+          <ac:spMkLst>
+            <pc:docMk/>
+            <pc:sldMk cId="3154972157" sldId="267"/>
+            <ac:spMk id="22" creationId="{CFAED95C-57A9-4B1B-BCCD-C30862465A9D}"/>
+          </ac:spMkLst>
+        </pc:spChg>
+        <pc:grpChg chg="add">
+          <ac:chgData name="William Bickelmann" userId="8a25679aff27a798" providerId="LiveId" clId="{DDCC19B6-375E-46FE-8533-995A0398F90C}" dt="2018-04-30T18:25:38.367" v="784" actId="26606"/>
+          <ac:grpSpMkLst>
+            <pc:docMk/>
+            <pc:sldMk cId="3154972157" sldId="267"/>
+            <ac:grpSpMk id="15" creationId="{7628126E-4AB5-46CE-8202-5A895CF2181B}"/>
+          </ac:grpSpMkLst>
+        </pc:grpChg>
+        <pc:picChg chg="add del">
+          <ac:chgData name="William Bickelmann" userId="8a25679aff27a798" providerId="LiveId" clId="{DDCC19B6-375E-46FE-8533-995A0398F90C}" dt="2018-04-30T18:21:13.687" v="555"/>
+          <ac:picMkLst>
+            <pc:docMk/>
+            <pc:sldMk cId="3154972157" sldId="267"/>
+            <ac:picMk id="4" creationId="{79068B3C-0D6B-4024-8775-EDB764D04106}"/>
+          </ac:picMkLst>
+        </pc:picChg>
+        <pc:picChg chg="add del">
+          <ac:chgData name="William Bickelmann" userId="8a25679aff27a798" providerId="LiveId" clId="{DDCC19B6-375E-46FE-8533-995A0398F90C}" dt="2018-04-30T18:23:32.821" v="557"/>
+          <ac:picMkLst>
+            <pc:docMk/>
+            <pc:sldMk cId="3154972157" sldId="267"/>
+            <ac:picMk id="5" creationId="{1D9E5AFC-4219-406E-8C26-A27B00BA2150}"/>
+          </ac:picMkLst>
+        </pc:picChg>
+        <pc:picChg chg="add mod">
+          <ac:chgData name="William Bickelmann" userId="8a25679aff27a798" providerId="LiveId" clId="{DDCC19B6-375E-46FE-8533-995A0398F90C}" dt="2018-04-30T18:25:38.367" v="784" actId="26606"/>
+          <ac:picMkLst>
+            <pc:docMk/>
+            <pc:sldMk cId="3154972157" sldId="267"/>
+            <ac:picMk id="6" creationId="{A4DBA831-B07D-4534-8806-908D27EA7B71}"/>
+          </ac:picMkLst>
+        </pc:picChg>
+        <pc:picChg chg="add mod">
+          <ac:chgData name="William Bickelmann" userId="8a25679aff27a798" providerId="LiveId" clId="{DDCC19B6-375E-46FE-8533-995A0398F90C}" dt="2018-04-30T18:25:38.367" v="784" actId="26606"/>
+          <ac:picMkLst>
+            <pc:docMk/>
+            <pc:sldMk cId="3154972157" sldId="267"/>
+            <ac:picMk id="7" creationId="{8AC4DC8F-0451-45A6-A5EB-E63AF142A776}"/>
+          </ac:picMkLst>
+        </pc:picChg>
+        <pc:picChg chg="add mod ord">
+          <ac:chgData name="William Bickelmann" userId="8a25679aff27a798" providerId="LiveId" clId="{DDCC19B6-375E-46FE-8533-995A0398F90C}" dt="2018-04-30T18:25:38.367" v="784" actId="26606"/>
+          <ac:picMkLst>
+            <pc:docMk/>
+            <pc:sldMk cId="3154972157" sldId="267"/>
+            <ac:picMk id="8" creationId="{B83567AD-2CE6-4C4E-BD49-584712DB7041}"/>
+          </ac:picMkLst>
+        </pc:picChg>
+        <pc:picChg chg="del">
+          <ac:chgData name="William Bickelmann" userId="8a25679aff27a798" providerId="LiveId" clId="{DDCC19B6-375E-46FE-8533-995A0398F90C}" dt="2018-04-30T18:20:58.490" v="553" actId="478"/>
+          <ac:picMkLst>
+            <pc:docMk/>
+            <pc:sldMk cId="3154972157" sldId="267"/>
+            <ac:picMk id="9" creationId="{7E2860BB-B1F6-485D-8EFF-7EC5F03DB1EF}"/>
+          </ac:picMkLst>
+        </pc:picChg>
+      </pc:sldChg>
+      <pc:sldChg chg="addSp modSp add del">
+        <pc:chgData name="William Bickelmann" userId="8a25679aff27a798" providerId="LiveId" clId="{DDCC19B6-375E-46FE-8533-995A0398F90C}" dt="2018-04-30T18:39:15.367" v="1565" actId="2696"/>
+        <pc:sldMkLst>
+          <pc:docMk/>
+          <pc:sldMk cId="2726910272" sldId="268"/>
+        </pc:sldMkLst>
+        <pc:spChg chg="mod">
+          <ac:chgData name="William Bickelmann" userId="8a25679aff27a798" providerId="LiveId" clId="{DDCC19B6-375E-46FE-8533-995A0398F90C}" dt="2018-04-30T18:34:28.836" v="1186" actId="20577"/>
+          <ac:spMkLst>
+            <pc:docMk/>
+            <pc:sldMk cId="2726910272" sldId="268"/>
+            <ac:spMk id="2" creationId="{0DC84629-F084-4339-A9BB-90B36BB755EA}"/>
+          </ac:spMkLst>
+        </pc:spChg>
+        <pc:spChg chg="mod">
+          <ac:chgData name="William Bickelmann" userId="8a25679aff27a798" providerId="LiveId" clId="{DDCC19B6-375E-46FE-8533-995A0398F90C}" dt="2018-04-30T18:39:08.917" v="1564" actId="20577"/>
+          <ac:spMkLst>
+            <pc:docMk/>
+            <pc:sldMk cId="2726910272" sldId="268"/>
+            <ac:spMk id="3" creationId="{D9C86AE4-0DBE-4960-B4ED-1E5C6CDDAAA0}"/>
+          </ac:spMkLst>
+        </pc:spChg>
+        <pc:picChg chg="add mod">
+          <ac:chgData name="William Bickelmann" userId="8a25679aff27a798" providerId="LiveId" clId="{DDCC19B6-375E-46FE-8533-995A0398F90C}" dt="2018-04-30T18:36:20.923" v="1261" actId="14100"/>
+          <ac:picMkLst>
+            <pc:docMk/>
+            <pc:sldMk cId="2726910272" sldId="268"/>
+            <ac:picMk id="4" creationId="{A3C7C60E-3F66-4A64-85B8-4A268BED0108}"/>
+          </ac:picMkLst>
+        </pc:picChg>
+      </pc:sldChg>
+      <pc:sldChg chg="addSp modSp add mod setBg">
+        <pc:chgData name="William Bickelmann" userId="8a25679aff27a798" providerId="LiveId" clId="{DDCC19B6-375E-46FE-8533-995A0398F90C}" dt="2018-04-30T18:41:23.187" v="1610" actId="113"/>
+        <pc:sldMkLst>
+          <pc:docMk/>
+          <pc:sldMk cId="3345514307" sldId="268"/>
+        </pc:sldMkLst>
+        <pc:spChg chg="mod">
+          <ac:chgData name="William Bickelmann" userId="8a25679aff27a798" providerId="LiveId" clId="{DDCC19B6-375E-46FE-8533-995A0398F90C}" dt="2018-04-30T18:41:17.303" v="1609" actId="1035"/>
+          <ac:spMkLst>
+            <pc:docMk/>
+            <pc:sldMk cId="3345514307" sldId="268"/>
+            <ac:spMk id="2" creationId="{0DC84629-F084-4339-A9BB-90B36BB755EA}"/>
+          </ac:spMkLst>
+        </pc:spChg>
+        <pc:spChg chg="mod">
+          <ac:chgData name="William Bickelmann" userId="8a25679aff27a798" providerId="LiveId" clId="{DDCC19B6-375E-46FE-8533-995A0398F90C}" dt="2018-04-30T18:41:23.187" v="1610" actId="113"/>
+          <ac:spMkLst>
+            <pc:docMk/>
+            <pc:sldMk cId="3345514307" sldId="268"/>
+            <ac:spMk id="3" creationId="{D9C86AE4-0DBE-4960-B4ED-1E5C6CDDAAA0}"/>
+          </ac:spMkLst>
+        </pc:spChg>
+        <pc:spChg chg="add">
+          <ac:chgData name="William Bickelmann" userId="8a25679aff27a798" providerId="LiveId" clId="{DDCC19B6-375E-46FE-8533-995A0398F90C}" dt="2018-04-30T18:41:03.584" v="1591" actId="26606"/>
+          <ac:spMkLst>
+            <pc:docMk/>
+            <pc:sldMk cId="3345514307" sldId="268"/>
+            <ac:spMk id="9" creationId="{E09CCB3F-DBCE-4964-9E34-8C5DE80EF4B5}"/>
+          </ac:spMkLst>
+        </pc:spChg>
+        <pc:spChg chg="add">
+          <ac:chgData name="William Bickelmann" userId="8a25679aff27a798" providerId="LiveId" clId="{DDCC19B6-375E-46FE-8533-995A0398F90C}" dt="2018-04-30T18:41:03.584" v="1591" actId="26606"/>
+          <ac:spMkLst>
+            <pc:docMk/>
+            <pc:sldMk cId="3345514307" sldId="268"/>
+            <ac:spMk id="18" creationId="{1DFF944F-74BA-483A-82C0-64E3AAF4AE98}"/>
+          </ac:spMkLst>
+        </pc:spChg>
+        <pc:grpChg chg="add">
+          <ac:chgData name="William Bickelmann" userId="8a25679aff27a798" providerId="LiveId" clId="{DDCC19B6-375E-46FE-8533-995A0398F90C}" dt="2018-04-30T18:41:03.584" v="1591" actId="26606"/>
+          <ac:grpSpMkLst>
+            <pc:docMk/>
+            <pc:sldMk cId="3345514307" sldId="268"/>
+            <ac:grpSpMk id="11" creationId="{A9733A91-F958-4629-801A-3F6F1E09AD64}"/>
+          </ac:grpSpMkLst>
+        </pc:grpChg>
+        <pc:picChg chg="add mod ord">
+          <ac:chgData name="William Bickelmann" userId="8a25679aff27a798" providerId="LiveId" clId="{DDCC19B6-375E-46FE-8533-995A0398F90C}" dt="2018-04-30T18:41:03.584" v="1591" actId="26606"/>
+          <ac:picMkLst>
+            <pc:docMk/>
+            <pc:sldMk cId="3345514307" sldId="268"/>
+            <ac:picMk id="4" creationId="{A31A6BE7-70A0-4E37-AD3C-711747758766}"/>
+          </ac:picMkLst>
+        </pc:picChg>
+      </pc:sldChg>
+      <pc:sldChg chg="add del">
+        <pc:chgData name="William Bickelmann" userId="8a25679aff27a798" providerId="LiveId" clId="{DDCC19B6-375E-46FE-8533-995A0398F90C}" dt="2018-04-30T18:40:12.714" v="1586"/>
+        <pc:sldMkLst>
+          <pc:docMk/>
+          <pc:sldMk cId="1183488145" sldId="269"/>
+        </pc:sldMkLst>
+      </pc:sldChg>
+      <pc:sldChg chg="addSp delSp modSp add mod setBg">
+        <pc:chgData name="William Bickelmann" userId="8a25679aff27a798" providerId="LiveId" clId="{DDCC19B6-375E-46FE-8533-995A0398F90C}" dt="2018-04-30T18:50:26.975" v="1944" actId="20577"/>
+        <pc:sldMkLst>
+          <pc:docMk/>
+          <pc:sldMk cId="1445372862" sldId="269"/>
+        </pc:sldMkLst>
+        <pc:spChg chg="mod">
+          <ac:chgData name="William Bickelmann" userId="8a25679aff27a798" providerId="LiveId" clId="{DDCC19B6-375E-46FE-8533-995A0398F90C}" dt="2018-04-30T18:49:52.086" v="1936" actId="26606"/>
+          <ac:spMkLst>
+            <pc:docMk/>
+            <pc:sldMk cId="1445372862" sldId="269"/>
+            <ac:spMk id="2" creationId="{0DC84629-F084-4339-A9BB-90B36BB755EA}"/>
+          </ac:spMkLst>
+        </pc:spChg>
+        <pc:spChg chg="mod">
+          <ac:chgData name="William Bickelmann" userId="8a25679aff27a798" providerId="LiveId" clId="{DDCC19B6-375E-46FE-8533-995A0398F90C}" dt="2018-04-30T18:50:26.975" v="1944" actId="20577"/>
+          <ac:spMkLst>
+            <pc:docMk/>
+            <pc:sldMk cId="1445372862" sldId="269"/>
+            <ac:spMk id="3" creationId="{D9C86AE4-0DBE-4960-B4ED-1E5C6CDDAAA0}"/>
+          </ac:spMkLst>
+        </pc:spChg>
+        <pc:spChg chg="add del">
+          <ac:chgData name="William Bickelmann" userId="8a25679aff27a798" providerId="LiveId" clId="{DDCC19B6-375E-46FE-8533-995A0398F90C}" dt="2018-04-30T18:48:12.943" v="1891"/>
+          <ac:spMkLst>
+            <pc:docMk/>
+            <pc:sldMk cId="1445372862" sldId="269"/>
+            <ac:spMk id="4" creationId="{D67D804D-6402-465B-B1A9-E28398FF1EEA}"/>
+          </ac:spMkLst>
+        </pc:spChg>
+        <pc:spChg chg="add">
+          <ac:chgData name="William Bickelmann" userId="8a25679aff27a798" providerId="LiveId" clId="{DDCC19B6-375E-46FE-8533-995A0398F90C}" dt="2018-04-30T18:49:52.086" v="1936" actId="26606"/>
+          <ac:spMkLst>
+            <pc:docMk/>
+            <pc:sldMk cId="1445372862" sldId="269"/>
+            <ac:spMk id="10" creationId="{E09CCB3F-DBCE-4964-9E34-8C5DE80EF4B5}"/>
+          </ac:spMkLst>
+        </pc:spChg>
+        <pc:spChg chg="add">
+          <ac:chgData name="William Bickelmann" userId="8a25679aff27a798" providerId="LiveId" clId="{DDCC19B6-375E-46FE-8533-995A0398F90C}" dt="2018-04-30T18:49:52.086" v="1936" actId="26606"/>
+          <ac:spMkLst>
+            <pc:docMk/>
+            <pc:sldMk cId="1445372862" sldId="269"/>
+            <ac:spMk id="19" creationId="{1DFF944F-74BA-483A-82C0-64E3AAF4AE98}"/>
+          </ac:spMkLst>
+        </pc:spChg>
+        <pc:grpChg chg="add">
+          <ac:chgData name="William Bickelmann" userId="8a25679aff27a798" providerId="LiveId" clId="{DDCC19B6-375E-46FE-8533-995A0398F90C}" dt="2018-04-30T18:49:52.086" v="1936" actId="26606"/>
+          <ac:grpSpMkLst>
+            <pc:docMk/>
+            <pc:sldMk cId="1445372862" sldId="269"/>
+            <ac:grpSpMk id="12" creationId="{A9733A91-F958-4629-801A-3F6F1E09AD64}"/>
+          </ac:grpSpMkLst>
+        </pc:grpChg>
+        <pc:picChg chg="add mod ord">
+          <ac:chgData name="William Bickelmann" userId="8a25679aff27a798" providerId="LiveId" clId="{DDCC19B6-375E-46FE-8533-995A0398F90C}" dt="2018-04-30T18:49:52.086" v="1936" actId="26606"/>
+          <ac:picMkLst>
+            <pc:docMk/>
+            <pc:sldMk cId="1445372862" sldId="269"/>
+            <ac:picMk id="5" creationId="{3EF7EDD0-3934-4C6A-9731-F680A480D592}"/>
+          </ac:picMkLst>
+        </pc:picChg>
+      </pc:sldChg>
+      <pc:sldChg chg="addSp modSp add mod setBg">
+        <pc:chgData name="William Bickelmann" userId="8a25679aff27a798" providerId="LiveId" clId="{DDCC19B6-375E-46FE-8533-995A0398F90C}" dt="2018-04-30T18:57:44.584" v="2190" actId="14100"/>
+        <pc:sldMkLst>
+          <pc:docMk/>
+          <pc:sldMk cId="762061507" sldId="270"/>
+        </pc:sldMkLst>
+        <pc:spChg chg="mod">
+          <ac:chgData name="William Bickelmann" userId="8a25679aff27a798" providerId="LiveId" clId="{DDCC19B6-375E-46FE-8533-995A0398F90C}" dt="2018-04-30T18:55:57.624" v="2053" actId="26606"/>
+          <ac:spMkLst>
+            <pc:docMk/>
+            <pc:sldMk cId="762061507" sldId="270"/>
+            <ac:spMk id="2" creationId="{0DC84629-F084-4339-A9BB-90B36BB755EA}"/>
+          </ac:spMkLst>
+        </pc:spChg>
+        <pc:spChg chg="mod">
+          <ac:chgData name="William Bickelmann" userId="8a25679aff27a798" providerId="LiveId" clId="{DDCC19B6-375E-46FE-8533-995A0398F90C}" dt="2018-04-30T18:57:44.584" v="2190" actId="14100"/>
+          <ac:spMkLst>
+            <pc:docMk/>
+            <pc:sldMk cId="762061507" sldId="270"/>
+            <ac:spMk id="3" creationId="{D9C86AE4-0DBE-4960-B4ED-1E5C6CDDAAA0}"/>
+          </ac:spMkLst>
+        </pc:spChg>
+        <pc:spChg chg="add">
+          <ac:chgData name="William Bickelmann" userId="8a25679aff27a798" providerId="LiveId" clId="{DDCC19B6-375E-46FE-8533-995A0398F90C}" dt="2018-04-30T18:55:57.624" v="2053" actId="26606"/>
+          <ac:spMkLst>
+            <pc:docMk/>
+            <pc:sldMk cId="762061507" sldId="270"/>
+            <ac:spMk id="9" creationId="{E09CCB3F-DBCE-4964-9E34-8C5DE80EF4B5}"/>
+          </ac:spMkLst>
+        </pc:spChg>
+        <pc:spChg chg="add">
+          <ac:chgData name="William Bickelmann" userId="8a25679aff27a798" providerId="LiveId" clId="{DDCC19B6-375E-46FE-8533-995A0398F90C}" dt="2018-04-30T18:55:57.624" v="2053" actId="26606"/>
+          <ac:spMkLst>
+            <pc:docMk/>
+            <pc:sldMk cId="762061507" sldId="270"/>
+            <ac:spMk id="18" creationId="{1DFF944F-74BA-483A-82C0-64E3AAF4AE98}"/>
+          </ac:spMkLst>
+        </pc:spChg>
+        <pc:grpChg chg="add">
+          <ac:chgData name="William Bickelmann" userId="8a25679aff27a798" providerId="LiveId" clId="{DDCC19B6-375E-46FE-8533-995A0398F90C}" dt="2018-04-30T18:55:57.624" v="2053" actId="26606"/>
+          <ac:grpSpMkLst>
+            <pc:docMk/>
+            <pc:sldMk cId="762061507" sldId="270"/>
+            <ac:grpSpMk id="11" creationId="{A9733A91-F958-4629-801A-3F6F1E09AD64}"/>
+          </ac:grpSpMkLst>
+        </pc:grpChg>
+        <pc:picChg chg="add mod ord">
+          <ac:chgData name="William Bickelmann" userId="8a25679aff27a798" providerId="LiveId" clId="{DDCC19B6-375E-46FE-8533-995A0398F90C}" dt="2018-04-30T18:55:57.624" v="2053" actId="26606"/>
+          <ac:picMkLst>
+            <pc:docMk/>
+            <pc:sldMk cId="762061507" sldId="270"/>
+            <ac:picMk id="4" creationId="{65F49319-859C-4635-8F2C-3EA48BD56F38}"/>
+          </ac:picMkLst>
+        </pc:picChg>
+      </pc:sldChg>
+      <pc:sldChg chg="addSp delSp modSp add mod setBg">
+        <pc:chgData name="William Bickelmann" userId="8a25679aff27a798" providerId="LiveId" clId="{DDCC19B6-375E-46FE-8533-995A0398F90C}" dt="2018-04-30T19:02:48.957" v="2315" actId="255"/>
+        <pc:sldMkLst>
+          <pc:docMk/>
+          <pc:sldMk cId="3044392806" sldId="271"/>
+        </pc:sldMkLst>
+        <pc:spChg chg="mod">
+          <ac:chgData name="William Bickelmann" userId="8a25679aff27a798" providerId="LiveId" clId="{DDCC19B6-375E-46FE-8533-995A0398F90C}" dt="2018-04-30T19:01:20.180" v="2215" actId="26606"/>
+          <ac:spMkLst>
+            <pc:docMk/>
+            <pc:sldMk cId="3044392806" sldId="271"/>
+            <ac:spMk id="2" creationId="{320F7AF6-CFBB-4BC1-9930-FCEB54A95511}"/>
+          </ac:spMkLst>
+        </pc:spChg>
+        <pc:spChg chg="mod">
+          <ac:chgData name="William Bickelmann" userId="8a25679aff27a798" providerId="LiveId" clId="{DDCC19B6-375E-46FE-8533-995A0398F90C}" dt="2018-04-30T19:02:48.957" v="2315" actId="255"/>
+          <ac:spMkLst>
+            <pc:docMk/>
+            <pc:sldMk cId="3044392806" sldId="271"/>
+            <ac:spMk id="3" creationId="{8DDE47E3-E5F3-4859-A3B9-9CBAA3775F06}"/>
+          </ac:spMkLst>
+        </pc:spChg>
+        <pc:spChg chg="add del">
+          <ac:chgData name="William Bickelmann" userId="8a25679aff27a798" providerId="LiveId" clId="{DDCC19B6-375E-46FE-8533-995A0398F90C}" dt="2018-04-30T19:00:31.658" v="2211"/>
+          <ac:spMkLst>
+            <pc:docMk/>
+            <pc:sldMk cId="3044392806" sldId="271"/>
+            <ac:spMk id="4" creationId="{4046B37C-70E8-4799-8301-DA46BE903731}"/>
+          </ac:spMkLst>
+        </pc:spChg>
+        <pc:spChg chg="add">
+          <ac:chgData name="William Bickelmann" userId="8a25679aff27a798" providerId="LiveId" clId="{DDCC19B6-375E-46FE-8533-995A0398F90C}" dt="2018-04-30T19:01:20.180" v="2215" actId="26606"/>
+          <ac:spMkLst>
+            <pc:docMk/>
+            <pc:sldMk cId="3044392806" sldId="271"/>
+            <ac:spMk id="10" creationId="{E09CCB3F-DBCE-4964-9E34-8C5DE80EF4B5}"/>
+          </ac:spMkLst>
+        </pc:spChg>
+        <pc:spChg chg="add">
+          <ac:chgData name="William Bickelmann" userId="8a25679aff27a798" providerId="LiveId" clId="{DDCC19B6-375E-46FE-8533-995A0398F90C}" dt="2018-04-30T19:01:20.180" v="2215" actId="26606"/>
+          <ac:spMkLst>
+            <pc:docMk/>
+            <pc:sldMk cId="3044392806" sldId="271"/>
+            <ac:spMk id="19" creationId="{1DFF944F-74BA-483A-82C0-64E3AAF4AE98}"/>
+          </ac:spMkLst>
+        </pc:spChg>
+        <pc:grpChg chg="add">
+          <ac:chgData name="William Bickelmann" userId="8a25679aff27a798" providerId="LiveId" clId="{DDCC19B6-375E-46FE-8533-995A0398F90C}" dt="2018-04-30T19:01:20.180" v="2215" actId="26606"/>
+          <ac:grpSpMkLst>
+            <pc:docMk/>
+            <pc:sldMk cId="3044392806" sldId="271"/>
+            <ac:grpSpMk id="12" creationId="{A9733A91-F958-4629-801A-3F6F1E09AD64}"/>
+          </ac:grpSpMkLst>
+        </pc:grpChg>
+        <pc:picChg chg="add mod ord">
+          <ac:chgData name="William Bickelmann" userId="8a25679aff27a798" providerId="LiveId" clId="{DDCC19B6-375E-46FE-8533-995A0398F90C}" dt="2018-04-30T19:01:20.180" v="2215" actId="26606"/>
+          <ac:picMkLst>
+            <pc:docMk/>
+            <pc:sldMk cId="3044392806" sldId="271"/>
+            <ac:picMk id="5" creationId="{9F28CFC9-F141-4F08-BBC2-964DE8EC2804}"/>
+          </ac:picMkLst>
+        </pc:picChg>
+      </pc:sldChg>
+      <pc:sldChg chg="addSp modSp add mod setBg">
+        <pc:chgData name="William Bickelmann" userId="8a25679aff27a798" providerId="LiveId" clId="{DDCC19B6-375E-46FE-8533-995A0398F90C}" dt="2018-04-30T19:05:11.298" v="2483" actId="1036"/>
+        <pc:sldMkLst>
+          <pc:docMk/>
+          <pc:sldMk cId="3624225864" sldId="272"/>
+        </pc:sldMkLst>
+        <pc:spChg chg="mod">
+          <ac:chgData name="William Bickelmann" userId="8a25679aff27a798" providerId="LiveId" clId="{DDCC19B6-375E-46FE-8533-995A0398F90C}" dt="2018-04-30T19:04:07.577" v="2345" actId="14100"/>
+          <ac:spMkLst>
+            <pc:docMk/>
+            <pc:sldMk cId="3624225864" sldId="272"/>
+            <ac:spMk id="2" creationId="{92B0A96E-44ED-4EE9-9EC5-A9A4CB60F53B}"/>
+          </ac:spMkLst>
+        </pc:spChg>
+        <pc:spChg chg="mod">
+          <ac:chgData name="William Bickelmann" userId="8a25679aff27a798" providerId="LiveId" clId="{DDCC19B6-375E-46FE-8533-995A0398F90C}" dt="2018-04-30T19:05:11.298" v="2483" actId="1036"/>
+          <ac:spMkLst>
+            <pc:docMk/>
+            <pc:sldMk cId="3624225864" sldId="272"/>
+            <ac:spMk id="3" creationId="{83BA63FD-15E9-42EF-90D7-278EAEF4AB5A}"/>
+          </ac:spMkLst>
+        </pc:spChg>
+        <pc:spChg chg="add">
+          <ac:chgData name="William Bickelmann" userId="8a25679aff27a798" providerId="LiveId" clId="{DDCC19B6-375E-46FE-8533-995A0398F90C}" dt="2018-04-30T19:03:59.870" v="2343" actId="26606"/>
+          <ac:spMkLst>
+            <pc:docMk/>
+            <pc:sldMk cId="3624225864" sldId="272"/>
+            <ac:spMk id="9" creationId="{E09CCB3F-DBCE-4964-9E34-8C5DE80EF4B5}"/>
+          </ac:spMkLst>
+        </pc:spChg>
+        <pc:spChg chg="add">
+          <ac:chgData name="William Bickelmann" userId="8a25679aff27a798" providerId="LiveId" clId="{DDCC19B6-375E-46FE-8533-995A0398F90C}" dt="2018-04-30T19:03:59.870" v="2343" actId="26606"/>
+          <ac:spMkLst>
+            <pc:docMk/>
+            <pc:sldMk cId="3624225864" sldId="272"/>
+            <ac:spMk id="18" creationId="{1DFF944F-74BA-483A-82C0-64E3AAF4AE98}"/>
+          </ac:spMkLst>
+        </pc:spChg>
+        <pc:grpChg chg="add">
+          <ac:chgData name="William Bickelmann" userId="8a25679aff27a798" providerId="LiveId" clId="{DDCC19B6-375E-46FE-8533-995A0398F90C}" dt="2018-04-30T19:03:59.870" v="2343" actId="26606"/>
+          <ac:grpSpMkLst>
+            <pc:docMk/>
+            <pc:sldMk cId="3624225864" sldId="272"/>
+            <ac:grpSpMk id="11" creationId="{A9733A91-F958-4629-801A-3F6F1E09AD64}"/>
+          </ac:grpSpMkLst>
+        </pc:grpChg>
+        <pc:picChg chg="add mod ord">
+          <ac:chgData name="William Bickelmann" userId="8a25679aff27a798" providerId="LiveId" clId="{DDCC19B6-375E-46FE-8533-995A0398F90C}" dt="2018-04-30T19:03:59.870" v="2343" actId="26606"/>
+          <ac:picMkLst>
+            <pc:docMk/>
+            <pc:sldMk cId="3624225864" sldId="272"/>
+            <ac:picMk id="4" creationId="{D3356930-1215-4696-8959-673BFB653569}"/>
+          </ac:picMkLst>
+        </pc:picChg>
+      </pc:sldChg>
+      <pc:sldChg chg="addSp modSp add mod setBg setClrOvrMap">
+        <pc:chgData name="William Bickelmann" userId="8a25679aff27a798" providerId="LiveId" clId="{DDCC19B6-375E-46FE-8533-995A0398F90C}" dt="2018-04-30T19:07:55.683" v="2809" actId="113"/>
+        <pc:sldMkLst>
+          <pc:docMk/>
+          <pc:sldMk cId="849198931" sldId="273"/>
+        </pc:sldMkLst>
+        <pc:spChg chg="mod">
+          <ac:chgData name="William Bickelmann" userId="8a25679aff27a798" providerId="LiveId" clId="{DDCC19B6-375E-46FE-8533-995A0398F90C}" dt="2018-04-30T19:06:22.220" v="2584" actId="1036"/>
+          <ac:spMkLst>
+            <pc:docMk/>
+            <pc:sldMk cId="849198931" sldId="273"/>
+            <ac:spMk id="2" creationId="{3C39B52F-4CB3-42A6-9E69-EC19465558B3}"/>
+          </ac:spMkLst>
+        </pc:spChg>
+        <pc:spChg chg="mod">
+          <ac:chgData name="William Bickelmann" userId="8a25679aff27a798" providerId="LiveId" clId="{DDCC19B6-375E-46FE-8533-995A0398F90C}" dt="2018-04-30T19:07:55.683" v="2809" actId="113"/>
+          <ac:spMkLst>
+            <pc:docMk/>
+            <pc:sldMk cId="849198931" sldId="273"/>
+            <ac:spMk id="3" creationId="{CA7F9987-BAD0-4E06-BB95-C1DEC2C1FBA4}"/>
+          </ac:spMkLst>
+        </pc:spChg>
+        <pc:spChg chg="add">
+          <ac:chgData name="William Bickelmann" userId="8a25679aff27a798" providerId="LiveId" clId="{DDCC19B6-375E-46FE-8533-995A0398F90C}" dt="2018-04-30T19:06:02.066" v="2511" actId="26606"/>
+          <ac:spMkLst>
+            <pc:docMk/>
+            <pc:sldMk cId="849198931" sldId="273"/>
+            <ac:spMk id="9" creationId="{124D9F5B-C72B-41EE-97C2-D3600B62717D}"/>
+          </ac:spMkLst>
+        </pc:spChg>
+        <pc:grpChg chg="add">
+          <ac:chgData name="William Bickelmann" userId="8a25679aff27a798" providerId="LiveId" clId="{DDCC19B6-375E-46FE-8533-995A0398F90C}" dt="2018-04-30T19:06:02.066" v="2511" actId="26606"/>
+          <ac:grpSpMkLst>
+            <pc:docMk/>
+            <pc:sldMk cId="849198931" sldId="273"/>
+            <ac:grpSpMk id="11" creationId="{0180A64C-1862-4B1B-8953-FA96DEE4C44F}"/>
+          </ac:grpSpMkLst>
+        </pc:grpChg>
+        <pc:picChg chg="add mod ord">
+          <ac:chgData name="William Bickelmann" userId="8a25679aff27a798" providerId="LiveId" clId="{DDCC19B6-375E-46FE-8533-995A0398F90C}" dt="2018-04-30T19:06:02.066" v="2511" actId="26606"/>
+          <ac:picMkLst>
+            <pc:docMk/>
+            <pc:sldMk cId="849198931" sldId="273"/>
+            <ac:picMk id="4" creationId="{FAE6563D-8E2D-4BFC-9807-FBACEE7841BA}"/>
+          </ac:picMkLst>
+        </pc:picChg>
       </pc:sldChg>
     </pc:docChg>
   </pc:docChgLst>
@@ -337,7 +1035,7 @@
             <a:fld id="{B61BEF0D-F0BB-DE4B-95CE-6DB70DBA9567}" type="datetimeFigureOut">
               <a:rPr lang="en-US" dirty="0"/>
               <a:pPr/>
-              <a:t>2/26/2018</a:t>
+              <a:t>4/30/2018</a:t>
             </a:fld>
             <a:endParaRPr lang="en-US" dirty="0"/>
           </a:p>
@@ -770,7 +1468,7 @@
             <a:fld id="{B61BEF0D-F0BB-DE4B-95CE-6DB70DBA9567}" type="datetimeFigureOut">
               <a:rPr lang="en-US" dirty="0"/>
               <a:pPr/>
-              <a:t>2/26/2018</a:t>
+              <a:t>4/30/2018</a:t>
             </a:fld>
             <a:endParaRPr lang="en-US" dirty="0"/>
           </a:p>
@@ -1017,7 +1715,7 @@
             <a:fld id="{B61BEF0D-F0BB-DE4B-95CE-6DB70DBA9567}" type="datetimeFigureOut">
               <a:rPr lang="en-US" dirty="0"/>
               <a:pPr/>
-              <a:t>2/26/2018</a:t>
+              <a:t>4/30/2018</a:t>
             </a:fld>
             <a:endParaRPr lang="en-US" dirty="0"/>
           </a:p>
@@ -1322,7 +2020,7 @@
             <a:fld id="{B61BEF0D-F0BB-DE4B-95CE-6DB70DBA9567}" type="datetimeFigureOut">
               <a:rPr lang="en-US" dirty="0"/>
               <a:pPr/>
-              <a:t>2/26/2018</a:t>
+              <a:t>4/30/2018</a:t>
             </a:fld>
             <a:endParaRPr lang="en-US" dirty="0"/>
           </a:p>
@@ -1637,7 +2335,7 @@
             <a:fld id="{B61BEF0D-F0BB-DE4B-95CE-6DB70DBA9567}" type="datetimeFigureOut">
               <a:rPr lang="en-US" dirty="0"/>
               <a:pPr/>
-              <a:t>2/26/2018</a:t>
+              <a:t>4/30/2018</a:t>
             </a:fld>
             <a:endParaRPr lang="en-US" dirty="0"/>
           </a:p>
@@ -1936,7 +2634,7 @@
             <a:fld id="{B61BEF0D-F0BB-DE4B-95CE-6DB70DBA9567}" type="datetimeFigureOut">
               <a:rPr lang="en-US" dirty="0"/>
               <a:pPr/>
-              <a:t>2/26/2018</a:t>
+              <a:t>4/30/2018</a:t>
             </a:fld>
             <a:endParaRPr lang="en-US" dirty="0"/>
           </a:p>
@@ -2300,7 +2998,7 @@
             <a:fld id="{B61BEF0D-F0BB-DE4B-95CE-6DB70DBA9567}" type="datetimeFigureOut">
               <a:rPr lang="en-US" dirty="0"/>
               <a:pPr/>
-              <a:t>2/26/2018</a:t>
+              <a:t>4/30/2018</a:t>
             </a:fld>
             <a:endParaRPr lang="en-US" dirty="0"/>
           </a:p>
@@ -2471,7 +3169,7 @@
             <a:fld id="{B61BEF0D-F0BB-DE4B-95CE-6DB70DBA9567}" type="datetimeFigureOut">
               <a:rPr lang="en-US" dirty="0"/>
               <a:pPr/>
-              <a:t>2/26/2018</a:t>
+              <a:t>4/30/2018</a:t>
             </a:fld>
             <a:endParaRPr lang="en-US" dirty="0"/>
           </a:p>
@@ -2648,7 +3346,7 @@
             <a:fld id="{B61BEF0D-F0BB-DE4B-95CE-6DB70DBA9567}" type="datetimeFigureOut">
               <a:rPr lang="en-US" dirty="0"/>
               <a:pPr/>
-              <a:t>2/26/2018</a:t>
+              <a:t>4/30/2018</a:t>
             </a:fld>
             <a:endParaRPr lang="en-US" dirty="0"/>
           </a:p>
@@ -2815,7 +3513,7 @@
             <a:fld id="{B61BEF0D-F0BB-DE4B-95CE-6DB70DBA9567}" type="datetimeFigureOut">
               <a:rPr lang="en-US" dirty="0"/>
               <a:pPr/>
-              <a:t>2/26/2018</a:t>
+              <a:t>4/30/2018</a:t>
             </a:fld>
             <a:endParaRPr lang="en-US" dirty="0"/>
           </a:p>
@@ -3062,7 +3760,7 @@
             <a:fld id="{B61BEF0D-F0BB-DE4B-95CE-6DB70DBA9567}" type="datetimeFigureOut">
               <a:rPr lang="en-US" dirty="0"/>
               <a:pPr/>
-              <a:t>2/26/2018</a:t>
+              <a:t>4/30/2018</a:t>
             </a:fld>
             <a:endParaRPr lang="en-US" dirty="0"/>
           </a:p>
@@ -3295,7 +3993,7 @@
             <a:fld id="{B61BEF0D-F0BB-DE4B-95CE-6DB70DBA9567}" type="datetimeFigureOut">
               <a:rPr lang="en-US" dirty="0"/>
               <a:pPr/>
-              <a:t>2/26/2018</a:t>
+              <a:t>4/30/2018</a:t>
             </a:fld>
             <a:endParaRPr lang="en-US" dirty="0"/>
           </a:p>
@@ -3674,7 +4372,7 @@
             <a:fld id="{B61BEF0D-F0BB-DE4B-95CE-6DB70DBA9567}" type="datetimeFigureOut">
               <a:rPr lang="en-US" dirty="0"/>
               <a:pPr/>
-              <a:t>2/26/2018</a:t>
+              <a:t>4/30/2018</a:t>
             </a:fld>
             <a:endParaRPr lang="en-US" dirty="0"/>
           </a:p>
@@ -3789,7 +4487,7 @@
             <a:fld id="{B61BEF0D-F0BB-DE4B-95CE-6DB70DBA9567}" type="datetimeFigureOut">
               <a:rPr lang="en-US" dirty="0"/>
               <a:pPr/>
-              <a:t>2/26/2018</a:t>
+              <a:t>4/30/2018</a:t>
             </a:fld>
             <a:endParaRPr lang="en-US" dirty="0"/>
           </a:p>
@@ -3881,7 +4579,7 @@
             <a:fld id="{B61BEF0D-F0BB-DE4B-95CE-6DB70DBA9567}" type="datetimeFigureOut">
               <a:rPr lang="en-US" dirty="0"/>
               <a:pPr/>
-              <a:t>2/26/2018</a:t>
+              <a:t>4/30/2018</a:t>
             </a:fld>
             <a:endParaRPr lang="en-US" dirty="0"/>
           </a:p>
@@ -4133,7 +4831,7 @@
             <a:fld id="{B61BEF0D-F0BB-DE4B-95CE-6DB70DBA9567}" type="datetimeFigureOut">
               <a:rPr lang="en-US" dirty="0"/>
               <a:pPr/>
-              <a:t>2/26/2018</a:t>
+              <a:t>4/30/2018</a:t>
             </a:fld>
             <a:endParaRPr lang="en-US" dirty="0"/>
           </a:p>
@@ -4413,7 +5111,7 @@
             <a:fld id="{B61BEF0D-F0BB-DE4B-95CE-6DB70DBA9567}" type="datetimeFigureOut">
               <a:rPr lang="en-US" dirty="0"/>
               <a:pPr/>
-              <a:t>2/26/2018</a:t>
+              <a:t>4/30/2018</a:t>
             </a:fld>
             <a:endParaRPr lang="en-US" dirty="0"/>
           </a:p>
@@ -4816,7 +5514,7 @@
             <a:fld id="{B61BEF0D-F0BB-DE4B-95CE-6DB70DBA9567}" type="datetimeFigureOut">
               <a:rPr lang="en-US" dirty="0"/>
               <a:pPr/>
-              <a:t>2/26/2018</a:t>
+              <a:t>4/30/2018</a:t>
             </a:fld>
             <a:endParaRPr lang="en-US" dirty="0"/>
           </a:p>
@@ -5430,6 +6128,14 @@
 <file path=ppt/slides/slide10.xml><?xml version="1.0" encoding="utf-8"?>
 <p:sld xmlns:a="http://schemas.openxmlformats.org/drawingml/2006/main" xmlns:r="http://schemas.openxmlformats.org/officeDocument/2006/relationships" xmlns:p="http://schemas.openxmlformats.org/presentationml/2006/main">
   <p:cSld>
+    <p:bg>
+      <p:bgPr>
+        <a:solidFill>
+          <a:schemeClr val="bg1"/>
+        </a:solidFill>
+        <a:effectLst/>
+      </p:bgPr>
+    </p:bg>
     <p:spTree>
       <p:nvGrpSpPr>
         <p:cNvPr id="1" name=""/>
@@ -5446,77 +6152,331 @@
       </p:grpSpPr>
       <p:sp>
         <p:nvSpPr>
-          <p:cNvPr id="2" name="Title 1">
+          <p:cNvPr id="9" name="Rectangle 8">
             <a:extLst>
               <a:ext uri="{FF2B5EF4-FFF2-40B4-BE49-F238E27FC236}">
-                <a16:creationId xmlns:a16="http://schemas.microsoft.com/office/drawing/2014/main" id="{2C7074E8-5655-4E27-BBB1-C8C74BA3B5BD}"/>
+                <a16:creationId xmlns:a16="http://schemas.microsoft.com/office/drawing/2014/main" id="{124D9F5B-C72B-41EE-97C2-D3600B62717D}"/>
               </a:ext>
             </a:extLst>
           </p:cNvPr>
           <p:cNvSpPr>
-            <a:spLocks noGrp="1"/>
-          </p:cNvSpPr>
-          <p:nvPr>
-            <p:ph type="title"/>
-          </p:nvPr>
-        </p:nvSpPr>
-        <p:spPr/>
-        <p:txBody>
-          <a:bodyPr/>
+            <a:spLocks noGrp="1" noRot="1" noChangeAspect="1" noMove="1" noResize="1" noEditPoints="1" noAdjustHandles="1" noChangeArrowheads="1" noChangeShapeType="1" noTextEdit="1"/>
+          </p:cNvSpPr>
+          <p:nvPr>
+            <p:extLst>
+              <p:ext uri="{386F3935-93C4-4BCD-93E2-E3B085C9AB24}">
+                <p16:designElem xmlns:p16="http://schemas.microsoft.com/office/powerpoint/2015/main" val="1"/>
+              </p:ext>
+            </p:extLst>
+          </p:nvPr>
+        </p:nvSpPr>
+        <p:spPr>
+          <a:xfrm>
+            <a:off x="0" y="0"/>
+            <a:ext cx="12192000" cy="6858000"/>
+          </a:xfrm>
+          <a:prstGeom prst="rect">
+            <a:avLst/>
+          </a:prstGeom>
+          <a:ln>
+            <a:noFill/>
+          </a:ln>
+        </p:spPr>
+        <p:style>
+          <a:lnRef idx="2">
+            <a:schemeClr val="accent1">
+              <a:shade val="50000"/>
+            </a:schemeClr>
+          </a:lnRef>
+          <a:fillRef idx="1002">
+            <a:schemeClr val="dk2"/>
+          </a:fillRef>
+          <a:effectRef idx="0">
+            <a:schemeClr val="accent1"/>
+          </a:effectRef>
+          <a:fontRef idx="minor">
+            <a:schemeClr val="lt1"/>
+          </a:fontRef>
+        </p:style>
+        <p:txBody>
+          <a:bodyPr rtlCol="0" anchor="ctr"/>
           <a:lstStyle/>
           <a:p>
-            <a:r>
-              <a:rPr lang="en-US" dirty="0"/>
-              <a:t>Results!</a:t>
-            </a:r>
-          </a:p>
-        </p:txBody>
-      </p:sp>
-      <p:sp>
-        <p:nvSpPr>
-          <p:cNvPr id="3" name="Content Placeholder 2">
+            <a:pPr algn="ctr"/>
+            <a:endParaRPr lang="en-US"/>
+          </a:p>
+        </p:txBody>
+      </p:sp>
+      <p:grpSp>
+        <p:nvGrpSpPr>
+          <p:cNvPr id="11" name="Group 10">
             <a:extLst>
               <a:ext uri="{FF2B5EF4-FFF2-40B4-BE49-F238E27FC236}">
-                <a16:creationId xmlns:a16="http://schemas.microsoft.com/office/drawing/2014/main" id="{31E08819-215F-4CDA-94CA-3E5BC7A703EB}"/>
+                <a16:creationId xmlns:a16="http://schemas.microsoft.com/office/drawing/2014/main" id="{0180A64C-1862-4B1B-8953-FA96DEE4C44F}"/>
               </a:ext>
             </a:extLst>
           </p:cNvPr>
-          <p:cNvSpPr>
-            <a:spLocks noGrp="1"/>
-          </p:cNvSpPr>
-          <p:nvPr>
-            <p:ph idx="1"/>
-          </p:nvPr>
-        </p:nvSpPr>
-        <p:spPr>
+          <p:cNvGrpSpPr>
+            <a:grpSpLocks noGrp="1" noUngrp="1" noRot="1" noChangeAspect="1" noMove="1" noResize="1"/>
+          </p:cNvGrpSpPr>
+          <p:nvPr>
+            <p:extLst>
+              <p:ext uri="{386F3935-93C4-4BCD-93E2-E3B085C9AB24}">
+                <p16:designElem xmlns:p16="http://schemas.microsoft.com/office/powerpoint/2015/main" val="1"/>
+              </p:ext>
+            </p:extLst>
+          </p:nvPr>
+        </p:nvGrpSpPr>
+        <p:grpSpPr>
           <a:xfrm>
-            <a:off x="684212" y="685800"/>
-            <a:ext cx="8534400" cy="2295525"/>
+            <a:off x="9206969" y="2963333"/>
+            <a:ext cx="2981858" cy="3208867"/>
+            <a:chOff x="9206969" y="2963333"/>
+            <a:chExt cx="2981858" cy="3208867"/>
           </a:xfrm>
-        </p:spPr>
-        <p:txBody>
-          <a:bodyPr/>
-          <a:lstStyle/>
-          <a:p>
-            <a:r>
-              <a:rPr lang="en-US" dirty="0"/>
-              <a:t>Random Forest Achieved best result</a:t>
-            </a:r>
-          </a:p>
-          <a:p>
-            <a:pPr marL="0" indent="0">
-              <a:buNone/>
-            </a:pPr>
-            <a:endParaRPr lang="en-US" dirty="0"/>
-          </a:p>
-        </p:txBody>
-      </p:sp>
+        </p:grpSpPr>
+        <p:cxnSp>
+          <p:nvCxnSpPr>
+            <p:cNvPr id="12" name="Straight Connector 11">
+              <a:extLst>
+                <a:ext uri="{FF2B5EF4-FFF2-40B4-BE49-F238E27FC236}">
+                  <a16:creationId xmlns:a16="http://schemas.microsoft.com/office/drawing/2014/main" id="{52859A51-B3CA-4126-956F-D0DCCBA21294}"/>
+                </a:ext>
+              </a:extLst>
+            </p:cNvPr>
+            <p:cNvCxnSpPr/>
+            <p:nvPr>
+              <p:extLst>
+                <p:ext uri="{386F3935-93C4-4BCD-93E2-E3B085C9AB24}">
+                  <p16:designElem xmlns:p16="http://schemas.microsoft.com/office/powerpoint/2015/main" val="1"/>
+                </p:ext>
+              </p:extLst>
+            </p:nvPr>
+          </p:nvCxnSpPr>
+          <p:spPr>
+            <a:xfrm flipH="1">
+              <a:off x="11276012" y="2963333"/>
+              <a:ext cx="912814" cy="912812"/>
+            </a:xfrm>
+            <a:prstGeom prst="line">
+              <a:avLst/>
+            </a:prstGeom>
+            <a:ln w="9525">
+              <a:solidFill>
+                <a:srgbClr val="FFFFFF"/>
+              </a:solidFill>
+            </a:ln>
+          </p:spPr>
+          <p:style>
+            <a:lnRef idx="2">
+              <a:schemeClr val="accent1"/>
+            </a:lnRef>
+            <a:fillRef idx="0">
+              <a:schemeClr val="accent1"/>
+            </a:fillRef>
+            <a:effectRef idx="1">
+              <a:schemeClr val="accent1"/>
+            </a:effectRef>
+            <a:fontRef idx="minor">
+              <a:schemeClr val="tx1"/>
+            </a:fontRef>
+          </p:style>
+        </p:cxnSp>
+        <p:cxnSp>
+          <p:nvCxnSpPr>
+            <p:cNvPr id="13" name="Straight Connector 12">
+              <a:extLst>
+                <a:ext uri="{FF2B5EF4-FFF2-40B4-BE49-F238E27FC236}">
+                  <a16:creationId xmlns:a16="http://schemas.microsoft.com/office/drawing/2014/main" id="{1ECA05ED-FBC3-48F4-8E6D-AB89EC6081CF}"/>
+                </a:ext>
+              </a:extLst>
+            </p:cNvPr>
+            <p:cNvCxnSpPr/>
+            <p:nvPr>
+              <p:extLst>
+                <p:ext uri="{386F3935-93C4-4BCD-93E2-E3B085C9AB24}">
+                  <p16:designElem xmlns:p16="http://schemas.microsoft.com/office/powerpoint/2015/main" val="1"/>
+                </p:ext>
+              </p:extLst>
+            </p:nvPr>
+          </p:nvCxnSpPr>
+          <p:spPr>
+            <a:xfrm flipH="1">
+              <a:off x="9206969" y="3190344"/>
+              <a:ext cx="2981857" cy="2981856"/>
+            </a:xfrm>
+            <a:prstGeom prst="line">
+              <a:avLst/>
+            </a:prstGeom>
+            <a:ln w="9525">
+              <a:solidFill>
+                <a:srgbClr val="FFFFFF"/>
+              </a:solidFill>
+            </a:ln>
+          </p:spPr>
+          <p:style>
+            <a:lnRef idx="2">
+              <a:schemeClr val="accent1"/>
+            </a:lnRef>
+            <a:fillRef idx="0">
+              <a:schemeClr val="accent1"/>
+            </a:fillRef>
+            <a:effectRef idx="1">
+              <a:schemeClr val="accent1"/>
+            </a:effectRef>
+            <a:fontRef idx="minor">
+              <a:schemeClr val="tx1"/>
+            </a:fontRef>
+          </p:style>
+        </p:cxnSp>
+        <p:cxnSp>
+          <p:nvCxnSpPr>
+            <p:cNvPr id="14" name="Straight Connector 13">
+              <a:extLst>
+                <a:ext uri="{FF2B5EF4-FFF2-40B4-BE49-F238E27FC236}">
+                  <a16:creationId xmlns:a16="http://schemas.microsoft.com/office/drawing/2014/main" id="{5EE24CC5-F080-45A3-B2B4-59A7BCA5AB4A}"/>
+                </a:ext>
+              </a:extLst>
+            </p:cNvPr>
+            <p:cNvCxnSpPr/>
+            <p:nvPr>
+              <p:extLst>
+                <p:ext uri="{386F3935-93C4-4BCD-93E2-E3B085C9AB24}">
+                  <p16:designElem xmlns:p16="http://schemas.microsoft.com/office/powerpoint/2015/main" val="1"/>
+                </p:ext>
+              </p:extLst>
+            </p:nvPr>
+          </p:nvCxnSpPr>
+          <p:spPr>
+            <a:xfrm flipH="1">
+              <a:off x="10292292" y="3285067"/>
+              <a:ext cx="1896534" cy="1896533"/>
+            </a:xfrm>
+            <a:prstGeom prst="line">
+              <a:avLst/>
+            </a:prstGeom>
+            <a:ln w="9525">
+              <a:solidFill>
+                <a:srgbClr val="FFFFFF"/>
+              </a:solidFill>
+            </a:ln>
+          </p:spPr>
+          <p:style>
+            <a:lnRef idx="2">
+              <a:schemeClr val="accent1"/>
+            </a:lnRef>
+            <a:fillRef idx="0">
+              <a:schemeClr val="accent1"/>
+            </a:fillRef>
+            <a:effectRef idx="1">
+              <a:schemeClr val="accent1"/>
+            </a:effectRef>
+            <a:fontRef idx="minor">
+              <a:schemeClr val="tx1"/>
+            </a:fontRef>
+          </p:style>
+        </p:cxnSp>
+        <p:cxnSp>
+          <p:nvCxnSpPr>
+            <p:cNvPr id="15" name="Straight Connector 14">
+              <a:extLst>
+                <a:ext uri="{FF2B5EF4-FFF2-40B4-BE49-F238E27FC236}">
+                  <a16:creationId xmlns:a16="http://schemas.microsoft.com/office/drawing/2014/main" id="{B3EC6EC2-2351-427C-90C2-F107915733BC}"/>
+                </a:ext>
+              </a:extLst>
+            </p:cNvPr>
+            <p:cNvCxnSpPr/>
+            <p:nvPr>
+              <p:extLst>
+                <p:ext uri="{386F3935-93C4-4BCD-93E2-E3B085C9AB24}">
+                  <p16:designElem xmlns:p16="http://schemas.microsoft.com/office/powerpoint/2015/main" val="1"/>
+                </p:ext>
+              </p:extLst>
+            </p:nvPr>
+          </p:nvCxnSpPr>
+          <p:spPr>
+            <a:xfrm flipH="1">
+              <a:off x="10443103" y="3131080"/>
+              <a:ext cx="1745722" cy="1745720"/>
+            </a:xfrm>
+            <a:prstGeom prst="line">
+              <a:avLst/>
+            </a:prstGeom>
+            <a:ln w="28575">
+              <a:solidFill>
+                <a:srgbClr val="FFFFFF"/>
+              </a:solidFill>
+            </a:ln>
+          </p:spPr>
+          <p:style>
+            <a:lnRef idx="2">
+              <a:schemeClr val="accent1"/>
+            </a:lnRef>
+            <a:fillRef idx="0">
+              <a:schemeClr val="accent1"/>
+            </a:fillRef>
+            <a:effectRef idx="1">
+              <a:schemeClr val="accent1"/>
+            </a:effectRef>
+            <a:fontRef idx="minor">
+              <a:schemeClr val="tx1"/>
+            </a:fontRef>
+          </p:style>
+        </p:cxnSp>
+        <p:cxnSp>
+          <p:nvCxnSpPr>
+            <p:cNvPr id="16" name="Straight Connector 15">
+              <a:extLst>
+                <a:ext uri="{FF2B5EF4-FFF2-40B4-BE49-F238E27FC236}">
+                  <a16:creationId xmlns:a16="http://schemas.microsoft.com/office/drawing/2014/main" id="{D524D87A-9540-4F77-B006-823176623BD8}"/>
+                </a:ext>
+              </a:extLst>
+            </p:cNvPr>
+            <p:cNvCxnSpPr/>
+            <p:nvPr>
+              <p:extLst>
+                <p:ext uri="{386F3935-93C4-4BCD-93E2-E3B085C9AB24}">
+                  <p16:designElem xmlns:p16="http://schemas.microsoft.com/office/powerpoint/2015/main" val="1"/>
+                </p:ext>
+              </p:extLst>
+            </p:nvPr>
+          </p:nvCxnSpPr>
+          <p:spPr>
+            <a:xfrm flipH="1">
+              <a:off x="10918826" y="3683001"/>
+              <a:ext cx="1270001" cy="1269999"/>
+            </a:xfrm>
+            <a:prstGeom prst="line">
+              <a:avLst/>
+            </a:prstGeom>
+            <a:ln w="28575">
+              <a:solidFill>
+                <a:srgbClr val="FFFFFF"/>
+              </a:solidFill>
+            </a:ln>
+          </p:spPr>
+          <p:style>
+            <a:lnRef idx="2">
+              <a:schemeClr val="accent1"/>
+            </a:lnRef>
+            <a:fillRef idx="0">
+              <a:schemeClr val="accent1"/>
+            </a:fillRef>
+            <a:effectRef idx="1">
+              <a:schemeClr val="accent1"/>
+            </a:effectRef>
+            <a:fontRef idx="minor">
+              <a:schemeClr val="tx1"/>
+            </a:fontRef>
+          </p:style>
+        </p:cxnSp>
+      </p:grpSp>
       <p:pic>
         <p:nvPicPr>
           <p:cNvPr id="4" name="Picture 3">
             <a:extLst>
               <a:ext uri="{FF2B5EF4-FFF2-40B4-BE49-F238E27FC236}">
-                <a16:creationId xmlns:a16="http://schemas.microsoft.com/office/drawing/2014/main" id="{B28A76B2-EF36-4B15-800F-6FEAF5AC5DD7}"/>
+                <a16:creationId xmlns:a16="http://schemas.microsoft.com/office/drawing/2014/main" id="{FAE6563D-8E2D-4BFC-9807-FBACEE7841BA}"/>
               </a:ext>
             </a:extLst>
           </p:cNvPr>
@@ -5533,23 +6493,135 @@
         </p:blipFill>
         <p:spPr>
           <a:xfrm>
-            <a:off x="762000" y="2578218"/>
-            <a:ext cx="5715000" cy="1878449"/>
+            <a:off x="717551" y="2518610"/>
+            <a:ext cx="4887466" cy="1600644"/>
           </a:xfrm>
           <a:prstGeom prst="rect">
             <a:avLst/>
           </a:prstGeom>
+          <a:effectLst>
+            <a:innerShdw blurRad="57150" dist="38100" dir="14460000">
+              <a:prstClr val="black">
+                <a:alpha val="70000"/>
+              </a:prstClr>
+            </a:innerShdw>
+          </a:effectLst>
         </p:spPr>
       </p:pic>
+      <p:sp>
+        <p:nvSpPr>
+          <p:cNvPr id="2" name="Title 1">
+            <a:extLst>
+              <a:ext uri="{FF2B5EF4-FFF2-40B4-BE49-F238E27FC236}">
+                <a16:creationId xmlns:a16="http://schemas.microsoft.com/office/drawing/2014/main" id="{3C39B52F-4CB3-42A6-9E69-EC19465558B3}"/>
+              </a:ext>
+            </a:extLst>
+          </p:cNvPr>
+          <p:cNvSpPr>
+            <a:spLocks noGrp="1"/>
+          </p:cNvSpPr>
+          <p:nvPr>
+            <p:ph type="title"/>
+          </p:nvPr>
+        </p:nvSpPr>
+        <p:spPr>
+          <a:xfrm>
+            <a:off x="6092823" y="374650"/>
+            <a:ext cx="4205003" cy="1507067"/>
+          </a:xfrm>
+        </p:spPr>
+        <p:txBody>
+          <a:bodyPr>
+            <a:normAutofit/>
+          </a:bodyPr>
+          <a:lstStyle/>
+          <a:p>
+            <a:r>
+              <a:rPr lang="en-US" sz="3200" dirty="0">
+                <a:solidFill>
+                  <a:srgbClr val="FFFFFF"/>
+                </a:solidFill>
+              </a:rPr>
+              <a:t>Competition Results</a:t>
+            </a:r>
+          </a:p>
+        </p:txBody>
+      </p:sp>
+      <p:sp>
+        <p:nvSpPr>
+          <p:cNvPr id="3" name="Content Placeholder 2">
+            <a:extLst>
+              <a:ext uri="{FF2B5EF4-FFF2-40B4-BE49-F238E27FC236}">
+                <a16:creationId xmlns:a16="http://schemas.microsoft.com/office/drawing/2014/main" id="{CA7F9987-BAD0-4E06-BB95-C1DEC2C1FBA4}"/>
+              </a:ext>
+            </a:extLst>
+          </p:cNvPr>
+          <p:cNvSpPr>
+            <a:spLocks noGrp="1"/>
+          </p:cNvSpPr>
+          <p:nvPr>
+            <p:ph idx="1"/>
+          </p:nvPr>
+        </p:nvSpPr>
+        <p:spPr>
+          <a:xfrm>
+            <a:off x="6095998" y="2066925"/>
+            <a:ext cx="4819653" cy="3615267"/>
+          </a:xfrm>
+        </p:spPr>
+        <p:txBody>
+          <a:bodyPr>
+            <a:normAutofit/>
+          </a:bodyPr>
+          <a:lstStyle/>
+          <a:p>
+            <a:r>
+              <a:rPr lang="en-US" sz="1800" b="1" dirty="0">
+                <a:solidFill>
+                  <a:srgbClr val="0F496F"/>
+                </a:solidFill>
+              </a:rPr>
+              <a:t>The displayed result was achieved by predicting probabilities using random Forest</a:t>
+            </a:r>
+          </a:p>
+          <a:p>
+            <a:r>
+              <a:rPr lang="en-US" sz="1800" b="1" dirty="0">
+                <a:solidFill>
+                  <a:srgbClr val="0F496F"/>
+                </a:solidFill>
+              </a:rPr>
+              <a:t>Log loss was success metric</a:t>
+            </a:r>
+          </a:p>
+          <a:p>
+            <a:endParaRPr lang="en-US" sz="1800" b="1" dirty="0">
+              <a:solidFill>
+                <a:srgbClr val="0F496F"/>
+              </a:solidFill>
+            </a:endParaRPr>
+          </a:p>
+          <a:p>
+            <a:r>
+              <a:rPr lang="en-US" sz="1800" b="1" dirty="0">
+                <a:solidFill>
+                  <a:srgbClr val="0F496F"/>
+                </a:solidFill>
+              </a:rPr>
+              <a:t>Predictions were weighed against true probabilities (never given to analysts)</a:t>
+            </a:r>
+          </a:p>
+        </p:txBody>
+      </p:sp>
     </p:spTree>
     <p:extLst>
       <p:ext uri="{BB962C8B-B14F-4D97-AF65-F5344CB8AC3E}">
-        <p14:creationId xmlns:p14="http://schemas.microsoft.com/office/powerpoint/2010/main" val="758428186"/>
+        <p14:creationId xmlns:p14="http://schemas.microsoft.com/office/powerpoint/2010/main" val="849198931"/>
       </p:ext>
     </p:extLst>
   </p:cSld>
   <p:clrMapOvr>
-    <a:masterClrMapping/>
+    <a:overrideClrMapping bg1="lt1" tx1="dk1" bg2="lt2" tx2="dk2" accent1="accent1" accent2="accent2" accent3="accent3" accent4="accent4" accent5="accent5" accent6="accent6" hlink="hlink" folHlink="folHlink"/>
   </p:clrMapOvr>
 </p:sld>
 </file>
@@ -5576,7 +6648,7 @@
           <p:cNvPr id="2" name="Title 1">
             <a:extLst>
               <a:ext uri="{FF2B5EF4-FFF2-40B4-BE49-F238E27FC236}">
-                <a16:creationId xmlns:a16="http://schemas.microsoft.com/office/drawing/2014/main" id="{EB83C3AF-B9C0-4B20-B284-BC438AEB2E34}"/>
+                <a16:creationId xmlns:a16="http://schemas.microsoft.com/office/drawing/2014/main" id="{0DC84629-F084-4339-A9BB-90B36BB755EA}"/>
               </a:ext>
             </a:extLst>
           </p:cNvPr>
@@ -5587,14 +6659,19 @@
             <p:ph type="title"/>
           </p:nvPr>
         </p:nvSpPr>
-        <p:spPr/>
+        <p:spPr>
+          <a:xfrm>
+            <a:off x="754550" y="214271"/>
+            <a:ext cx="8534400" cy="1507067"/>
+          </a:xfrm>
+        </p:spPr>
         <p:txBody>
           <a:bodyPr/>
           <a:lstStyle/>
           <a:p>
             <a:r>
               <a:rPr lang="en-US" dirty="0"/>
-              <a:t>Process overview </a:t>
+              <a:t>Background</a:t>
             </a:r>
           </a:p>
         </p:txBody>
@@ -5604,7 +6681,7 @@
           <p:cNvPr id="3" name="Content Placeholder 2">
             <a:extLst>
               <a:ext uri="{FF2B5EF4-FFF2-40B4-BE49-F238E27FC236}">
-                <a16:creationId xmlns:a16="http://schemas.microsoft.com/office/drawing/2014/main" id="{96EAF2EE-E3C2-4E7A-A841-E70776EBE163}"/>
+                <a16:creationId xmlns:a16="http://schemas.microsoft.com/office/drawing/2014/main" id="{D9C86AE4-0DBE-4960-B4ED-1E5C6CDDAAA0}"/>
               </a:ext>
             </a:extLst>
           </p:cNvPr>
@@ -5617,87 +6694,47 @@
         </p:nvSpPr>
         <p:spPr>
           <a:xfrm>
-            <a:off x="684212" y="685800"/>
-            <a:ext cx="8534400" cy="3930588"/>
+            <a:off x="754550" y="1899465"/>
+            <a:ext cx="8534400" cy="3615267"/>
           </a:xfrm>
         </p:spPr>
         <p:txBody>
-          <a:bodyPr>
-            <a:normAutofit lnSpcReduction="10000"/>
-          </a:bodyPr>
+          <a:bodyPr/>
           <a:lstStyle/>
           <a:p>
             <a:r>
               <a:rPr lang="en-US" dirty="0"/>
-              <a:t>Preparation</a:t>
+              <a:t>World Bank is an international financial institution that develops poverty reduction strategies and goals</a:t>
+            </a:r>
+          </a:p>
+          <a:p>
+            <a:r>
+              <a:rPr lang="en-US" dirty="0"/>
+              <a:t>In collaboration; Driven Data released a data analysis competition to predict poverty at household level</a:t>
             </a:r>
           </a:p>
           <a:p>
             <a:pPr lvl="1"/>
             <a:r>
               <a:rPr lang="en-US" dirty="0"/>
-              <a:t>Loading and joining</a:t>
+              <a:t>Log-loss is performance metric</a:t>
             </a:r>
           </a:p>
           <a:p>
             <a:r>
               <a:rPr lang="en-US" dirty="0"/>
-              <a:t>Cleaning</a:t>
-            </a:r>
-          </a:p>
-          <a:p>
-            <a:pPr lvl="1"/>
-            <a:r>
-              <a:rPr lang="en-US" dirty="0"/>
-              <a:t>Feature Engineering and NA Omission</a:t>
-            </a:r>
-          </a:p>
-          <a:p>
-            <a:r>
-              <a:rPr lang="en-US" dirty="0"/>
-              <a:t>Training</a:t>
-            </a:r>
-          </a:p>
-          <a:p>
-            <a:pPr lvl="1"/>
-            <a:r>
-              <a:rPr lang="en-US" dirty="0"/>
-              <a:t>LDA, FDA, Logistic Regression and Random Forest</a:t>
-            </a:r>
-          </a:p>
-          <a:p>
-            <a:pPr lvl="1"/>
-            <a:r>
-              <a:rPr lang="en-US" dirty="0"/>
-              <a:t>Random Forest received best result</a:t>
-            </a:r>
-          </a:p>
-          <a:p>
-            <a:r>
-              <a:rPr lang="en-US" dirty="0"/>
-              <a:t>Submission</a:t>
-            </a:r>
-          </a:p>
-          <a:p>
-            <a:pPr lvl="1"/>
-            <a:r>
-              <a:rPr lang="en-US" dirty="0"/>
-              <a:t>Joining of test data</a:t>
-            </a:r>
-          </a:p>
-          <a:p>
-            <a:pPr lvl="1"/>
-            <a:r>
-              <a:rPr lang="en-US" dirty="0"/>
-              <a:t>Prediction and Isolation of submission variables</a:t>
-            </a:r>
+              <a:t>According to UNICEF, 22,000 children die each day due to poverty</a:t>
+            </a:r>
+          </a:p>
+          <a:p>
+            <a:endParaRPr lang="en-US" dirty="0"/>
           </a:p>
         </p:txBody>
       </p:sp>
     </p:spTree>
     <p:extLst>
       <p:ext uri="{BB962C8B-B14F-4D97-AF65-F5344CB8AC3E}">
-        <p14:creationId xmlns:p14="http://schemas.microsoft.com/office/powerpoint/2010/main" val="1742409602"/>
+        <p14:creationId xmlns:p14="http://schemas.microsoft.com/office/powerpoint/2010/main" val="1287084372"/>
       </p:ext>
     </p:extLst>
   </p:cSld>
@@ -5710,6 +6747,31 @@
 <file path=ppt/slides/slide3.xml><?xml version="1.0" encoding="utf-8"?>
 <p:sld xmlns:a="http://schemas.openxmlformats.org/drawingml/2006/main" xmlns:r="http://schemas.openxmlformats.org/officeDocument/2006/relationships" xmlns:p="http://schemas.openxmlformats.org/presentationml/2006/main">
   <p:cSld>
+    <p:bg>
+      <p:bgPr>
+        <a:gradFill rotWithShape="1">
+          <a:gsLst>
+            <a:gs pos="10000">
+              <a:schemeClr val="bg2">
+                <a:tint val="97000"/>
+                <a:hueMod val="92000"/>
+                <a:satMod val="169000"/>
+                <a:lumMod val="164000"/>
+              </a:schemeClr>
+            </a:gs>
+            <a:gs pos="100000">
+              <a:schemeClr val="bg2">
+                <a:shade val="96000"/>
+                <a:satMod val="120000"/>
+                <a:lumMod val="90000"/>
+              </a:schemeClr>
+            </a:gs>
+          </a:gsLst>
+          <a:lin ang="6120000" scaled="1"/>
+        </a:gradFill>
+        <a:effectLst/>
+      </p:bgPr>
+    </p:bg>
     <p:spTree>
       <p:nvGrpSpPr>
         <p:cNvPr id="1" name=""/>
@@ -5724,203 +6786,12 @@
           <a:chExt cx="0" cy="0"/>
         </a:xfrm>
       </p:grpSpPr>
-      <p:sp>
-        <p:nvSpPr>
-          <p:cNvPr id="2" name="Title 1">
-            <a:extLst>
-              <a:ext uri="{FF2B5EF4-FFF2-40B4-BE49-F238E27FC236}">
-                <a16:creationId xmlns:a16="http://schemas.microsoft.com/office/drawing/2014/main" id="{9E26494F-8DED-4B35-91FA-4529EA85A4AD}"/>
-              </a:ext>
-            </a:extLst>
-          </p:cNvPr>
-          <p:cNvSpPr>
-            <a:spLocks noGrp="1"/>
-          </p:cNvSpPr>
-          <p:nvPr>
-            <p:ph type="title"/>
-          </p:nvPr>
-        </p:nvSpPr>
-        <p:spPr/>
-        <p:txBody>
-          <a:bodyPr/>
-          <a:lstStyle/>
-          <a:p>
-            <a:r>
-              <a:rPr lang="en-US" dirty="0"/>
-              <a:t>Going Forward</a:t>
-            </a:r>
-          </a:p>
-        </p:txBody>
-      </p:sp>
-      <p:sp>
-        <p:nvSpPr>
-          <p:cNvPr id="3" name="Content Placeholder 2">
-            <a:extLst>
-              <a:ext uri="{FF2B5EF4-FFF2-40B4-BE49-F238E27FC236}">
-                <a16:creationId xmlns:a16="http://schemas.microsoft.com/office/drawing/2014/main" id="{86A4E466-3A84-494D-B7BF-D712431783D3}"/>
-              </a:ext>
-            </a:extLst>
-          </p:cNvPr>
-          <p:cNvSpPr>
-            <a:spLocks noGrp="1"/>
-          </p:cNvSpPr>
-          <p:nvPr>
-            <p:ph idx="1"/>
-          </p:nvPr>
-        </p:nvSpPr>
-        <p:spPr/>
-        <p:txBody>
-          <a:bodyPr/>
-          <a:lstStyle/>
-          <a:p>
-            <a:r>
-              <a:rPr lang="en-US" dirty="0"/>
-              <a:t>More models to try</a:t>
-            </a:r>
-          </a:p>
-          <a:p>
-            <a:endParaRPr lang="en-US" dirty="0"/>
-          </a:p>
-          <a:p>
-            <a:pPr marL="0" indent="0">
-              <a:buNone/>
-            </a:pPr>
-            <a:endParaRPr lang="en-US" dirty="0"/>
-          </a:p>
-          <a:p>
-            <a:r>
-              <a:rPr lang="en-US" dirty="0"/>
-              <a:t>Additional feature Engineering to employ</a:t>
-            </a:r>
-          </a:p>
-        </p:txBody>
-      </p:sp>
-    </p:spTree>
-    <p:extLst>
-      <p:ext uri="{BB962C8B-B14F-4D97-AF65-F5344CB8AC3E}">
-        <p14:creationId xmlns:p14="http://schemas.microsoft.com/office/powerpoint/2010/main" val="2578332492"/>
-      </p:ext>
-    </p:extLst>
-  </p:cSld>
-  <p:clrMapOvr>
-    <a:masterClrMapping/>
-  </p:clrMapOvr>
-</p:sld>
-</file>
-
-<file path=ppt/slides/slide4.xml><?xml version="1.0" encoding="utf-8"?>
-<p:sld xmlns:a="http://schemas.openxmlformats.org/drawingml/2006/main" xmlns:r="http://schemas.openxmlformats.org/officeDocument/2006/relationships" xmlns:p="http://schemas.openxmlformats.org/presentationml/2006/main">
-  <p:cSld>
-    <p:spTree>
-      <p:nvGrpSpPr>
-        <p:cNvPr id="1" name=""/>
-        <p:cNvGrpSpPr/>
-        <p:nvPr/>
-      </p:nvGrpSpPr>
-      <p:grpSpPr>
-        <a:xfrm>
-          <a:off x="0" y="0"/>
-          <a:ext cx="0" cy="0"/>
-          <a:chOff x="0" y="0"/>
-          <a:chExt cx="0" cy="0"/>
-        </a:xfrm>
-      </p:grpSpPr>
-      <p:sp>
-        <p:nvSpPr>
-          <p:cNvPr id="2" name="Title 1">
-            <a:extLst>
-              <a:ext uri="{FF2B5EF4-FFF2-40B4-BE49-F238E27FC236}">
-                <a16:creationId xmlns:a16="http://schemas.microsoft.com/office/drawing/2014/main" id="{AFD4D106-9F63-4D2C-96A4-0AF58447C862}"/>
-              </a:ext>
-            </a:extLst>
-          </p:cNvPr>
-          <p:cNvSpPr>
-            <a:spLocks noGrp="1"/>
-          </p:cNvSpPr>
-          <p:nvPr>
-            <p:ph type="title"/>
-          </p:nvPr>
-        </p:nvSpPr>
-        <p:spPr/>
-        <p:txBody>
-          <a:bodyPr/>
-          <a:lstStyle/>
-          <a:p>
-            <a:r>
-              <a:rPr lang="en-US" dirty="0"/>
-              <a:t>Loading </a:t>
-            </a:r>
-            <a:r>
-              <a:rPr lang="en-US"/>
-              <a:t>and Joining </a:t>
-            </a:r>
-            <a:r>
-              <a:rPr lang="en-US" dirty="0"/>
-              <a:t>the data</a:t>
-            </a:r>
-          </a:p>
-        </p:txBody>
-      </p:sp>
-      <p:sp>
-        <p:nvSpPr>
-          <p:cNvPr id="3" name="Content Placeholder 2">
-            <a:extLst>
-              <a:ext uri="{FF2B5EF4-FFF2-40B4-BE49-F238E27FC236}">
-                <a16:creationId xmlns:a16="http://schemas.microsoft.com/office/drawing/2014/main" id="{BA3AAF99-B560-4D45-B5E6-EB15A115E2D5}"/>
-              </a:ext>
-            </a:extLst>
-          </p:cNvPr>
-          <p:cNvSpPr>
-            <a:spLocks noGrp="1"/>
-          </p:cNvSpPr>
-          <p:nvPr>
-            <p:ph idx="1"/>
-          </p:nvPr>
-        </p:nvSpPr>
-        <p:spPr>
-          <a:xfrm>
-            <a:off x="684212" y="685800"/>
-            <a:ext cx="8534400" cy="2394751"/>
-          </a:xfrm>
-        </p:spPr>
-        <p:txBody>
-          <a:bodyPr/>
-          <a:lstStyle/>
-          <a:p>
-            <a:r>
-              <a:rPr lang="en-US" dirty="0"/>
-              <a:t>In order to train a model with the most predictive power, there must be a join between the individual data frame and data frame</a:t>
-            </a:r>
-          </a:p>
-          <a:p>
-            <a:pPr lvl="1"/>
-            <a:r>
-              <a:rPr lang="en-US" dirty="0"/>
-              <a:t>Country B: 665 Variables and 3255 Observations</a:t>
-            </a:r>
-          </a:p>
-          <a:p>
-            <a:pPr lvl="1"/>
-            <a:r>
-              <a:rPr lang="en-US" dirty="0"/>
-              <a:t>Country A: 386 Variables and 8203 Observations</a:t>
-            </a:r>
-          </a:p>
-          <a:p>
-            <a:pPr lvl="1"/>
-            <a:r>
-              <a:rPr lang="en-US" dirty="0"/>
-              <a:t>Country C: 205 Variables and 6469 Observations</a:t>
-            </a:r>
-          </a:p>
-        </p:txBody>
-      </p:sp>
       <p:pic>
         <p:nvPicPr>
           <p:cNvPr id="9" name="Picture 8">
             <a:extLst>
               <a:ext uri="{FF2B5EF4-FFF2-40B4-BE49-F238E27FC236}">
-                <a16:creationId xmlns:a16="http://schemas.microsoft.com/office/drawing/2014/main" id="{EC8D34CB-B40E-4685-B5DB-8C8D2A4B1B5F}"/>
+                <a16:creationId xmlns:a16="http://schemas.microsoft.com/office/drawing/2014/main" id="{7E2860BB-B1F6-485D-8EFF-7EC5F03DB1EF}"/>
               </a:ext>
             </a:extLst>
           </p:cNvPr>
@@ -5937,18 +6808,104 @@
         </p:blipFill>
         <p:spPr>
           <a:xfrm>
-            <a:off x="684211" y="3429001"/>
-            <a:ext cx="8043323" cy="1058332"/>
+            <a:off x="791239" y="2242463"/>
+            <a:ext cx="5304759" cy="2329901"/>
           </a:xfrm>
           <a:prstGeom prst="rect">
             <a:avLst/>
           </a:prstGeom>
+          <a:effectLst>
+            <a:innerShdw blurRad="57150" dist="38100" dir="14460000">
+              <a:prstClr val="black">
+                <a:alpha val="70000"/>
+              </a:prstClr>
+            </a:innerShdw>
+          </a:effectLst>
         </p:spPr>
       </p:pic>
+      <p:sp>
+        <p:nvSpPr>
+          <p:cNvPr id="2" name="Title 1">
+            <a:extLst>
+              <a:ext uri="{FF2B5EF4-FFF2-40B4-BE49-F238E27FC236}">
+                <a16:creationId xmlns:a16="http://schemas.microsoft.com/office/drawing/2014/main" id="{0DC84629-F084-4339-A9BB-90B36BB755EA}"/>
+              </a:ext>
+            </a:extLst>
+          </p:cNvPr>
+          <p:cNvSpPr>
+            <a:spLocks noGrp="1"/>
+          </p:cNvSpPr>
+          <p:nvPr>
+            <p:ph type="title"/>
+          </p:nvPr>
+        </p:nvSpPr>
+        <p:spPr>
+          <a:xfrm>
+            <a:off x="684212" y="248707"/>
+            <a:ext cx="8534400" cy="1507067"/>
+          </a:xfrm>
+        </p:spPr>
+        <p:txBody>
+          <a:bodyPr>
+            <a:normAutofit/>
+          </a:bodyPr>
+          <a:lstStyle/>
+          <a:p>
+            <a:r>
+              <a:rPr lang="en-US" dirty="0"/>
+              <a:t>The data</a:t>
+            </a:r>
+          </a:p>
+        </p:txBody>
+      </p:sp>
+      <p:sp>
+        <p:nvSpPr>
+          <p:cNvPr id="3" name="Content Placeholder 2">
+            <a:extLst>
+              <a:ext uri="{FF2B5EF4-FFF2-40B4-BE49-F238E27FC236}">
+                <a16:creationId xmlns:a16="http://schemas.microsoft.com/office/drawing/2014/main" id="{D9C86AE4-0DBE-4960-B4ED-1E5C6CDDAAA0}"/>
+              </a:ext>
+            </a:extLst>
+          </p:cNvPr>
+          <p:cNvSpPr>
+            <a:spLocks noGrp="1"/>
+          </p:cNvSpPr>
+          <p:nvPr>
+            <p:ph idx="1"/>
+          </p:nvPr>
+        </p:nvSpPr>
+        <p:spPr>
+          <a:xfrm>
+            <a:off x="6499654" y="733647"/>
+            <a:ext cx="4419171" cy="3575884"/>
+          </a:xfrm>
+        </p:spPr>
+        <p:txBody>
+          <a:bodyPr>
+            <a:normAutofit/>
+          </a:bodyPr>
+          <a:lstStyle/>
+          <a:p>
+            <a:r>
+              <a:rPr lang="en-US" dirty="0"/>
+              <a:t>6 Datasets; 2 for each country</a:t>
+            </a:r>
+          </a:p>
+          <a:p>
+            <a:pPr marL="0" indent="0">
+              <a:buNone/>
+            </a:pPr>
+            <a:endParaRPr lang="en-US" dirty="0"/>
+          </a:p>
+          <a:p>
+            <a:endParaRPr lang="en-US" dirty="0"/>
+          </a:p>
+        </p:txBody>
+      </p:sp>
     </p:spTree>
     <p:extLst>
       <p:ext uri="{BB962C8B-B14F-4D97-AF65-F5344CB8AC3E}">
-        <p14:creationId xmlns:p14="http://schemas.microsoft.com/office/powerpoint/2010/main" val="566511604"/>
+        <p14:creationId xmlns:p14="http://schemas.microsoft.com/office/powerpoint/2010/main" val="3769897520"/>
       </p:ext>
     </p:extLst>
   </p:cSld>
@@ -5958,9 +6915,34 @@
 </p:sld>
 </file>
 
-<file path=ppt/slides/slide5.xml><?xml version="1.0" encoding="utf-8"?>
+<file path=ppt/slides/slide4.xml><?xml version="1.0" encoding="utf-8"?>
 <p:sld xmlns:a="http://schemas.openxmlformats.org/drawingml/2006/main" xmlns:r="http://schemas.openxmlformats.org/officeDocument/2006/relationships" xmlns:p="http://schemas.openxmlformats.org/presentationml/2006/main">
   <p:cSld>
+    <p:bg>
+      <p:bgPr>
+        <a:gradFill rotWithShape="1">
+          <a:gsLst>
+            <a:gs pos="10000">
+              <a:schemeClr val="bg2">
+                <a:tint val="97000"/>
+                <a:hueMod val="92000"/>
+                <a:satMod val="169000"/>
+                <a:lumMod val="164000"/>
+              </a:schemeClr>
+            </a:gs>
+            <a:gs pos="100000">
+              <a:schemeClr val="bg2">
+                <a:shade val="96000"/>
+                <a:satMod val="120000"/>
+                <a:lumMod val="90000"/>
+              </a:schemeClr>
+            </a:gs>
+          </a:gsLst>
+          <a:lin ang="6120000" scaled="1"/>
+        </a:gradFill>
+        <a:effectLst/>
+      </p:bgPr>
+    </p:bg>
     <p:spTree>
       <p:nvGrpSpPr>
         <p:cNvPr id="1" name=""/>
@@ -5975,103 +6957,400 @@
           <a:chExt cx="0" cy="0"/>
         </a:xfrm>
       </p:grpSpPr>
-      <p:sp>
-        <p:nvSpPr>
-          <p:cNvPr id="2" name="Title 1">
+      <p:sp useBgFill="1">
+        <p:nvSpPr>
+          <p:cNvPr id="13" name="Rectangle 12">
             <a:extLst>
               <a:ext uri="{FF2B5EF4-FFF2-40B4-BE49-F238E27FC236}">
-                <a16:creationId xmlns:a16="http://schemas.microsoft.com/office/drawing/2014/main" id="{7A1918A1-FE77-45FD-B3B5-B96D356AD09A}"/>
+                <a16:creationId xmlns:a16="http://schemas.microsoft.com/office/drawing/2014/main" id="{0E2F306A-EACD-45DC-B0AD-B4BE3259021A}"/>
               </a:ext>
             </a:extLst>
           </p:cNvPr>
           <p:cNvSpPr>
-            <a:spLocks noGrp="1"/>
-          </p:cNvSpPr>
-          <p:nvPr>
-            <p:ph type="title"/>
+            <a:spLocks noGrp="1" noRot="1" noChangeAspect="1" noMove="1" noResize="1" noEditPoints="1" noAdjustHandles="1" noChangeArrowheads="1" noChangeShapeType="1" noTextEdit="1"/>
+          </p:cNvSpPr>
+          <p:nvPr>
+            <p:extLst>
+              <p:ext uri="{386F3935-93C4-4BCD-93E2-E3B085C9AB24}">
+                <p16:designElem xmlns:p16="http://schemas.microsoft.com/office/powerpoint/2015/main" val="1"/>
+              </p:ext>
+            </p:extLst>
           </p:nvPr>
         </p:nvSpPr>
         <p:spPr>
           <a:xfrm>
-            <a:off x="438150" y="4706407"/>
-            <a:ext cx="11668431" cy="1507067"/>
+            <a:off x="0" y="0"/>
+            <a:ext cx="12192000" cy="6858000"/>
           </a:xfrm>
+          <a:prstGeom prst="rect">
+            <a:avLst/>
+          </a:prstGeom>
+          <a:ln>
+            <a:noFill/>
+          </a:ln>
         </p:spPr>
-        <p:txBody>
-          <a:bodyPr/>
+        <p:style>
+          <a:lnRef idx="2">
+            <a:schemeClr val="accent1">
+              <a:shade val="50000"/>
+            </a:schemeClr>
+          </a:lnRef>
+          <a:fillRef idx="1">
+            <a:schemeClr val="accent1"/>
+          </a:fillRef>
+          <a:effectRef idx="0">
+            <a:schemeClr val="accent1"/>
+          </a:effectRef>
+          <a:fontRef idx="minor">
+            <a:schemeClr val="lt1"/>
+          </a:fontRef>
+        </p:style>
+        <p:txBody>
+          <a:bodyPr rtlCol="0" anchor="ctr"/>
           <a:lstStyle/>
           <a:p>
-            <a:r>
-              <a:rPr lang="en-US" dirty="0"/>
-              <a:t>Addressing Columns with High number of </a:t>
-            </a:r>
-            <a:r>
-              <a:rPr lang="en-US" dirty="0" err="1"/>
-              <a:t>nas</a:t>
-            </a:r>
-            <a:endParaRPr lang="en-US" dirty="0"/>
-          </a:p>
-        </p:txBody>
-      </p:sp>
-      <p:sp>
-        <p:nvSpPr>
-          <p:cNvPr id="3" name="Content Placeholder 2">
+            <a:pPr algn="ctr"/>
+            <a:endParaRPr lang="en-US"/>
+          </a:p>
+        </p:txBody>
+      </p:sp>
+      <p:grpSp>
+        <p:nvGrpSpPr>
+          <p:cNvPr id="15" name="Group 14">
             <a:extLst>
               <a:ext uri="{FF2B5EF4-FFF2-40B4-BE49-F238E27FC236}">
-                <a16:creationId xmlns:a16="http://schemas.microsoft.com/office/drawing/2014/main" id="{9C8224C3-19FD-4BB4-8C45-339AA42029EA}"/>
+                <a16:creationId xmlns:a16="http://schemas.microsoft.com/office/drawing/2014/main" id="{7628126E-4AB5-46CE-8202-5A895CF2181B}"/>
               </a:ext>
             </a:extLst>
           </p:cNvPr>
-          <p:cNvSpPr>
-            <a:spLocks noGrp="1"/>
-          </p:cNvSpPr>
-          <p:nvPr>
-            <p:ph idx="1"/>
+          <p:cNvGrpSpPr>
+            <a:grpSpLocks noGrp="1" noUngrp="1" noRot="1" noChangeAspect="1" noMove="1" noResize="1"/>
+          </p:cNvGrpSpPr>
+          <p:nvPr>
+            <p:extLst>
+              <p:ext uri="{386F3935-93C4-4BCD-93E2-E3B085C9AB24}">
+                <p16:designElem xmlns:p16="http://schemas.microsoft.com/office/powerpoint/2015/main" val="1"/>
+              </p:ext>
+            </p:extLst>
+          </p:nvPr>
+        </p:nvGrpSpPr>
+        <p:grpSpPr>
+          <a:xfrm>
+            <a:off x="9206969" y="2963333"/>
+            <a:ext cx="2981858" cy="3208867"/>
+            <a:chOff x="9206969" y="2963333"/>
+            <a:chExt cx="2981858" cy="3208867"/>
+          </a:xfrm>
+        </p:grpSpPr>
+        <p:cxnSp>
+          <p:nvCxnSpPr>
+            <p:cNvPr id="16" name="Straight Connector 15">
+              <a:extLst>
+                <a:ext uri="{FF2B5EF4-FFF2-40B4-BE49-F238E27FC236}">
+                  <a16:creationId xmlns:a16="http://schemas.microsoft.com/office/drawing/2014/main" id="{1E13714C-A02D-4839-BBDA-0C39D99F6897}"/>
+                </a:ext>
+              </a:extLst>
+            </p:cNvPr>
+            <p:cNvCxnSpPr/>
+            <p:nvPr>
+              <p:extLst>
+                <p:ext uri="{386F3935-93C4-4BCD-93E2-E3B085C9AB24}">
+                  <p16:designElem xmlns:p16="http://schemas.microsoft.com/office/powerpoint/2015/main" val="1"/>
+                </p:ext>
+              </p:extLst>
+            </p:nvPr>
+          </p:nvCxnSpPr>
+          <p:spPr>
+            <a:xfrm flipH="1">
+              <a:off x="11276012" y="2963333"/>
+              <a:ext cx="912814" cy="912812"/>
+            </a:xfrm>
+            <a:prstGeom prst="line">
+              <a:avLst/>
+            </a:prstGeom>
+            <a:ln w="9525">
+              <a:solidFill>
+                <a:schemeClr val="tx1"/>
+              </a:solidFill>
+            </a:ln>
+          </p:spPr>
+          <p:style>
+            <a:lnRef idx="2">
+              <a:schemeClr val="accent1"/>
+            </a:lnRef>
+            <a:fillRef idx="0">
+              <a:schemeClr val="accent1"/>
+            </a:fillRef>
+            <a:effectRef idx="1">
+              <a:schemeClr val="accent1"/>
+            </a:effectRef>
+            <a:fontRef idx="minor">
+              <a:schemeClr val="tx1"/>
+            </a:fontRef>
+          </p:style>
+        </p:cxnSp>
+        <p:cxnSp>
+          <p:nvCxnSpPr>
+            <p:cNvPr id="17" name="Straight Connector 16">
+              <a:extLst>
+                <a:ext uri="{FF2B5EF4-FFF2-40B4-BE49-F238E27FC236}">
+                  <a16:creationId xmlns:a16="http://schemas.microsoft.com/office/drawing/2014/main" id="{C4664EA9-3F8D-48CE-B998-C3CD7DC83776}"/>
+                </a:ext>
+              </a:extLst>
+            </p:cNvPr>
+            <p:cNvCxnSpPr/>
+            <p:nvPr>
+              <p:extLst>
+                <p:ext uri="{386F3935-93C4-4BCD-93E2-E3B085C9AB24}">
+                  <p16:designElem xmlns:p16="http://schemas.microsoft.com/office/powerpoint/2015/main" val="1"/>
+                </p:ext>
+              </p:extLst>
+            </p:nvPr>
+          </p:nvCxnSpPr>
+          <p:spPr>
+            <a:xfrm flipH="1">
+              <a:off x="9206969" y="3190344"/>
+              <a:ext cx="2981857" cy="2981856"/>
+            </a:xfrm>
+            <a:prstGeom prst="line">
+              <a:avLst/>
+            </a:prstGeom>
+            <a:ln w="9525">
+              <a:solidFill>
+                <a:schemeClr val="tx1"/>
+              </a:solidFill>
+            </a:ln>
+          </p:spPr>
+          <p:style>
+            <a:lnRef idx="2">
+              <a:schemeClr val="accent1"/>
+            </a:lnRef>
+            <a:fillRef idx="0">
+              <a:schemeClr val="accent1"/>
+            </a:fillRef>
+            <a:effectRef idx="1">
+              <a:schemeClr val="accent1"/>
+            </a:effectRef>
+            <a:fontRef idx="minor">
+              <a:schemeClr val="tx1"/>
+            </a:fontRef>
+          </p:style>
+        </p:cxnSp>
+        <p:cxnSp>
+          <p:nvCxnSpPr>
+            <p:cNvPr id="18" name="Straight Connector 17">
+              <a:extLst>
+                <a:ext uri="{FF2B5EF4-FFF2-40B4-BE49-F238E27FC236}">
+                  <a16:creationId xmlns:a16="http://schemas.microsoft.com/office/drawing/2014/main" id="{8EE868B0-0996-44D3-88FB-A67E7E254F35}"/>
+                </a:ext>
+              </a:extLst>
+            </p:cNvPr>
+            <p:cNvCxnSpPr/>
+            <p:nvPr>
+              <p:extLst>
+                <p:ext uri="{386F3935-93C4-4BCD-93E2-E3B085C9AB24}">
+                  <p16:designElem xmlns:p16="http://schemas.microsoft.com/office/powerpoint/2015/main" val="1"/>
+                </p:ext>
+              </p:extLst>
+            </p:nvPr>
+          </p:nvCxnSpPr>
+          <p:spPr>
+            <a:xfrm flipH="1">
+              <a:off x="10292292" y="3285067"/>
+              <a:ext cx="1896534" cy="1896533"/>
+            </a:xfrm>
+            <a:prstGeom prst="line">
+              <a:avLst/>
+            </a:prstGeom>
+            <a:ln w="9525">
+              <a:solidFill>
+                <a:schemeClr val="tx1"/>
+              </a:solidFill>
+            </a:ln>
+          </p:spPr>
+          <p:style>
+            <a:lnRef idx="2">
+              <a:schemeClr val="accent1"/>
+            </a:lnRef>
+            <a:fillRef idx="0">
+              <a:schemeClr val="accent1"/>
+            </a:fillRef>
+            <a:effectRef idx="1">
+              <a:schemeClr val="accent1"/>
+            </a:effectRef>
+            <a:fontRef idx="minor">
+              <a:schemeClr val="tx1"/>
+            </a:fontRef>
+          </p:style>
+        </p:cxnSp>
+        <p:cxnSp>
+          <p:nvCxnSpPr>
+            <p:cNvPr id="19" name="Straight Connector 18">
+              <a:extLst>
+                <a:ext uri="{FF2B5EF4-FFF2-40B4-BE49-F238E27FC236}">
+                  <a16:creationId xmlns:a16="http://schemas.microsoft.com/office/drawing/2014/main" id="{DF4ADDB5-6815-4FA7-9775-23B43B6D81A8}"/>
+                </a:ext>
+              </a:extLst>
+            </p:cNvPr>
+            <p:cNvCxnSpPr/>
+            <p:nvPr>
+              <p:extLst>
+                <p:ext uri="{386F3935-93C4-4BCD-93E2-E3B085C9AB24}">
+                  <p16:designElem xmlns:p16="http://schemas.microsoft.com/office/powerpoint/2015/main" val="1"/>
+                </p:ext>
+              </p:extLst>
+            </p:nvPr>
+          </p:nvCxnSpPr>
+          <p:spPr>
+            <a:xfrm flipH="1">
+              <a:off x="10443103" y="3131080"/>
+              <a:ext cx="1745722" cy="1745720"/>
+            </a:xfrm>
+            <a:prstGeom prst="line">
+              <a:avLst/>
+            </a:prstGeom>
+            <a:ln w="28575">
+              <a:solidFill>
+                <a:schemeClr val="tx1"/>
+              </a:solidFill>
+            </a:ln>
+          </p:spPr>
+          <p:style>
+            <a:lnRef idx="2">
+              <a:schemeClr val="accent1"/>
+            </a:lnRef>
+            <a:fillRef idx="0">
+              <a:schemeClr val="accent1"/>
+            </a:fillRef>
+            <a:effectRef idx="1">
+              <a:schemeClr val="accent1"/>
+            </a:effectRef>
+            <a:fontRef idx="minor">
+              <a:schemeClr val="tx1"/>
+            </a:fontRef>
+          </p:style>
+        </p:cxnSp>
+        <p:cxnSp>
+          <p:nvCxnSpPr>
+            <p:cNvPr id="20" name="Straight Connector 19">
+              <a:extLst>
+                <a:ext uri="{FF2B5EF4-FFF2-40B4-BE49-F238E27FC236}">
+                  <a16:creationId xmlns:a16="http://schemas.microsoft.com/office/drawing/2014/main" id="{0FB02412-43C8-4475-BB67-A0EF6643064A}"/>
+                </a:ext>
+              </a:extLst>
+            </p:cNvPr>
+            <p:cNvCxnSpPr/>
+            <p:nvPr>
+              <p:extLst>
+                <p:ext uri="{386F3935-93C4-4BCD-93E2-E3B085C9AB24}">
+                  <p16:designElem xmlns:p16="http://schemas.microsoft.com/office/powerpoint/2015/main" val="1"/>
+                </p:ext>
+              </p:extLst>
+            </p:nvPr>
+          </p:nvCxnSpPr>
+          <p:spPr>
+            <a:xfrm flipH="1">
+              <a:off x="10918826" y="3683001"/>
+              <a:ext cx="1270001" cy="1269999"/>
+            </a:xfrm>
+            <a:prstGeom prst="line">
+              <a:avLst/>
+            </a:prstGeom>
+            <a:ln w="28575">
+              <a:solidFill>
+                <a:schemeClr val="tx1"/>
+              </a:solidFill>
+            </a:ln>
+          </p:spPr>
+          <p:style>
+            <a:lnRef idx="2">
+              <a:schemeClr val="accent1"/>
+            </a:lnRef>
+            <a:fillRef idx="0">
+              <a:schemeClr val="accent1"/>
+            </a:fillRef>
+            <a:effectRef idx="1">
+              <a:schemeClr val="accent1"/>
+            </a:effectRef>
+            <a:fontRef idx="minor">
+              <a:schemeClr val="tx1"/>
+            </a:fontRef>
+          </p:style>
+        </p:cxnSp>
+      </p:grpSp>
+      <p:sp>
+        <p:nvSpPr>
+          <p:cNvPr id="22" name="Rectangle 21">
+            <a:extLst>
+              <a:ext uri="{FF2B5EF4-FFF2-40B4-BE49-F238E27FC236}">
+                <a16:creationId xmlns:a16="http://schemas.microsoft.com/office/drawing/2014/main" id="{CFAED95C-57A9-4B1B-BCCD-C30862465A9D}"/>
+              </a:ext>
+            </a:extLst>
+          </p:cNvPr>
+          <p:cNvSpPr>
+            <a:spLocks noGrp="1" noRot="1" noChangeAspect="1" noMove="1" noResize="1" noEditPoints="1" noAdjustHandles="1" noChangeArrowheads="1" noChangeShapeType="1" noTextEdit="1"/>
+          </p:cNvSpPr>
+          <p:nvPr>
+            <p:extLst>
+              <p:ext uri="{386F3935-93C4-4BCD-93E2-E3B085C9AB24}">
+                <p16:designElem xmlns:p16="http://schemas.microsoft.com/office/powerpoint/2015/main" val="1"/>
+              </p:ext>
+            </p:extLst>
           </p:nvPr>
         </p:nvSpPr>
         <p:spPr>
           <a:xfrm>
-            <a:off x="684212" y="685801"/>
-            <a:ext cx="8534400" cy="2743200"/>
+            <a:off x="-3176" y="0"/>
+            <a:ext cx="4070923" cy="6858000"/>
           </a:xfrm>
+          <a:prstGeom prst="rect">
+            <a:avLst/>
+          </a:prstGeom>
+          <a:solidFill>
+            <a:schemeClr val="tx1"/>
+          </a:solidFill>
+          <a:ln>
+            <a:noFill/>
+          </a:ln>
+          <a:effectLst>
+            <a:innerShdw blurRad="57150" dist="38100" dir="14460000">
+              <a:prstClr val="black">
+                <a:alpha val="70000"/>
+              </a:prstClr>
+            </a:innerShdw>
+          </a:effectLst>
         </p:spPr>
-        <p:txBody>
-          <a:bodyPr/>
+        <p:style>
+          <a:lnRef idx="2">
+            <a:schemeClr val="accent1">
+              <a:shade val="50000"/>
+            </a:schemeClr>
+          </a:lnRef>
+          <a:fillRef idx="1">
+            <a:schemeClr val="accent1"/>
+          </a:fillRef>
+          <a:effectRef idx="0">
+            <a:schemeClr val="accent1"/>
+          </a:effectRef>
+          <a:fontRef idx="minor">
+            <a:schemeClr val="lt1"/>
+          </a:fontRef>
+        </p:style>
+        <p:txBody>
+          <a:bodyPr rtlCol="0" anchor="ctr"/>
           <a:lstStyle/>
           <a:p>
-            <a:r>
-              <a:rPr lang="en-US" dirty="0"/>
-              <a:t>Get Rid of NAs</a:t>
-            </a:r>
-          </a:p>
-          <a:p>
-            <a:r>
-              <a:rPr lang="en-US" dirty="0"/>
-              <a:t>Address columns with high amount of NAs by removing them</a:t>
-            </a:r>
-          </a:p>
-          <a:p>
-            <a:r>
-              <a:rPr lang="en-US" dirty="0"/>
-              <a:t>Once columns with over 10 percent NAs removed, then remove rows with observations with NAs with </a:t>
-            </a:r>
-            <a:r>
-              <a:rPr lang="en-US" dirty="0" err="1"/>
-              <a:t>na.omit</a:t>
-            </a:r>
-            <a:r>
-              <a:rPr lang="en-US" dirty="0"/>
-              <a:t>() </a:t>
-            </a:r>
+            <a:pPr algn="ctr"/>
+            <a:endParaRPr lang="en-US"/>
           </a:p>
         </p:txBody>
       </p:sp>
       <p:pic>
         <p:nvPicPr>
-          <p:cNvPr id="4" name="Picture 3">
+          <p:cNvPr id="8" name="Picture 7">
             <a:extLst>
               <a:ext uri="{FF2B5EF4-FFF2-40B4-BE49-F238E27FC236}">
-                <a16:creationId xmlns:a16="http://schemas.microsoft.com/office/drawing/2014/main" id="{C3034304-8077-49C6-AF15-5A5040030FC6}"/>
+                <a16:creationId xmlns:a16="http://schemas.microsoft.com/office/drawing/2014/main" id="{B83567AD-2CE6-4C4E-BD49-584712DB7041}"/>
               </a:ext>
             </a:extLst>
           </p:cNvPr>
@@ -6088,395 +7367,8 @@
         </p:blipFill>
         <p:spPr>
           <a:xfrm>
-            <a:off x="846136" y="3420532"/>
-            <a:ext cx="5421499" cy="473305"/>
-          </a:xfrm>
-          <a:prstGeom prst="rect">
-            <a:avLst/>
-          </a:prstGeom>
-        </p:spPr>
-      </p:pic>
-    </p:spTree>
-    <p:extLst>
-      <p:ext uri="{BB962C8B-B14F-4D97-AF65-F5344CB8AC3E}">
-        <p14:creationId xmlns:p14="http://schemas.microsoft.com/office/powerpoint/2010/main" val="1479262614"/>
-      </p:ext>
-    </p:extLst>
-  </p:cSld>
-  <p:clrMapOvr>
-    <a:masterClrMapping/>
-  </p:clrMapOvr>
-</p:sld>
-</file>
-
-<file path=ppt/slides/slide6.xml><?xml version="1.0" encoding="utf-8"?>
-<p:sld xmlns:a="http://schemas.openxmlformats.org/drawingml/2006/main" xmlns:r="http://schemas.openxmlformats.org/officeDocument/2006/relationships" xmlns:p="http://schemas.openxmlformats.org/presentationml/2006/main">
-  <p:cSld>
-    <p:spTree>
-      <p:nvGrpSpPr>
-        <p:cNvPr id="1" name=""/>
-        <p:cNvGrpSpPr/>
-        <p:nvPr/>
-      </p:nvGrpSpPr>
-      <p:grpSpPr>
-        <a:xfrm>
-          <a:off x="0" y="0"/>
-          <a:ext cx="0" cy="0"/>
-          <a:chOff x="0" y="0"/>
-          <a:chExt cx="0" cy="0"/>
-        </a:xfrm>
-      </p:grpSpPr>
-      <p:sp>
-        <p:nvSpPr>
-          <p:cNvPr id="2" name="Title 1">
-            <a:extLst>
-              <a:ext uri="{FF2B5EF4-FFF2-40B4-BE49-F238E27FC236}">
-                <a16:creationId xmlns:a16="http://schemas.microsoft.com/office/drawing/2014/main" id="{FBC669D1-9190-4B40-9D87-20B9AA088D27}"/>
-              </a:ext>
-            </a:extLst>
-          </p:cNvPr>
-          <p:cNvSpPr>
-            <a:spLocks noGrp="1"/>
-          </p:cNvSpPr>
-          <p:nvPr>
-            <p:ph type="title"/>
-          </p:nvPr>
-        </p:nvSpPr>
-        <p:spPr/>
-        <p:txBody>
-          <a:bodyPr/>
-          <a:lstStyle/>
-          <a:p>
-            <a:r>
-              <a:rPr lang="en-US" dirty="0"/>
-              <a:t>Elimination of low variance variables</a:t>
-            </a:r>
-          </a:p>
-        </p:txBody>
-      </p:sp>
-      <p:sp>
-        <p:nvSpPr>
-          <p:cNvPr id="3" name="Content Placeholder 2">
-            <a:extLst>
-              <a:ext uri="{FF2B5EF4-FFF2-40B4-BE49-F238E27FC236}">
-                <a16:creationId xmlns:a16="http://schemas.microsoft.com/office/drawing/2014/main" id="{3E79F58B-23B4-4B0E-8EE3-9B4A36BABAD1}"/>
-              </a:ext>
-            </a:extLst>
-          </p:cNvPr>
-          <p:cNvSpPr>
-            <a:spLocks noGrp="1"/>
-          </p:cNvSpPr>
-          <p:nvPr>
-            <p:ph idx="1"/>
-          </p:nvPr>
-        </p:nvSpPr>
-        <p:spPr>
-          <a:xfrm>
-            <a:off x="684212" y="1980143"/>
-            <a:ext cx="8534400" cy="1828800"/>
-          </a:xfrm>
-        </p:spPr>
-        <p:txBody>
-          <a:bodyPr/>
-          <a:lstStyle/>
-          <a:p>
-            <a:endParaRPr lang="en-US" dirty="0"/>
-          </a:p>
-          <a:p>
-            <a:r>
-              <a:rPr lang="en-US" dirty="0" err="1"/>
-              <a:t>nearZeroVar</a:t>
-            </a:r>
-            <a:r>
-              <a:rPr lang="en-US" dirty="0"/>
-              <a:t>() diagnoses predictors that have one unique value or close</a:t>
-            </a:r>
-          </a:p>
-          <a:p>
-            <a:endParaRPr lang="en-US" dirty="0"/>
-          </a:p>
-          <a:p>
-            <a:endParaRPr lang="en-US" dirty="0"/>
-          </a:p>
-        </p:txBody>
-      </p:sp>
-      <p:pic>
-        <p:nvPicPr>
-          <p:cNvPr id="5" name="Picture 4">
-            <a:extLst>
-              <a:ext uri="{FF2B5EF4-FFF2-40B4-BE49-F238E27FC236}">
-                <a16:creationId xmlns:a16="http://schemas.microsoft.com/office/drawing/2014/main" id="{590B6BF9-259C-49A5-91F7-F001BE909360}"/>
-              </a:ext>
-            </a:extLst>
-          </p:cNvPr>
-          <p:cNvPicPr>
-            <a:picLocks noChangeAspect="1"/>
-          </p:cNvPicPr>
-          <p:nvPr/>
-        </p:nvPicPr>
-        <p:blipFill>
-          <a:blip r:embed="rId2"/>
-          <a:stretch>
-            <a:fillRect/>
-          </a:stretch>
-        </p:blipFill>
-        <p:spPr>
-          <a:xfrm>
-            <a:off x="957262" y="3130989"/>
-            <a:ext cx="3233738" cy="596022"/>
-          </a:xfrm>
-          <a:prstGeom prst="rect">
-            <a:avLst/>
-          </a:prstGeom>
-        </p:spPr>
-      </p:pic>
-    </p:spTree>
-    <p:extLst>
-      <p:ext uri="{BB962C8B-B14F-4D97-AF65-F5344CB8AC3E}">
-        <p14:creationId xmlns:p14="http://schemas.microsoft.com/office/powerpoint/2010/main" val="419027112"/>
-      </p:ext>
-    </p:extLst>
-  </p:cSld>
-  <p:clrMapOvr>
-    <a:masterClrMapping/>
-  </p:clrMapOvr>
-</p:sld>
-</file>
-
-<file path=ppt/slides/slide7.xml><?xml version="1.0" encoding="utf-8"?>
-<p:sld xmlns:a="http://schemas.openxmlformats.org/drawingml/2006/main" xmlns:r="http://schemas.openxmlformats.org/officeDocument/2006/relationships" xmlns:p="http://schemas.openxmlformats.org/presentationml/2006/main">
-  <p:cSld>
-    <p:spTree>
-      <p:nvGrpSpPr>
-        <p:cNvPr id="1" name=""/>
-        <p:cNvGrpSpPr/>
-        <p:nvPr/>
-      </p:nvGrpSpPr>
-      <p:grpSpPr>
-        <a:xfrm>
-          <a:off x="0" y="0"/>
-          <a:ext cx="0" cy="0"/>
-          <a:chOff x="0" y="0"/>
-          <a:chExt cx="0" cy="0"/>
-        </a:xfrm>
-      </p:grpSpPr>
-      <p:sp>
-        <p:nvSpPr>
-          <p:cNvPr id="2" name="Title 1">
-            <a:extLst>
-              <a:ext uri="{FF2B5EF4-FFF2-40B4-BE49-F238E27FC236}">
-                <a16:creationId xmlns:a16="http://schemas.microsoft.com/office/drawing/2014/main" id="{BEAC2310-3436-49B7-AE1E-231E6A4D7B29}"/>
-              </a:ext>
-            </a:extLst>
-          </p:cNvPr>
-          <p:cNvSpPr>
-            <a:spLocks noGrp="1"/>
-          </p:cNvSpPr>
-          <p:nvPr>
-            <p:ph type="title"/>
-          </p:nvPr>
-        </p:nvSpPr>
-        <p:spPr/>
-        <p:txBody>
-          <a:bodyPr/>
-          <a:lstStyle/>
-          <a:p>
-            <a:r>
-              <a:rPr lang="en-US" dirty="0"/>
-              <a:t>Deleting variables which will interfere with classification </a:t>
-            </a:r>
-          </a:p>
-        </p:txBody>
-      </p:sp>
-      <p:sp>
-        <p:nvSpPr>
-          <p:cNvPr id="3" name="Content Placeholder 2">
-            <a:extLst>
-              <a:ext uri="{FF2B5EF4-FFF2-40B4-BE49-F238E27FC236}">
-                <a16:creationId xmlns:a16="http://schemas.microsoft.com/office/drawing/2014/main" id="{1808B2EB-12C8-40F3-9020-00D74F43B26F}"/>
-              </a:ext>
-            </a:extLst>
-          </p:cNvPr>
-          <p:cNvSpPr>
-            <a:spLocks noGrp="1"/>
-          </p:cNvSpPr>
-          <p:nvPr>
-            <p:ph idx="1"/>
-          </p:nvPr>
-        </p:nvSpPr>
-        <p:spPr>
-          <a:xfrm>
-            <a:off x="684212" y="685801"/>
-            <a:ext cx="8534400" cy="1684868"/>
-          </a:xfrm>
-        </p:spPr>
-        <p:txBody>
-          <a:bodyPr/>
-          <a:lstStyle/>
-          <a:p>
-            <a:r>
-              <a:rPr lang="en-US" dirty="0"/>
-              <a:t>Eliminate variables with categories over 34 which will stop algorithms from running</a:t>
-            </a:r>
-          </a:p>
-        </p:txBody>
-      </p:sp>
-      <p:pic>
-        <p:nvPicPr>
-          <p:cNvPr id="4" name="Picture 3">
-            <a:extLst>
-              <a:ext uri="{FF2B5EF4-FFF2-40B4-BE49-F238E27FC236}">
-                <a16:creationId xmlns:a16="http://schemas.microsoft.com/office/drawing/2014/main" id="{42A3BCF8-2B20-4D5E-A8C3-8D811FF769AB}"/>
-              </a:ext>
-            </a:extLst>
-          </p:cNvPr>
-          <p:cNvPicPr>
-            <a:picLocks noChangeAspect="1"/>
-          </p:cNvPicPr>
-          <p:nvPr/>
-        </p:nvPicPr>
-        <p:blipFill>
-          <a:blip r:embed="rId2"/>
-          <a:stretch>
-            <a:fillRect/>
-          </a:stretch>
-        </p:blipFill>
-        <p:spPr>
-          <a:xfrm>
-            <a:off x="805833" y="2547126"/>
-            <a:ext cx="4343216" cy="1597109"/>
-          </a:xfrm>
-          <a:prstGeom prst="rect">
-            <a:avLst/>
-          </a:prstGeom>
-        </p:spPr>
-      </p:pic>
-    </p:spTree>
-    <p:extLst>
-      <p:ext uri="{BB962C8B-B14F-4D97-AF65-F5344CB8AC3E}">
-        <p14:creationId xmlns:p14="http://schemas.microsoft.com/office/powerpoint/2010/main" val="1994688035"/>
-      </p:ext>
-    </p:extLst>
-  </p:cSld>
-  <p:clrMapOvr>
-    <a:masterClrMapping/>
-  </p:clrMapOvr>
-</p:sld>
-</file>
-
-<file path=ppt/slides/slide8.xml><?xml version="1.0" encoding="utf-8"?>
-<p:sld xmlns:a="http://schemas.openxmlformats.org/drawingml/2006/main" xmlns:r="http://schemas.openxmlformats.org/officeDocument/2006/relationships" xmlns:p="http://schemas.openxmlformats.org/presentationml/2006/main">
-  <p:cSld>
-    <p:spTree>
-      <p:nvGrpSpPr>
-        <p:cNvPr id="1" name=""/>
-        <p:cNvGrpSpPr/>
-        <p:nvPr/>
-      </p:nvGrpSpPr>
-      <p:grpSpPr>
-        <a:xfrm>
-          <a:off x="0" y="0"/>
-          <a:ext cx="0" cy="0"/>
-          <a:chOff x="0" y="0"/>
-          <a:chExt cx="0" cy="0"/>
-        </a:xfrm>
-      </p:grpSpPr>
-      <p:sp>
-        <p:nvSpPr>
-          <p:cNvPr id="2" name="Title 1">
-            <a:extLst>
-              <a:ext uri="{FF2B5EF4-FFF2-40B4-BE49-F238E27FC236}">
-                <a16:creationId xmlns:a16="http://schemas.microsoft.com/office/drawing/2014/main" id="{3BA4B923-696D-435C-84C4-00105BE106A2}"/>
-              </a:ext>
-            </a:extLst>
-          </p:cNvPr>
-          <p:cNvSpPr>
-            <a:spLocks noGrp="1"/>
-          </p:cNvSpPr>
-          <p:nvPr>
-            <p:ph type="title"/>
-          </p:nvPr>
-        </p:nvSpPr>
-        <p:spPr/>
-        <p:txBody>
-          <a:bodyPr/>
-          <a:lstStyle/>
-          <a:p>
-            <a:r>
-              <a:rPr lang="en-US" dirty="0"/>
-              <a:t>Recursive Feature elimination</a:t>
-            </a:r>
-          </a:p>
-        </p:txBody>
-      </p:sp>
-      <p:sp>
-        <p:nvSpPr>
-          <p:cNvPr id="3" name="Content Placeholder 2">
-            <a:extLst>
-              <a:ext uri="{FF2B5EF4-FFF2-40B4-BE49-F238E27FC236}">
-                <a16:creationId xmlns:a16="http://schemas.microsoft.com/office/drawing/2014/main" id="{2773AAD8-90E7-42FD-802E-F7977D61C4AD}"/>
-              </a:ext>
-            </a:extLst>
-          </p:cNvPr>
-          <p:cNvSpPr>
-            <a:spLocks noGrp="1"/>
-          </p:cNvSpPr>
-          <p:nvPr>
-            <p:ph idx="1"/>
-          </p:nvPr>
-        </p:nvSpPr>
-        <p:spPr>
-          <a:xfrm>
-            <a:off x="579437" y="563034"/>
-            <a:ext cx="5516563" cy="3615267"/>
-          </a:xfrm>
-        </p:spPr>
-        <p:txBody>
-          <a:bodyPr/>
-          <a:lstStyle/>
-          <a:p>
-            <a:r>
-              <a:rPr lang="en-US" dirty="0"/>
-              <a:t>Recursive feature elimination </a:t>
-            </a:r>
-            <a:r>
-              <a:rPr lang="en-US" dirty="0" err="1"/>
-              <a:t>rfe</a:t>
-            </a:r>
-            <a:r>
-              <a:rPr lang="en-US" dirty="0"/>
-              <a:t>() to get rid of more variables</a:t>
-            </a:r>
-          </a:p>
-          <a:p>
-            <a:endParaRPr lang="en-US" dirty="0"/>
-          </a:p>
-        </p:txBody>
-      </p:sp>
-      <p:pic>
-        <p:nvPicPr>
-          <p:cNvPr id="4" name="Picture 3">
-            <a:extLst>
-              <a:ext uri="{FF2B5EF4-FFF2-40B4-BE49-F238E27FC236}">
-                <a16:creationId xmlns:a16="http://schemas.microsoft.com/office/drawing/2014/main" id="{CA9FCE37-2CC4-4D1C-A7A9-38BA1FE7AA11}"/>
-              </a:ext>
-            </a:extLst>
-          </p:cNvPr>
-          <p:cNvPicPr>
-            <a:picLocks noChangeAspect="1"/>
-          </p:cNvPicPr>
-          <p:nvPr/>
-        </p:nvPicPr>
-        <p:blipFill>
-          <a:blip r:embed="rId2"/>
-          <a:stretch>
-            <a:fillRect/>
-          </a:stretch>
-        </p:blipFill>
-        <p:spPr>
-          <a:xfrm>
-            <a:off x="6632907" y="1304925"/>
-            <a:ext cx="5446066" cy="3173944"/>
+            <a:off x="484631" y="492168"/>
+            <a:ext cx="3092569" cy="1848630"/>
           </a:xfrm>
           <a:prstGeom prst="rect">
             <a:avLst/>
@@ -6485,10 +7377,10 @@
       </p:pic>
       <p:pic>
         <p:nvPicPr>
-          <p:cNvPr id="5" name="Picture 4">
+          <p:cNvPr id="6" name="Picture 5">
             <a:extLst>
               <a:ext uri="{FF2B5EF4-FFF2-40B4-BE49-F238E27FC236}">
-                <a16:creationId xmlns:a16="http://schemas.microsoft.com/office/drawing/2014/main" id="{94164C47-B53F-4D8D-9B23-87AA89B9D208}"/>
+                <a16:creationId xmlns:a16="http://schemas.microsoft.com/office/drawing/2014/main" id="{A4DBA831-B07D-4534-8806-908D27EA7B71}"/>
               </a:ext>
             </a:extLst>
           </p:cNvPr>
@@ -6505,18 +7397,161 @@
         </p:blipFill>
         <p:spPr>
           <a:xfrm>
-            <a:off x="795503" y="2906182"/>
-            <a:ext cx="5516563" cy="1581150"/>
+            <a:off x="484632" y="4522022"/>
+            <a:ext cx="3092568" cy="1848629"/>
           </a:xfrm>
           <a:prstGeom prst="rect">
             <a:avLst/>
           </a:prstGeom>
         </p:spPr>
       </p:pic>
+      <p:pic>
+        <p:nvPicPr>
+          <p:cNvPr id="7" name="Picture 6">
+            <a:extLst>
+              <a:ext uri="{FF2B5EF4-FFF2-40B4-BE49-F238E27FC236}">
+                <a16:creationId xmlns:a16="http://schemas.microsoft.com/office/drawing/2014/main" id="{8AC4DC8F-0451-45A6-A5EB-E63AF142A776}"/>
+              </a:ext>
+            </a:extLst>
+          </p:cNvPr>
+          <p:cNvPicPr>
+            <a:picLocks noChangeAspect="1"/>
+          </p:cNvPicPr>
+          <p:nvPr/>
+        </p:nvPicPr>
+        <p:blipFill>
+          <a:blip r:embed="rId4"/>
+          <a:stretch>
+            <a:fillRect/>
+          </a:stretch>
+        </p:blipFill>
+        <p:spPr>
+          <a:xfrm>
+            <a:off x="484632" y="2507095"/>
+            <a:ext cx="3092568" cy="1848629"/>
+          </a:xfrm>
+          <a:prstGeom prst="rect">
+            <a:avLst/>
+          </a:prstGeom>
+        </p:spPr>
+      </p:pic>
+      <p:sp>
+        <p:nvSpPr>
+          <p:cNvPr id="2" name="Title 1">
+            <a:extLst>
+              <a:ext uri="{FF2B5EF4-FFF2-40B4-BE49-F238E27FC236}">
+                <a16:creationId xmlns:a16="http://schemas.microsoft.com/office/drawing/2014/main" id="{0DC84629-F084-4339-A9BB-90B36BB755EA}"/>
+              </a:ext>
+            </a:extLst>
+          </p:cNvPr>
+          <p:cNvSpPr>
+            <a:spLocks noGrp="1"/>
+          </p:cNvSpPr>
+          <p:nvPr>
+            <p:ph type="title"/>
+          </p:nvPr>
+        </p:nvSpPr>
+        <p:spPr>
+          <a:xfrm>
+            <a:off x="4552378" y="227459"/>
+            <a:ext cx="5556822" cy="1507067"/>
+          </a:xfrm>
+        </p:spPr>
+        <p:txBody>
+          <a:bodyPr>
+            <a:normAutofit/>
+          </a:bodyPr>
+          <a:lstStyle/>
+          <a:p>
+            <a:r>
+              <a:rPr lang="en-US" dirty="0"/>
+              <a:t>The data CONT’D</a:t>
+            </a:r>
+          </a:p>
+        </p:txBody>
+      </p:sp>
+      <p:sp>
+        <p:nvSpPr>
+          <p:cNvPr id="3" name="Content Placeholder 2">
+            <a:extLst>
+              <a:ext uri="{FF2B5EF4-FFF2-40B4-BE49-F238E27FC236}">
+                <a16:creationId xmlns:a16="http://schemas.microsoft.com/office/drawing/2014/main" id="{D9C86AE4-0DBE-4960-B4ED-1E5C6CDDAAA0}"/>
+              </a:ext>
+            </a:extLst>
+          </p:cNvPr>
+          <p:cNvSpPr>
+            <a:spLocks noGrp="1"/>
+          </p:cNvSpPr>
+          <p:nvPr>
+            <p:ph idx="1"/>
+          </p:nvPr>
+        </p:nvSpPr>
+        <p:spPr>
+          <a:xfrm>
+            <a:off x="4552378" y="1503485"/>
+            <a:ext cx="6952234" cy="3615267"/>
+          </a:xfrm>
+        </p:spPr>
+        <p:txBody>
+          <a:bodyPr>
+            <a:normAutofit/>
+          </a:bodyPr>
+          <a:lstStyle/>
+          <a:p>
+            <a:r>
+              <a:rPr lang="en-US" dirty="0"/>
+              <a:t>Majority of data consists of random strings which are factor variables</a:t>
+            </a:r>
+          </a:p>
+          <a:p>
+            <a:endParaRPr lang="en-US" dirty="0"/>
+          </a:p>
+          <a:p>
+            <a:r>
+              <a:rPr lang="en-US" dirty="0"/>
+              <a:t>Example:  "</a:t>
+            </a:r>
+            <a:r>
+              <a:rPr lang="en-US" dirty="0" err="1"/>
+              <a:t>mNrEOmgq</a:t>
+            </a:r>
+            <a:r>
+              <a:rPr lang="en-US" dirty="0"/>
+              <a:t>" "</a:t>
+            </a:r>
+            <a:r>
+              <a:rPr lang="en-US" dirty="0" err="1"/>
+              <a:t>PWShFLnY</a:t>
+            </a:r>
+            <a:r>
+              <a:rPr lang="en-US" dirty="0"/>
+              <a:t>“</a:t>
+            </a:r>
+          </a:p>
+          <a:p>
+            <a:endParaRPr lang="en-US" dirty="0"/>
+          </a:p>
+          <a:p>
+            <a:r>
+              <a:rPr lang="en-US" dirty="0"/>
+              <a:t>Over half of each dataset not in poverty at household level</a:t>
+            </a:r>
+          </a:p>
+          <a:p>
+            <a:pPr marL="0" indent="0">
+              <a:buNone/>
+            </a:pPr>
+            <a:endParaRPr lang="en-US" dirty="0"/>
+          </a:p>
+          <a:p>
+            <a:endParaRPr lang="en-US" dirty="0"/>
+          </a:p>
+        </p:txBody>
+      </p:sp>
     </p:spTree>
     <p:extLst>
       <p:ext uri="{BB962C8B-B14F-4D97-AF65-F5344CB8AC3E}">
-        <p14:creationId xmlns:p14="http://schemas.microsoft.com/office/powerpoint/2010/main" val="1527533455"/>
+        <p14:creationId xmlns:p14="http://schemas.microsoft.com/office/powerpoint/2010/main" val="3154972157"/>
       </p:ext>
     </p:extLst>
   </p:cSld>
@@ -6526,9 +7561,34 @@
 </p:sld>
 </file>
 
-<file path=ppt/slides/slide9.xml><?xml version="1.0" encoding="utf-8"?>
+<file path=ppt/slides/slide5.xml><?xml version="1.0" encoding="utf-8"?>
 <p:sld xmlns:a="http://schemas.openxmlformats.org/drawingml/2006/main" xmlns:r="http://schemas.openxmlformats.org/officeDocument/2006/relationships" xmlns:p="http://schemas.openxmlformats.org/presentationml/2006/main">
   <p:cSld>
+    <p:bg>
+      <p:bgPr>
+        <a:gradFill rotWithShape="1">
+          <a:gsLst>
+            <a:gs pos="10000">
+              <a:schemeClr val="bg2">
+                <a:tint val="97000"/>
+                <a:hueMod val="92000"/>
+                <a:satMod val="169000"/>
+                <a:lumMod val="164000"/>
+              </a:schemeClr>
+            </a:gs>
+            <a:gs pos="100000">
+              <a:schemeClr val="bg2">
+                <a:shade val="96000"/>
+                <a:satMod val="120000"/>
+                <a:lumMod val="90000"/>
+              </a:schemeClr>
+            </a:gs>
+          </a:gsLst>
+          <a:lin ang="6120000" scaled="1"/>
+        </a:gradFill>
+        <a:effectLst/>
+      </p:bgPr>
+    </p:bg>
     <p:spTree>
       <p:nvGrpSpPr>
         <p:cNvPr id="1" name=""/>
@@ -6543,101 +7603,403 @@
           <a:chExt cx="0" cy="0"/>
         </a:xfrm>
       </p:grpSpPr>
-      <p:sp>
-        <p:nvSpPr>
-          <p:cNvPr id="2" name="Title 1">
+      <p:sp useBgFill="1">
+        <p:nvSpPr>
+          <p:cNvPr id="9" name="Rectangle 8">
             <a:extLst>
               <a:ext uri="{FF2B5EF4-FFF2-40B4-BE49-F238E27FC236}">
-                <a16:creationId xmlns:a16="http://schemas.microsoft.com/office/drawing/2014/main" id="{06EFE71F-D3B9-438C-8F41-443BD65E0C70}"/>
+                <a16:creationId xmlns:a16="http://schemas.microsoft.com/office/drawing/2014/main" id="{E09CCB3F-DBCE-4964-9E34-8C5DE80EF4B5}"/>
               </a:ext>
             </a:extLst>
           </p:cNvPr>
           <p:cNvSpPr>
-            <a:spLocks noGrp="1"/>
-          </p:cNvSpPr>
-          <p:nvPr>
-            <p:ph type="title"/>
-          </p:nvPr>
-        </p:nvSpPr>
-        <p:spPr/>
-        <p:txBody>
-          <a:bodyPr/>
+            <a:spLocks noGrp="1" noRot="1" noChangeAspect="1" noMove="1" noResize="1" noEditPoints="1" noAdjustHandles="1" noChangeArrowheads="1" noChangeShapeType="1" noTextEdit="1"/>
+          </p:cNvSpPr>
+          <p:nvPr>
+            <p:extLst>
+              <p:ext uri="{386F3935-93C4-4BCD-93E2-E3B085C9AB24}">
+                <p16:designElem xmlns:p16="http://schemas.microsoft.com/office/powerpoint/2015/main" val="1"/>
+              </p:ext>
+            </p:extLst>
+          </p:nvPr>
+        </p:nvSpPr>
+        <p:spPr>
+          <a:xfrm>
+            <a:off x="0" y="0"/>
+            <a:ext cx="12192000" cy="6858000"/>
+          </a:xfrm>
+          <a:prstGeom prst="rect">
+            <a:avLst/>
+          </a:prstGeom>
+          <a:ln>
+            <a:noFill/>
+          </a:ln>
+        </p:spPr>
+        <p:style>
+          <a:lnRef idx="2">
+            <a:schemeClr val="accent1">
+              <a:shade val="50000"/>
+            </a:schemeClr>
+          </a:lnRef>
+          <a:fillRef idx="1">
+            <a:schemeClr val="accent1"/>
+          </a:fillRef>
+          <a:effectRef idx="0">
+            <a:schemeClr val="accent1"/>
+          </a:effectRef>
+          <a:fontRef idx="minor">
+            <a:schemeClr val="lt1"/>
+          </a:fontRef>
+        </p:style>
+        <p:txBody>
+          <a:bodyPr rtlCol="0" anchor="ctr"/>
           <a:lstStyle/>
           <a:p>
-            <a:r>
-              <a:rPr lang="en-US" dirty="0"/>
-              <a:t>Training a model</a:t>
-            </a:r>
-          </a:p>
-        </p:txBody>
-      </p:sp>
-      <p:sp>
-        <p:nvSpPr>
-          <p:cNvPr id="3" name="Content Placeholder 2">
+            <a:pPr algn="ctr"/>
+            <a:endParaRPr lang="en-US"/>
+          </a:p>
+        </p:txBody>
+      </p:sp>
+      <p:grpSp>
+        <p:nvGrpSpPr>
+          <p:cNvPr id="11" name="Group 10">
             <a:extLst>
               <a:ext uri="{FF2B5EF4-FFF2-40B4-BE49-F238E27FC236}">
-                <a16:creationId xmlns:a16="http://schemas.microsoft.com/office/drawing/2014/main" id="{DF763E64-FB3E-4D59-A195-0D018350B3A3}"/>
+                <a16:creationId xmlns:a16="http://schemas.microsoft.com/office/drawing/2014/main" id="{A9733A91-F958-4629-801A-3F6F1E09AD64}"/>
               </a:ext>
             </a:extLst>
           </p:cNvPr>
-          <p:cNvSpPr>
-            <a:spLocks noGrp="1"/>
-          </p:cNvSpPr>
-          <p:nvPr>
-            <p:ph idx="1"/>
+          <p:cNvGrpSpPr>
+            <a:grpSpLocks noGrp="1" noUngrp="1" noRot="1" noChangeAspect="1" noMove="1" noResize="1"/>
+          </p:cNvGrpSpPr>
+          <p:nvPr>
+            <p:extLst>
+              <p:ext uri="{386F3935-93C4-4BCD-93E2-E3B085C9AB24}">
+                <p16:designElem xmlns:p16="http://schemas.microsoft.com/office/powerpoint/2015/main" val="1"/>
+              </p:ext>
+            </p:extLst>
+          </p:nvPr>
+        </p:nvGrpSpPr>
+        <p:grpSpPr>
+          <a:xfrm>
+            <a:off x="9206969" y="2963333"/>
+            <a:ext cx="2981858" cy="3208867"/>
+            <a:chOff x="9206969" y="2963333"/>
+            <a:chExt cx="2981858" cy="3208867"/>
+          </a:xfrm>
+        </p:grpSpPr>
+        <p:cxnSp>
+          <p:nvCxnSpPr>
+            <p:cNvPr id="12" name="Straight Connector 11">
+              <a:extLst>
+                <a:ext uri="{FF2B5EF4-FFF2-40B4-BE49-F238E27FC236}">
+                  <a16:creationId xmlns:a16="http://schemas.microsoft.com/office/drawing/2014/main" id="{F3812972-C68B-4C59-B3A7-4AF61E935D4A}"/>
+                </a:ext>
+              </a:extLst>
+            </p:cNvPr>
+            <p:cNvCxnSpPr/>
+            <p:nvPr>
+              <p:extLst>
+                <p:ext uri="{386F3935-93C4-4BCD-93E2-E3B085C9AB24}">
+                  <p16:designElem xmlns:p16="http://schemas.microsoft.com/office/powerpoint/2015/main" val="1"/>
+                </p:ext>
+              </p:extLst>
+            </p:nvPr>
+          </p:nvCxnSpPr>
+          <p:spPr>
+            <a:xfrm flipH="1">
+              <a:off x="11276012" y="2963333"/>
+              <a:ext cx="912814" cy="912812"/>
+            </a:xfrm>
+            <a:prstGeom prst="line">
+              <a:avLst/>
+            </a:prstGeom>
+            <a:ln w="9525">
+              <a:solidFill>
+                <a:schemeClr val="tx1"/>
+              </a:solidFill>
+            </a:ln>
+          </p:spPr>
+          <p:style>
+            <a:lnRef idx="2">
+              <a:schemeClr val="accent1"/>
+            </a:lnRef>
+            <a:fillRef idx="0">
+              <a:schemeClr val="accent1"/>
+            </a:fillRef>
+            <a:effectRef idx="1">
+              <a:schemeClr val="accent1"/>
+            </a:effectRef>
+            <a:fontRef idx="minor">
+              <a:schemeClr val="tx1"/>
+            </a:fontRef>
+          </p:style>
+        </p:cxnSp>
+        <p:cxnSp>
+          <p:nvCxnSpPr>
+            <p:cNvPr id="13" name="Straight Connector 12">
+              <a:extLst>
+                <a:ext uri="{FF2B5EF4-FFF2-40B4-BE49-F238E27FC236}">
+                  <a16:creationId xmlns:a16="http://schemas.microsoft.com/office/drawing/2014/main" id="{CB3F3B7C-7909-4486-AA08-5C6B625C3A0A}"/>
+                </a:ext>
+              </a:extLst>
+            </p:cNvPr>
+            <p:cNvCxnSpPr/>
+            <p:nvPr>
+              <p:extLst>
+                <p:ext uri="{386F3935-93C4-4BCD-93E2-E3B085C9AB24}">
+                  <p16:designElem xmlns:p16="http://schemas.microsoft.com/office/powerpoint/2015/main" val="1"/>
+                </p:ext>
+              </p:extLst>
+            </p:nvPr>
+          </p:nvCxnSpPr>
+          <p:spPr>
+            <a:xfrm flipH="1">
+              <a:off x="9206969" y="3190344"/>
+              <a:ext cx="2981857" cy="2981856"/>
+            </a:xfrm>
+            <a:prstGeom prst="line">
+              <a:avLst/>
+            </a:prstGeom>
+            <a:ln w="9525">
+              <a:solidFill>
+                <a:schemeClr val="tx1"/>
+              </a:solidFill>
+            </a:ln>
+          </p:spPr>
+          <p:style>
+            <a:lnRef idx="2">
+              <a:schemeClr val="accent1"/>
+            </a:lnRef>
+            <a:fillRef idx="0">
+              <a:schemeClr val="accent1"/>
+            </a:fillRef>
+            <a:effectRef idx="1">
+              <a:schemeClr val="accent1"/>
+            </a:effectRef>
+            <a:fontRef idx="minor">
+              <a:schemeClr val="tx1"/>
+            </a:fontRef>
+          </p:style>
+        </p:cxnSp>
+        <p:cxnSp>
+          <p:nvCxnSpPr>
+            <p:cNvPr id="14" name="Straight Connector 13">
+              <a:extLst>
+                <a:ext uri="{FF2B5EF4-FFF2-40B4-BE49-F238E27FC236}">
+                  <a16:creationId xmlns:a16="http://schemas.microsoft.com/office/drawing/2014/main" id="{00BD7DA8-741F-4296-9363-05EF91541119}"/>
+                </a:ext>
+              </a:extLst>
+            </p:cNvPr>
+            <p:cNvCxnSpPr/>
+            <p:nvPr>
+              <p:extLst>
+                <p:ext uri="{386F3935-93C4-4BCD-93E2-E3B085C9AB24}">
+                  <p16:designElem xmlns:p16="http://schemas.microsoft.com/office/powerpoint/2015/main" val="1"/>
+                </p:ext>
+              </p:extLst>
+            </p:nvPr>
+          </p:nvCxnSpPr>
+          <p:spPr>
+            <a:xfrm flipH="1">
+              <a:off x="10292292" y="3285067"/>
+              <a:ext cx="1896534" cy="1896533"/>
+            </a:xfrm>
+            <a:prstGeom prst="line">
+              <a:avLst/>
+            </a:prstGeom>
+            <a:ln w="9525">
+              <a:solidFill>
+                <a:schemeClr val="tx1"/>
+              </a:solidFill>
+            </a:ln>
+          </p:spPr>
+          <p:style>
+            <a:lnRef idx="2">
+              <a:schemeClr val="accent1"/>
+            </a:lnRef>
+            <a:fillRef idx="0">
+              <a:schemeClr val="accent1"/>
+            </a:fillRef>
+            <a:effectRef idx="1">
+              <a:schemeClr val="accent1"/>
+            </a:effectRef>
+            <a:fontRef idx="minor">
+              <a:schemeClr val="tx1"/>
+            </a:fontRef>
+          </p:style>
+        </p:cxnSp>
+        <p:cxnSp>
+          <p:nvCxnSpPr>
+            <p:cNvPr id="15" name="Straight Connector 14">
+              <a:extLst>
+                <a:ext uri="{FF2B5EF4-FFF2-40B4-BE49-F238E27FC236}">
+                  <a16:creationId xmlns:a16="http://schemas.microsoft.com/office/drawing/2014/main" id="{62068EFC-20FC-456F-839F-4BCFFCAA8197}"/>
+                </a:ext>
+              </a:extLst>
+            </p:cNvPr>
+            <p:cNvCxnSpPr/>
+            <p:nvPr>
+              <p:extLst>
+                <p:ext uri="{386F3935-93C4-4BCD-93E2-E3B085C9AB24}">
+                  <p16:designElem xmlns:p16="http://schemas.microsoft.com/office/powerpoint/2015/main" val="1"/>
+                </p:ext>
+              </p:extLst>
+            </p:nvPr>
+          </p:nvCxnSpPr>
+          <p:spPr>
+            <a:xfrm flipH="1">
+              <a:off x="10443103" y="3131080"/>
+              <a:ext cx="1745722" cy="1745720"/>
+            </a:xfrm>
+            <a:prstGeom prst="line">
+              <a:avLst/>
+            </a:prstGeom>
+            <a:ln w="28575">
+              <a:solidFill>
+                <a:schemeClr val="tx1"/>
+              </a:solidFill>
+            </a:ln>
+          </p:spPr>
+          <p:style>
+            <a:lnRef idx="2">
+              <a:schemeClr val="accent1"/>
+            </a:lnRef>
+            <a:fillRef idx="0">
+              <a:schemeClr val="accent1"/>
+            </a:fillRef>
+            <a:effectRef idx="1">
+              <a:schemeClr val="accent1"/>
+            </a:effectRef>
+            <a:fontRef idx="minor">
+              <a:schemeClr val="tx1"/>
+            </a:fontRef>
+          </p:style>
+        </p:cxnSp>
+        <p:cxnSp>
+          <p:nvCxnSpPr>
+            <p:cNvPr id="16" name="Straight Connector 15">
+              <a:extLst>
+                <a:ext uri="{FF2B5EF4-FFF2-40B4-BE49-F238E27FC236}">
+                  <a16:creationId xmlns:a16="http://schemas.microsoft.com/office/drawing/2014/main" id="{3251C60F-B911-433E-BF75-3BBEFD0538CB}"/>
+                </a:ext>
+              </a:extLst>
+            </p:cNvPr>
+            <p:cNvCxnSpPr/>
+            <p:nvPr>
+              <p:extLst>
+                <p:ext uri="{386F3935-93C4-4BCD-93E2-E3B085C9AB24}">
+                  <p16:designElem xmlns:p16="http://schemas.microsoft.com/office/powerpoint/2015/main" val="1"/>
+                </p:ext>
+              </p:extLst>
+            </p:nvPr>
+          </p:nvCxnSpPr>
+          <p:spPr>
+            <a:xfrm flipH="1">
+              <a:off x="10918826" y="3683001"/>
+              <a:ext cx="1270001" cy="1269999"/>
+            </a:xfrm>
+            <a:prstGeom prst="line">
+              <a:avLst/>
+            </a:prstGeom>
+            <a:ln w="28575">
+              <a:solidFill>
+                <a:schemeClr val="tx1"/>
+              </a:solidFill>
+            </a:ln>
+          </p:spPr>
+          <p:style>
+            <a:lnRef idx="2">
+              <a:schemeClr val="accent1"/>
+            </a:lnRef>
+            <a:fillRef idx="0">
+              <a:schemeClr val="accent1"/>
+            </a:fillRef>
+            <a:effectRef idx="1">
+              <a:schemeClr val="accent1"/>
+            </a:effectRef>
+            <a:fontRef idx="minor">
+              <a:schemeClr val="tx1"/>
+            </a:fontRef>
+          </p:style>
+        </p:cxnSp>
+      </p:grpSp>
+      <p:sp>
+        <p:nvSpPr>
+          <p:cNvPr id="18" name="Snip Diagonal Corner Rectangle 24">
+            <a:extLst>
+              <a:ext uri="{FF2B5EF4-FFF2-40B4-BE49-F238E27FC236}">
+                <a16:creationId xmlns:a16="http://schemas.microsoft.com/office/drawing/2014/main" id="{1DFF944F-74BA-483A-82C0-64E3AAF4AE98}"/>
+              </a:ext>
+            </a:extLst>
+          </p:cNvPr>
+          <p:cNvSpPr>
+            <a:spLocks noGrp="1" noRot="1" noChangeAspect="1" noMove="1" noResize="1" noEditPoints="1" noAdjustHandles="1" noChangeArrowheads="1" noChangeShapeType="1" noTextEdit="1"/>
+          </p:cNvSpPr>
+          <p:nvPr>
+            <p:extLst>
+              <p:ext uri="{386F3935-93C4-4BCD-93E2-E3B085C9AB24}">
+                <p16:designElem xmlns:p16="http://schemas.microsoft.com/office/powerpoint/2015/main" val="1"/>
+              </p:ext>
+            </p:extLst>
           </p:nvPr>
         </p:nvSpPr>
         <p:spPr>
           <a:xfrm>
-            <a:off x="684212" y="685800"/>
-            <a:ext cx="8534400" cy="2465773"/>
+            <a:off x="612990" y="620722"/>
+            <a:ext cx="6575496" cy="5286838"/>
           </a:xfrm>
+          <a:prstGeom prst="snip2DiagRect">
+            <a:avLst>
+              <a:gd name="adj1" fmla="val 10787"/>
+              <a:gd name="adj2" fmla="val 0"/>
+            </a:avLst>
+          </a:prstGeom>
+          <a:solidFill>
+            <a:schemeClr val="tx1"/>
+          </a:solidFill>
+          <a:ln>
+            <a:noFill/>
+          </a:ln>
+          <a:effectLst>
+            <a:innerShdw blurRad="57150" dist="38100" dir="14460000">
+              <a:prstClr val="black">
+                <a:alpha val="70000"/>
+              </a:prstClr>
+            </a:innerShdw>
+          </a:effectLst>
         </p:spPr>
-        <p:txBody>
-          <a:bodyPr/>
+        <p:style>
+          <a:lnRef idx="2">
+            <a:schemeClr val="accent1">
+              <a:shade val="50000"/>
+            </a:schemeClr>
+          </a:lnRef>
+          <a:fillRef idx="1">
+            <a:schemeClr val="accent1"/>
+          </a:fillRef>
+          <a:effectRef idx="0">
+            <a:schemeClr val="accent1"/>
+          </a:effectRef>
+          <a:fontRef idx="minor">
+            <a:schemeClr val="lt1"/>
+          </a:fontRef>
+        </p:style>
+        <p:txBody>
+          <a:bodyPr rtlCol="0" anchor="ctr"/>
           <a:lstStyle/>
           <a:p>
-            <a:r>
-              <a:rPr lang="en-US" dirty="0"/>
-              <a:t>Models used:</a:t>
-            </a:r>
-          </a:p>
-          <a:p>
-            <a:pPr lvl="1"/>
-            <a:r>
-              <a:rPr lang="en-US" dirty="0"/>
-              <a:t>LDA</a:t>
-            </a:r>
-          </a:p>
-          <a:p>
-            <a:pPr lvl="1"/>
-            <a:r>
-              <a:rPr lang="en-US" dirty="0"/>
-              <a:t>FDA</a:t>
-            </a:r>
-          </a:p>
-          <a:p>
-            <a:pPr lvl="1"/>
-            <a:r>
-              <a:rPr lang="en-US" dirty="0"/>
-              <a:t>LOGISTIC</a:t>
-            </a:r>
-          </a:p>
-          <a:p>
-            <a:pPr lvl="1"/>
-            <a:r>
-              <a:rPr lang="en-US" dirty="0"/>
-              <a:t>RANDOM FOREST</a:t>
-            </a:r>
+            <a:pPr algn="ctr"/>
+            <a:endParaRPr lang="en-US"/>
           </a:p>
         </p:txBody>
       </p:sp>
       <p:pic>
         <p:nvPicPr>
-          <p:cNvPr id="6" name="Picture 5">
+          <p:cNvPr id="4" name="Picture 3">
             <a:extLst>
               <a:ext uri="{FF2B5EF4-FFF2-40B4-BE49-F238E27FC236}">
-                <a16:creationId xmlns:a16="http://schemas.microsoft.com/office/drawing/2014/main" id="{E328A078-BA48-4E6B-A1BD-18263C903E54}"/>
+                <a16:creationId xmlns:a16="http://schemas.microsoft.com/office/drawing/2014/main" id="{A31A6BE7-70A0-4E37-AD3C-711747758766}"/>
               </a:ext>
             </a:extLst>
           </p:cNvPr>
@@ -6646,26 +8008,2721 @@
           </p:cNvPicPr>
           <p:nvPr/>
         </p:nvPicPr>
-        <p:blipFill>
+        <p:blipFill rotWithShape="1">
           <a:blip r:embed="rId2"/>
-          <a:stretch>
-            <a:fillRect/>
-          </a:stretch>
+          <a:srcRect r="-4" b="1342"/>
+          <a:stretch/>
         </p:blipFill>
         <p:spPr>
           <a:xfrm>
-            <a:off x="684212" y="3248025"/>
-            <a:ext cx="5735058" cy="1332298"/>
+            <a:off x="778062" y="786117"/>
+            <a:ext cx="6245352" cy="4956048"/>
+          </a:xfrm>
+          <a:custGeom>
+            <a:avLst/>
+            <a:gdLst>
+              <a:gd name="connsiteX0" fmla="*/ 534609 w 6245352"/>
+              <a:gd name="connsiteY0" fmla="*/ 0 h 4956048"/>
+              <a:gd name="connsiteX1" fmla="*/ 6245352 w 6245352"/>
+              <a:gd name="connsiteY1" fmla="*/ 0 h 4956048"/>
+              <a:gd name="connsiteX2" fmla="*/ 6245352 w 6245352"/>
+              <a:gd name="connsiteY2" fmla="*/ 4421439 h 4956048"/>
+              <a:gd name="connsiteX3" fmla="*/ 5710743 w 6245352"/>
+              <a:gd name="connsiteY3" fmla="*/ 4956048 h 4956048"/>
+              <a:gd name="connsiteX4" fmla="*/ 0 w 6245352"/>
+              <a:gd name="connsiteY4" fmla="*/ 4956048 h 4956048"/>
+              <a:gd name="connsiteX5" fmla="*/ 0 w 6245352"/>
+              <a:gd name="connsiteY5" fmla="*/ 534609 h 4956048"/>
+            </a:gdLst>
+            <a:ahLst/>
+            <a:cxnLst>
+              <a:cxn ang="0">
+                <a:pos x="connsiteX0" y="connsiteY0"/>
+              </a:cxn>
+              <a:cxn ang="0">
+                <a:pos x="connsiteX1" y="connsiteY1"/>
+              </a:cxn>
+              <a:cxn ang="0">
+                <a:pos x="connsiteX2" y="connsiteY2"/>
+              </a:cxn>
+              <a:cxn ang="0">
+                <a:pos x="connsiteX3" y="connsiteY3"/>
+              </a:cxn>
+              <a:cxn ang="0">
+                <a:pos x="connsiteX4" y="connsiteY4"/>
+              </a:cxn>
+              <a:cxn ang="0">
+                <a:pos x="connsiteX5" y="connsiteY5"/>
+              </a:cxn>
+            </a:cxnLst>
+            <a:rect l="l" t="t" r="r" b="b"/>
+            <a:pathLst>
+              <a:path w="6245352" h="4956048">
+                <a:moveTo>
+                  <a:pt x="534609" y="0"/>
+                </a:moveTo>
+                <a:lnTo>
+                  <a:pt x="6245352" y="0"/>
+                </a:lnTo>
+                <a:lnTo>
+                  <a:pt x="6245352" y="4421439"/>
+                </a:lnTo>
+                <a:lnTo>
+                  <a:pt x="5710743" y="4956048"/>
+                </a:lnTo>
+                <a:lnTo>
+                  <a:pt x="0" y="4956048"/>
+                </a:lnTo>
+                <a:lnTo>
+                  <a:pt x="0" y="534609"/>
+                </a:lnTo>
+                <a:close/>
+              </a:path>
+            </a:pathLst>
+          </a:custGeom>
+        </p:spPr>
+      </p:pic>
+      <p:sp>
+        <p:nvSpPr>
+          <p:cNvPr id="2" name="Title 1">
+            <a:extLst>
+              <a:ext uri="{FF2B5EF4-FFF2-40B4-BE49-F238E27FC236}">
+                <a16:creationId xmlns:a16="http://schemas.microsoft.com/office/drawing/2014/main" id="{0DC84629-F084-4339-A9BB-90B36BB755EA}"/>
+              </a:ext>
+            </a:extLst>
+          </p:cNvPr>
+          <p:cNvSpPr>
+            <a:spLocks noGrp="1"/>
+          </p:cNvSpPr>
+          <p:nvPr>
+            <p:ph type="title"/>
+          </p:nvPr>
+        </p:nvSpPr>
+        <p:spPr>
+          <a:xfrm>
+            <a:off x="7532710" y="411172"/>
+            <a:ext cx="3518748" cy="1142462"/>
+          </a:xfrm>
+        </p:spPr>
+        <p:txBody>
+          <a:bodyPr anchor="b">
+            <a:normAutofit/>
+          </a:bodyPr>
+          <a:lstStyle/>
+          <a:p>
+            <a:r>
+              <a:rPr lang="en-US" sz="2800" dirty="0"/>
+              <a:t>Data Preprocessing</a:t>
+            </a:r>
+          </a:p>
+        </p:txBody>
+      </p:sp>
+      <p:sp>
+        <p:nvSpPr>
+          <p:cNvPr id="3" name="Content Placeholder 2">
+            <a:extLst>
+              <a:ext uri="{FF2B5EF4-FFF2-40B4-BE49-F238E27FC236}">
+                <a16:creationId xmlns:a16="http://schemas.microsoft.com/office/drawing/2014/main" id="{D9C86AE4-0DBE-4960-B4ED-1E5C6CDDAAA0}"/>
+              </a:ext>
+            </a:extLst>
+          </p:cNvPr>
+          <p:cNvSpPr>
+            <a:spLocks noGrp="1"/>
+          </p:cNvSpPr>
+          <p:nvPr>
+            <p:ph idx="1"/>
+          </p:nvPr>
+        </p:nvSpPr>
+        <p:spPr>
+          <a:xfrm>
+            <a:off x="7532710" y="1822449"/>
+            <a:ext cx="3479419" cy="3070226"/>
+          </a:xfrm>
+        </p:spPr>
+        <p:txBody>
+          <a:bodyPr anchor="t">
+            <a:normAutofit/>
+          </a:bodyPr>
+          <a:lstStyle/>
+          <a:p>
+            <a:pPr lvl="0"/>
+            <a:r>
+              <a:rPr lang="en-US" sz="1400" b="1" dirty="0"/>
+              <a:t>Data needed to be joined and duplicates eliminated from individual set</a:t>
+            </a:r>
+          </a:p>
+          <a:p>
+            <a:pPr lvl="0"/>
+            <a:endParaRPr lang="en-US" sz="1400" b="1" dirty="0"/>
+          </a:p>
+          <a:p>
+            <a:pPr lvl="0"/>
+            <a:r>
+              <a:rPr lang="en-US" sz="1400" b="1" dirty="0"/>
+              <a:t>Missing data was addressed by removing variables with high number of missing values</a:t>
+            </a:r>
+          </a:p>
+          <a:p>
+            <a:pPr lvl="0"/>
+            <a:endParaRPr lang="en-US" sz="1400" b="1" dirty="0"/>
+          </a:p>
+          <a:p>
+            <a:r>
+              <a:rPr lang="en-US" sz="1400" b="1" dirty="0"/>
+              <a:t>Factor variables with excessive levels cause errors and required removal</a:t>
+            </a:r>
+          </a:p>
+        </p:txBody>
+      </p:sp>
+    </p:spTree>
+    <p:extLst>
+      <p:ext uri="{BB962C8B-B14F-4D97-AF65-F5344CB8AC3E}">
+        <p14:creationId xmlns:p14="http://schemas.microsoft.com/office/powerpoint/2010/main" val="3345514307"/>
+      </p:ext>
+    </p:extLst>
+  </p:cSld>
+  <p:clrMapOvr>
+    <a:masterClrMapping/>
+  </p:clrMapOvr>
+</p:sld>
+</file>
+
+<file path=ppt/slides/slide6.xml><?xml version="1.0" encoding="utf-8"?>
+<p:sld xmlns:a="http://schemas.openxmlformats.org/drawingml/2006/main" xmlns:r="http://schemas.openxmlformats.org/officeDocument/2006/relationships" xmlns:p="http://schemas.openxmlformats.org/presentationml/2006/main">
+  <p:cSld>
+    <p:bg>
+      <p:bgPr>
+        <a:gradFill rotWithShape="1">
+          <a:gsLst>
+            <a:gs pos="10000">
+              <a:schemeClr val="bg2">
+                <a:tint val="97000"/>
+                <a:hueMod val="92000"/>
+                <a:satMod val="169000"/>
+                <a:lumMod val="164000"/>
+              </a:schemeClr>
+            </a:gs>
+            <a:gs pos="100000">
+              <a:schemeClr val="bg2">
+                <a:shade val="96000"/>
+                <a:satMod val="120000"/>
+                <a:lumMod val="90000"/>
+              </a:schemeClr>
+            </a:gs>
+          </a:gsLst>
+          <a:lin ang="6120000" scaled="1"/>
+        </a:gradFill>
+        <a:effectLst/>
+      </p:bgPr>
+    </p:bg>
+    <p:spTree>
+      <p:nvGrpSpPr>
+        <p:cNvPr id="1" name=""/>
+        <p:cNvGrpSpPr/>
+        <p:nvPr/>
+      </p:nvGrpSpPr>
+      <p:grpSpPr>
+        <a:xfrm>
+          <a:off x="0" y="0"/>
+          <a:ext cx="0" cy="0"/>
+          <a:chOff x="0" y="0"/>
+          <a:chExt cx="0" cy="0"/>
+        </a:xfrm>
+      </p:grpSpPr>
+      <p:sp useBgFill="1">
+        <p:nvSpPr>
+          <p:cNvPr id="10" name="Rectangle 9">
+            <a:extLst>
+              <a:ext uri="{FF2B5EF4-FFF2-40B4-BE49-F238E27FC236}">
+                <a16:creationId xmlns:a16="http://schemas.microsoft.com/office/drawing/2014/main" id="{E09CCB3F-DBCE-4964-9E34-8C5DE80EF4B5}"/>
+              </a:ext>
+            </a:extLst>
+          </p:cNvPr>
+          <p:cNvSpPr>
+            <a:spLocks noGrp="1" noRot="1" noChangeAspect="1" noMove="1" noResize="1" noEditPoints="1" noAdjustHandles="1" noChangeArrowheads="1" noChangeShapeType="1" noTextEdit="1"/>
+          </p:cNvSpPr>
+          <p:nvPr>
+            <p:extLst>
+              <p:ext uri="{386F3935-93C4-4BCD-93E2-E3B085C9AB24}">
+                <p16:designElem xmlns:p16="http://schemas.microsoft.com/office/powerpoint/2015/main" val="1"/>
+              </p:ext>
+            </p:extLst>
+          </p:nvPr>
+        </p:nvSpPr>
+        <p:spPr>
+          <a:xfrm>
+            <a:off x="0" y="0"/>
+            <a:ext cx="12192000" cy="6858000"/>
           </a:xfrm>
           <a:prstGeom prst="rect">
             <a:avLst/>
           </a:prstGeom>
+          <a:ln>
+            <a:noFill/>
+          </a:ln>
+        </p:spPr>
+        <p:style>
+          <a:lnRef idx="2">
+            <a:schemeClr val="accent1">
+              <a:shade val="50000"/>
+            </a:schemeClr>
+          </a:lnRef>
+          <a:fillRef idx="1">
+            <a:schemeClr val="accent1"/>
+          </a:fillRef>
+          <a:effectRef idx="0">
+            <a:schemeClr val="accent1"/>
+          </a:effectRef>
+          <a:fontRef idx="minor">
+            <a:schemeClr val="lt1"/>
+          </a:fontRef>
+        </p:style>
+        <p:txBody>
+          <a:bodyPr rtlCol="0" anchor="ctr"/>
+          <a:lstStyle/>
+          <a:p>
+            <a:pPr algn="ctr"/>
+            <a:endParaRPr lang="en-US"/>
+          </a:p>
+        </p:txBody>
+      </p:sp>
+      <p:grpSp>
+        <p:nvGrpSpPr>
+          <p:cNvPr id="12" name="Group 11">
+            <a:extLst>
+              <a:ext uri="{FF2B5EF4-FFF2-40B4-BE49-F238E27FC236}">
+                <a16:creationId xmlns:a16="http://schemas.microsoft.com/office/drawing/2014/main" id="{A9733A91-F958-4629-801A-3F6F1E09AD64}"/>
+              </a:ext>
+            </a:extLst>
+          </p:cNvPr>
+          <p:cNvGrpSpPr>
+            <a:grpSpLocks noGrp="1" noUngrp="1" noRot="1" noChangeAspect="1" noMove="1" noResize="1"/>
+          </p:cNvGrpSpPr>
+          <p:nvPr>
+            <p:extLst>
+              <p:ext uri="{386F3935-93C4-4BCD-93E2-E3B085C9AB24}">
+                <p16:designElem xmlns:p16="http://schemas.microsoft.com/office/powerpoint/2015/main" val="1"/>
+              </p:ext>
+            </p:extLst>
+          </p:nvPr>
+        </p:nvGrpSpPr>
+        <p:grpSpPr>
+          <a:xfrm>
+            <a:off x="9206969" y="2963333"/>
+            <a:ext cx="2981858" cy="3208867"/>
+            <a:chOff x="9206969" y="2963333"/>
+            <a:chExt cx="2981858" cy="3208867"/>
+          </a:xfrm>
+        </p:grpSpPr>
+        <p:cxnSp>
+          <p:nvCxnSpPr>
+            <p:cNvPr id="13" name="Straight Connector 12">
+              <a:extLst>
+                <a:ext uri="{FF2B5EF4-FFF2-40B4-BE49-F238E27FC236}">
+                  <a16:creationId xmlns:a16="http://schemas.microsoft.com/office/drawing/2014/main" id="{F3812972-C68B-4C59-B3A7-4AF61E935D4A}"/>
+                </a:ext>
+              </a:extLst>
+            </p:cNvPr>
+            <p:cNvCxnSpPr/>
+            <p:nvPr>
+              <p:extLst>
+                <p:ext uri="{386F3935-93C4-4BCD-93E2-E3B085C9AB24}">
+                  <p16:designElem xmlns:p16="http://schemas.microsoft.com/office/powerpoint/2015/main" val="1"/>
+                </p:ext>
+              </p:extLst>
+            </p:nvPr>
+          </p:nvCxnSpPr>
+          <p:spPr>
+            <a:xfrm flipH="1">
+              <a:off x="11276012" y="2963333"/>
+              <a:ext cx="912814" cy="912812"/>
+            </a:xfrm>
+            <a:prstGeom prst="line">
+              <a:avLst/>
+            </a:prstGeom>
+            <a:ln w="9525">
+              <a:solidFill>
+                <a:schemeClr val="tx1"/>
+              </a:solidFill>
+            </a:ln>
+          </p:spPr>
+          <p:style>
+            <a:lnRef idx="2">
+              <a:schemeClr val="accent1"/>
+            </a:lnRef>
+            <a:fillRef idx="0">
+              <a:schemeClr val="accent1"/>
+            </a:fillRef>
+            <a:effectRef idx="1">
+              <a:schemeClr val="accent1"/>
+            </a:effectRef>
+            <a:fontRef idx="minor">
+              <a:schemeClr val="tx1"/>
+            </a:fontRef>
+          </p:style>
+        </p:cxnSp>
+        <p:cxnSp>
+          <p:nvCxnSpPr>
+            <p:cNvPr id="14" name="Straight Connector 13">
+              <a:extLst>
+                <a:ext uri="{FF2B5EF4-FFF2-40B4-BE49-F238E27FC236}">
+                  <a16:creationId xmlns:a16="http://schemas.microsoft.com/office/drawing/2014/main" id="{CB3F3B7C-7909-4486-AA08-5C6B625C3A0A}"/>
+                </a:ext>
+              </a:extLst>
+            </p:cNvPr>
+            <p:cNvCxnSpPr/>
+            <p:nvPr>
+              <p:extLst>
+                <p:ext uri="{386F3935-93C4-4BCD-93E2-E3B085C9AB24}">
+                  <p16:designElem xmlns:p16="http://schemas.microsoft.com/office/powerpoint/2015/main" val="1"/>
+                </p:ext>
+              </p:extLst>
+            </p:nvPr>
+          </p:nvCxnSpPr>
+          <p:spPr>
+            <a:xfrm flipH="1">
+              <a:off x="9206969" y="3190344"/>
+              <a:ext cx="2981857" cy="2981856"/>
+            </a:xfrm>
+            <a:prstGeom prst="line">
+              <a:avLst/>
+            </a:prstGeom>
+            <a:ln w="9525">
+              <a:solidFill>
+                <a:schemeClr val="tx1"/>
+              </a:solidFill>
+            </a:ln>
+          </p:spPr>
+          <p:style>
+            <a:lnRef idx="2">
+              <a:schemeClr val="accent1"/>
+            </a:lnRef>
+            <a:fillRef idx="0">
+              <a:schemeClr val="accent1"/>
+            </a:fillRef>
+            <a:effectRef idx="1">
+              <a:schemeClr val="accent1"/>
+            </a:effectRef>
+            <a:fontRef idx="minor">
+              <a:schemeClr val="tx1"/>
+            </a:fontRef>
+          </p:style>
+        </p:cxnSp>
+        <p:cxnSp>
+          <p:nvCxnSpPr>
+            <p:cNvPr id="15" name="Straight Connector 14">
+              <a:extLst>
+                <a:ext uri="{FF2B5EF4-FFF2-40B4-BE49-F238E27FC236}">
+                  <a16:creationId xmlns:a16="http://schemas.microsoft.com/office/drawing/2014/main" id="{00BD7DA8-741F-4296-9363-05EF91541119}"/>
+                </a:ext>
+              </a:extLst>
+            </p:cNvPr>
+            <p:cNvCxnSpPr/>
+            <p:nvPr>
+              <p:extLst>
+                <p:ext uri="{386F3935-93C4-4BCD-93E2-E3B085C9AB24}">
+                  <p16:designElem xmlns:p16="http://schemas.microsoft.com/office/powerpoint/2015/main" val="1"/>
+                </p:ext>
+              </p:extLst>
+            </p:nvPr>
+          </p:nvCxnSpPr>
+          <p:spPr>
+            <a:xfrm flipH="1">
+              <a:off x="10292292" y="3285067"/>
+              <a:ext cx="1896534" cy="1896533"/>
+            </a:xfrm>
+            <a:prstGeom prst="line">
+              <a:avLst/>
+            </a:prstGeom>
+            <a:ln w="9525">
+              <a:solidFill>
+                <a:schemeClr val="tx1"/>
+              </a:solidFill>
+            </a:ln>
+          </p:spPr>
+          <p:style>
+            <a:lnRef idx="2">
+              <a:schemeClr val="accent1"/>
+            </a:lnRef>
+            <a:fillRef idx="0">
+              <a:schemeClr val="accent1"/>
+            </a:fillRef>
+            <a:effectRef idx="1">
+              <a:schemeClr val="accent1"/>
+            </a:effectRef>
+            <a:fontRef idx="minor">
+              <a:schemeClr val="tx1"/>
+            </a:fontRef>
+          </p:style>
+        </p:cxnSp>
+        <p:cxnSp>
+          <p:nvCxnSpPr>
+            <p:cNvPr id="16" name="Straight Connector 15">
+              <a:extLst>
+                <a:ext uri="{FF2B5EF4-FFF2-40B4-BE49-F238E27FC236}">
+                  <a16:creationId xmlns:a16="http://schemas.microsoft.com/office/drawing/2014/main" id="{62068EFC-20FC-456F-839F-4BCFFCAA8197}"/>
+                </a:ext>
+              </a:extLst>
+            </p:cNvPr>
+            <p:cNvCxnSpPr/>
+            <p:nvPr>
+              <p:extLst>
+                <p:ext uri="{386F3935-93C4-4BCD-93E2-E3B085C9AB24}">
+                  <p16:designElem xmlns:p16="http://schemas.microsoft.com/office/powerpoint/2015/main" val="1"/>
+                </p:ext>
+              </p:extLst>
+            </p:nvPr>
+          </p:nvCxnSpPr>
+          <p:spPr>
+            <a:xfrm flipH="1">
+              <a:off x="10443103" y="3131080"/>
+              <a:ext cx="1745722" cy="1745720"/>
+            </a:xfrm>
+            <a:prstGeom prst="line">
+              <a:avLst/>
+            </a:prstGeom>
+            <a:ln w="28575">
+              <a:solidFill>
+                <a:schemeClr val="tx1"/>
+              </a:solidFill>
+            </a:ln>
+          </p:spPr>
+          <p:style>
+            <a:lnRef idx="2">
+              <a:schemeClr val="accent1"/>
+            </a:lnRef>
+            <a:fillRef idx="0">
+              <a:schemeClr val="accent1"/>
+            </a:fillRef>
+            <a:effectRef idx="1">
+              <a:schemeClr val="accent1"/>
+            </a:effectRef>
+            <a:fontRef idx="minor">
+              <a:schemeClr val="tx1"/>
+            </a:fontRef>
+          </p:style>
+        </p:cxnSp>
+        <p:cxnSp>
+          <p:nvCxnSpPr>
+            <p:cNvPr id="17" name="Straight Connector 16">
+              <a:extLst>
+                <a:ext uri="{FF2B5EF4-FFF2-40B4-BE49-F238E27FC236}">
+                  <a16:creationId xmlns:a16="http://schemas.microsoft.com/office/drawing/2014/main" id="{3251C60F-B911-433E-BF75-3BBEFD0538CB}"/>
+                </a:ext>
+              </a:extLst>
+            </p:cNvPr>
+            <p:cNvCxnSpPr/>
+            <p:nvPr>
+              <p:extLst>
+                <p:ext uri="{386F3935-93C4-4BCD-93E2-E3B085C9AB24}">
+                  <p16:designElem xmlns:p16="http://schemas.microsoft.com/office/powerpoint/2015/main" val="1"/>
+                </p:ext>
+              </p:extLst>
+            </p:nvPr>
+          </p:nvCxnSpPr>
+          <p:spPr>
+            <a:xfrm flipH="1">
+              <a:off x="10918826" y="3683001"/>
+              <a:ext cx="1270001" cy="1269999"/>
+            </a:xfrm>
+            <a:prstGeom prst="line">
+              <a:avLst/>
+            </a:prstGeom>
+            <a:ln w="28575">
+              <a:solidFill>
+                <a:schemeClr val="tx1"/>
+              </a:solidFill>
+            </a:ln>
+          </p:spPr>
+          <p:style>
+            <a:lnRef idx="2">
+              <a:schemeClr val="accent1"/>
+            </a:lnRef>
+            <a:fillRef idx="0">
+              <a:schemeClr val="accent1"/>
+            </a:fillRef>
+            <a:effectRef idx="1">
+              <a:schemeClr val="accent1"/>
+            </a:effectRef>
+            <a:fontRef idx="minor">
+              <a:schemeClr val="tx1"/>
+            </a:fontRef>
+          </p:style>
+        </p:cxnSp>
+      </p:grpSp>
+      <p:sp>
+        <p:nvSpPr>
+          <p:cNvPr id="19" name="Snip Diagonal Corner Rectangle 24">
+            <a:extLst>
+              <a:ext uri="{FF2B5EF4-FFF2-40B4-BE49-F238E27FC236}">
+                <a16:creationId xmlns:a16="http://schemas.microsoft.com/office/drawing/2014/main" id="{1DFF944F-74BA-483A-82C0-64E3AAF4AE98}"/>
+              </a:ext>
+            </a:extLst>
+          </p:cNvPr>
+          <p:cNvSpPr>
+            <a:spLocks noGrp="1" noRot="1" noChangeAspect="1" noMove="1" noResize="1" noEditPoints="1" noAdjustHandles="1" noChangeArrowheads="1" noChangeShapeType="1" noTextEdit="1"/>
+          </p:cNvSpPr>
+          <p:nvPr>
+            <p:extLst>
+              <p:ext uri="{386F3935-93C4-4BCD-93E2-E3B085C9AB24}">
+                <p16:designElem xmlns:p16="http://schemas.microsoft.com/office/powerpoint/2015/main" val="1"/>
+              </p:ext>
+            </p:extLst>
+          </p:nvPr>
+        </p:nvSpPr>
+        <p:spPr>
+          <a:xfrm>
+            <a:off x="612990" y="620722"/>
+            <a:ext cx="6575496" cy="5286838"/>
+          </a:xfrm>
+          <a:prstGeom prst="snip2DiagRect">
+            <a:avLst>
+              <a:gd name="adj1" fmla="val 10787"/>
+              <a:gd name="adj2" fmla="val 0"/>
+            </a:avLst>
+          </a:prstGeom>
+          <a:solidFill>
+            <a:schemeClr val="tx1"/>
+          </a:solidFill>
+          <a:ln>
+            <a:noFill/>
+          </a:ln>
+          <a:effectLst>
+            <a:innerShdw blurRad="57150" dist="38100" dir="14460000">
+              <a:prstClr val="black">
+                <a:alpha val="70000"/>
+              </a:prstClr>
+            </a:innerShdw>
+          </a:effectLst>
+        </p:spPr>
+        <p:style>
+          <a:lnRef idx="2">
+            <a:schemeClr val="accent1">
+              <a:shade val="50000"/>
+            </a:schemeClr>
+          </a:lnRef>
+          <a:fillRef idx="1">
+            <a:schemeClr val="accent1"/>
+          </a:fillRef>
+          <a:effectRef idx="0">
+            <a:schemeClr val="accent1"/>
+          </a:effectRef>
+          <a:fontRef idx="minor">
+            <a:schemeClr val="lt1"/>
+          </a:fontRef>
+        </p:style>
+        <p:txBody>
+          <a:bodyPr rtlCol="0" anchor="ctr"/>
+          <a:lstStyle/>
+          <a:p>
+            <a:pPr algn="ctr"/>
+            <a:endParaRPr lang="en-US"/>
+          </a:p>
+        </p:txBody>
+      </p:sp>
+      <p:pic>
+        <p:nvPicPr>
+          <p:cNvPr id="5" name="Picture 4">
+            <a:extLst>
+              <a:ext uri="{FF2B5EF4-FFF2-40B4-BE49-F238E27FC236}">
+                <a16:creationId xmlns:a16="http://schemas.microsoft.com/office/drawing/2014/main" id="{3EF7EDD0-3934-4C6A-9731-F680A480D592}"/>
+              </a:ext>
+            </a:extLst>
+          </p:cNvPr>
+          <p:cNvPicPr>
+            <a:picLocks noChangeAspect="1"/>
+          </p:cNvPicPr>
+          <p:nvPr/>
+        </p:nvPicPr>
+        <p:blipFill rotWithShape="1">
+          <a:blip r:embed="rId2"/>
+          <a:srcRect r="-4" b="1342"/>
+          <a:stretch/>
+        </p:blipFill>
+        <p:spPr>
+          <a:xfrm>
+            <a:off x="778062" y="786117"/>
+            <a:ext cx="6245352" cy="4956048"/>
+          </a:xfrm>
+          <a:custGeom>
+            <a:avLst/>
+            <a:gdLst>
+              <a:gd name="connsiteX0" fmla="*/ 534609 w 6245352"/>
+              <a:gd name="connsiteY0" fmla="*/ 0 h 4956048"/>
+              <a:gd name="connsiteX1" fmla="*/ 6245352 w 6245352"/>
+              <a:gd name="connsiteY1" fmla="*/ 0 h 4956048"/>
+              <a:gd name="connsiteX2" fmla="*/ 6245352 w 6245352"/>
+              <a:gd name="connsiteY2" fmla="*/ 4421439 h 4956048"/>
+              <a:gd name="connsiteX3" fmla="*/ 5710743 w 6245352"/>
+              <a:gd name="connsiteY3" fmla="*/ 4956048 h 4956048"/>
+              <a:gd name="connsiteX4" fmla="*/ 0 w 6245352"/>
+              <a:gd name="connsiteY4" fmla="*/ 4956048 h 4956048"/>
+              <a:gd name="connsiteX5" fmla="*/ 0 w 6245352"/>
+              <a:gd name="connsiteY5" fmla="*/ 534609 h 4956048"/>
+            </a:gdLst>
+            <a:ahLst/>
+            <a:cxnLst>
+              <a:cxn ang="0">
+                <a:pos x="connsiteX0" y="connsiteY0"/>
+              </a:cxn>
+              <a:cxn ang="0">
+                <a:pos x="connsiteX1" y="connsiteY1"/>
+              </a:cxn>
+              <a:cxn ang="0">
+                <a:pos x="connsiteX2" y="connsiteY2"/>
+              </a:cxn>
+              <a:cxn ang="0">
+                <a:pos x="connsiteX3" y="connsiteY3"/>
+              </a:cxn>
+              <a:cxn ang="0">
+                <a:pos x="connsiteX4" y="connsiteY4"/>
+              </a:cxn>
+              <a:cxn ang="0">
+                <a:pos x="connsiteX5" y="connsiteY5"/>
+              </a:cxn>
+            </a:cxnLst>
+            <a:rect l="l" t="t" r="r" b="b"/>
+            <a:pathLst>
+              <a:path w="6245352" h="4956048">
+                <a:moveTo>
+                  <a:pt x="534609" y="0"/>
+                </a:moveTo>
+                <a:lnTo>
+                  <a:pt x="6245352" y="0"/>
+                </a:lnTo>
+                <a:lnTo>
+                  <a:pt x="6245352" y="4421439"/>
+                </a:lnTo>
+                <a:lnTo>
+                  <a:pt x="5710743" y="4956048"/>
+                </a:lnTo>
+                <a:lnTo>
+                  <a:pt x="0" y="4956048"/>
+                </a:lnTo>
+                <a:lnTo>
+                  <a:pt x="0" y="534609"/>
+                </a:lnTo>
+                <a:close/>
+              </a:path>
+            </a:pathLst>
+          </a:custGeom>
         </p:spPr>
       </p:pic>
+      <p:sp>
+        <p:nvSpPr>
+          <p:cNvPr id="2" name="Title 1">
+            <a:extLst>
+              <a:ext uri="{FF2B5EF4-FFF2-40B4-BE49-F238E27FC236}">
+                <a16:creationId xmlns:a16="http://schemas.microsoft.com/office/drawing/2014/main" id="{0DC84629-F084-4339-A9BB-90B36BB755EA}"/>
+              </a:ext>
+            </a:extLst>
+          </p:cNvPr>
+          <p:cNvSpPr>
+            <a:spLocks noGrp="1"/>
+          </p:cNvSpPr>
+          <p:nvPr>
+            <p:ph type="title"/>
+          </p:nvPr>
+        </p:nvSpPr>
+        <p:spPr>
+          <a:xfrm>
+            <a:off x="7532710" y="620722"/>
+            <a:ext cx="3518748" cy="1142462"/>
+          </a:xfrm>
+        </p:spPr>
+        <p:txBody>
+          <a:bodyPr anchor="b">
+            <a:normAutofit/>
+          </a:bodyPr>
+          <a:lstStyle/>
+          <a:p>
+            <a:r>
+              <a:rPr lang="en-US" sz="2800"/>
+              <a:t>Feature Engineering</a:t>
+            </a:r>
+          </a:p>
+        </p:txBody>
+      </p:sp>
+      <p:sp>
+        <p:nvSpPr>
+          <p:cNvPr id="3" name="Content Placeholder 2">
+            <a:extLst>
+              <a:ext uri="{FF2B5EF4-FFF2-40B4-BE49-F238E27FC236}">
+                <a16:creationId xmlns:a16="http://schemas.microsoft.com/office/drawing/2014/main" id="{D9C86AE4-0DBE-4960-B4ED-1E5C6CDDAAA0}"/>
+              </a:ext>
+            </a:extLst>
+          </p:cNvPr>
+          <p:cNvSpPr>
+            <a:spLocks noGrp="1"/>
+          </p:cNvSpPr>
+          <p:nvPr>
+            <p:ph idx="1"/>
+          </p:nvPr>
+        </p:nvSpPr>
+        <p:spPr>
+          <a:xfrm>
+            <a:off x="7532710" y="1822448"/>
+            <a:ext cx="4046300" cy="3831005"/>
+          </a:xfrm>
+        </p:spPr>
+        <p:txBody>
+          <a:bodyPr anchor="t">
+            <a:normAutofit/>
+          </a:bodyPr>
+          <a:lstStyle/>
+          <a:p>
+            <a:pPr>
+              <a:lnSpc>
+                <a:spcPct val="90000"/>
+              </a:lnSpc>
+            </a:pPr>
+            <a:r>
+              <a:rPr lang="en-US" sz="1600" b="1" dirty="0"/>
+              <a:t>Near Zero Variance predictors removed as they add no predictive power</a:t>
+            </a:r>
+          </a:p>
+          <a:p>
+            <a:pPr>
+              <a:lnSpc>
+                <a:spcPct val="90000"/>
+              </a:lnSpc>
+            </a:pPr>
+            <a:r>
+              <a:rPr lang="en-US" sz="1600" b="1" dirty="0"/>
+              <a:t>Recursive Feature Engineering used on Country C (</a:t>
+            </a:r>
+            <a:r>
+              <a:rPr lang="en-US" sz="1600" b="1" dirty="0" err="1"/>
+              <a:t>rfe</a:t>
+            </a:r>
+            <a:r>
+              <a:rPr lang="en-US" sz="1600" b="1" dirty="0"/>
+              <a:t>)</a:t>
+            </a:r>
+          </a:p>
+          <a:p>
+            <a:pPr>
+              <a:lnSpc>
+                <a:spcPct val="90000"/>
+              </a:lnSpc>
+            </a:pPr>
+            <a:r>
+              <a:rPr lang="en-US" sz="1600" b="1" dirty="0"/>
+              <a:t>Simulated annealing feature selection used on Countries A and B (</a:t>
+            </a:r>
+            <a:r>
+              <a:rPr lang="en-US" sz="1600" b="1" dirty="0" err="1"/>
+              <a:t>safa</a:t>
+            </a:r>
+            <a:r>
+              <a:rPr lang="en-US" sz="1600" b="1" dirty="0"/>
+              <a:t>)</a:t>
+            </a:r>
+          </a:p>
+          <a:p>
+            <a:pPr>
+              <a:lnSpc>
+                <a:spcPct val="90000"/>
+              </a:lnSpc>
+            </a:pPr>
+            <a:r>
+              <a:rPr lang="en-US" sz="1600" b="1" dirty="0"/>
+              <a:t>By end of feature engineering:</a:t>
+            </a:r>
+          </a:p>
+          <a:p>
+            <a:pPr lvl="1">
+              <a:lnSpc>
+                <a:spcPct val="90000"/>
+              </a:lnSpc>
+            </a:pPr>
+            <a:r>
+              <a:rPr lang="en-US" sz="1600" b="1" dirty="0"/>
+              <a:t>Country A had  66 variables</a:t>
+            </a:r>
+          </a:p>
+          <a:p>
+            <a:pPr lvl="1">
+              <a:lnSpc>
+                <a:spcPct val="90000"/>
+              </a:lnSpc>
+            </a:pPr>
+            <a:r>
+              <a:rPr lang="en-US" sz="1600" b="1" dirty="0"/>
+              <a:t>Country B had  147 variables</a:t>
+            </a:r>
+          </a:p>
+          <a:p>
+            <a:pPr lvl="1">
+              <a:lnSpc>
+                <a:spcPct val="90000"/>
+              </a:lnSpc>
+            </a:pPr>
+            <a:r>
+              <a:rPr lang="en-US" sz="1600" b="1" dirty="0"/>
+              <a:t>Country C had 5 variables</a:t>
+            </a:r>
+          </a:p>
+        </p:txBody>
+      </p:sp>
     </p:spTree>
     <p:extLst>
       <p:ext uri="{BB962C8B-B14F-4D97-AF65-F5344CB8AC3E}">
-        <p14:creationId xmlns:p14="http://schemas.microsoft.com/office/powerpoint/2010/main" val="1499678823"/>
+        <p14:creationId xmlns:p14="http://schemas.microsoft.com/office/powerpoint/2010/main" val="1445372862"/>
+      </p:ext>
+    </p:extLst>
+  </p:cSld>
+  <p:clrMapOvr>
+    <a:masterClrMapping/>
+  </p:clrMapOvr>
+</p:sld>
+</file>
+
+<file path=ppt/slides/slide7.xml><?xml version="1.0" encoding="utf-8"?>
+<p:sld xmlns:a="http://schemas.openxmlformats.org/drawingml/2006/main" xmlns:r="http://schemas.openxmlformats.org/officeDocument/2006/relationships" xmlns:p="http://schemas.openxmlformats.org/presentationml/2006/main">
+  <p:cSld>
+    <p:bg>
+      <p:bgPr>
+        <a:gradFill rotWithShape="1">
+          <a:gsLst>
+            <a:gs pos="10000">
+              <a:schemeClr val="bg2">
+                <a:tint val="97000"/>
+                <a:hueMod val="92000"/>
+                <a:satMod val="169000"/>
+                <a:lumMod val="164000"/>
+              </a:schemeClr>
+            </a:gs>
+            <a:gs pos="100000">
+              <a:schemeClr val="bg2">
+                <a:shade val="96000"/>
+                <a:satMod val="120000"/>
+                <a:lumMod val="90000"/>
+              </a:schemeClr>
+            </a:gs>
+          </a:gsLst>
+          <a:lin ang="6120000" scaled="1"/>
+        </a:gradFill>
+        <a:effectLst/>
+      </p:bgPr>
+    </p:bg>
+    <p:spTree>
+      <p:nvGrpSpPr>
+        <p:cNvPr id="1" name=""/>
+        <p:cNvGrpSpPr/>
+        <p:nvPr/>
+      </p:nvGrpSpPr>
+      <p:grpSpPr>
+        <a:xfrm>
+          <a:off x="0" y="0"/>
+          <a:ext cx="0" cy="0"/>
+          <a:chOff x="0" y="0"/>
+          <a:chExt cx="0" cy="0"/>
+        </a:xfrm>
+      </p:grpSpPr>
+      <p:sp useBgFill="1">
+        <p:nvSpPr>
+          <p:cNvPr id="9" name="Rectangle 8">
+            <a:extLst>
+              <a:ext uri="{FF2B5EF4-FFF2-40B4-BE49-F238E27FC236}">
+                <a16:creationId xmlns:a16="http://schemas.microsoft.com/office/drawing/2014/main" id="{E09CCB3F-DBCE-4964-9E34-8C5DE80EF4B5}"/>
+              </a:ext>
+            </a:extLst>
+          </p:cNvPr>
+          <p:cNvSpPr>
+            <a:spLocks noGrp="1" noRot="1" noChangeAspect="1" noMove="1" noResize="1" noEditPoints="1" noAdjustHandles="1" noChangeArrowheads="1" noChangeShapeType="1" noTextEdit="1"/>
+          </p:cNvSpPr>
+          <p:nvPr>
+            <p:extLst>
+              <p:ext uri="{386F3935-93C4-4BCD-93E2-E3B085C9AB24}">
+                <p16:designElem xmlns:p16="http://schemas.microsoft.com/office/powerpoint/2015/main" val="1"/>
+              </p:ext>
+            </p:extLst>
+          </p:nvPr>
+        </p:nvSpPr>
+        <p:spPr>
+          <a:xfrm>
+            <a:off x="0" y="0"/>
+            <a:ext cx="12192000" cy="6858000"/>
+          </a:xfrm>
+          <a:prstGeom prst="rect">
+            <a:avLst/>
+          </a:prstGeom>
+          <a:ln>
+            <a:noFill/>
+          </a:ln>
+        </p:spPr>
+        <p:style>
+          <a:lnRef idx="2">
+            <a:schemeClr val="accent1">
+              <a:shade val="50000"/>
+            </a:schemeClr>
+          </a:lnRef>
+          <a:fillRef idx="1">
+            <a:schemeClr val="accent1"/>
+          </a:fillRef>
+          <a:effectRef idx="0">
+            <a:schemeClr val="accent1"/>
+          </a:effectRef>
+          <a:fontRef idx="minor">
+            <a:schemeClr val="lt1"/>
+          </a:fontRef>
+        </p:style>
+        <p:txBody>
+          <a:bodyPr rtlCol="0" anchor="ctr"/>
+          <a:lstStyle/>
+          <a:p>
+            <a:pPr algn="ctr"/>
+            <a:endParaRPr lang="en-US"/>
+          </a:p>
+        </p:txBody>
+      </p:sp>
+      <p:grpSp>
+        <p:nvGrpSpPr>
+          <p:cNvPr id="11" name="Group 10">
+            <a:extLst>
+              <a:ext uri="{FF2B5EF4-FFF2-40B4-BE49-F238E27FC236}">
+                <a16:creationId xmlns:a16="http://schemas.microsoft.com/office/drawing/2014/main" id="{A9733A91-F958-4629-801A-3F6F1E09AD64}"/>
+              </a:ext>
+            </a:extLst>
+          </p:cNvPr>
+          <p:cNvGrpSpPr>
+            <a:grpSpLocks noGrp="1" noUngrp="1" noRot="1" noChangeAspect="1" noMove="1" noResize="1"/>
+          </p:cNvGrpSpPr>
+          <p:nvPr>
+            <p:extLst>
+              <p:ext uri="{386F3935-93C4-4BCD-93E2-E3B085C9AB24}">
+                <p16:designElem xmlns:p16="http://schemas.microsoft.com/office/powerpoint/2015/main" val="1"/>
+              </p:ext>
+            </p:extLst>
+          </p:nvPr>
+        </p:nvGrpSpPr>
+        <p:grpSpPr>
+          <a:xfrm>
+            <a:off x="9206969" y="2963333"/>
+            <a:ext cx="2981858" cy="3208867"/>
+            <a:chOff x="9206969" y="2963333"/>
+            <a:chExt cx="2981858" cy="3208867"/>
+          </a:xfrm>
+        </p:grpSpPr>
+        <p:cxnSp>
+          <p:nvCxnSpPr>
+            <p:cNvPr id="12" name="Straight Connector 11">
+              <a:extLst>
+                <a:ext uri="{FF2B5EF4-FFF2-40B4-BE49-F238E27FC236}">
+                  <a16:creationId xmlns:a16="http://schemas.microsoft.com/office/drawing/2014/main" id="{F3812972-C68B-4C59-B3A7-4AF61E935D4A}"/>
+                </a:ext>
+              </a:extLst>
+            </p:cNvPr>
+            <p:cNvCxnSpPr/>
+            <p:nvPr>
+              <p:extLst>
+                <p:ext uri="{386F3935-93C4-4BCD-93E2-E3B085C9AB24}">
+                  <p16:designElem xmlns:p16="http://schemas.microsoft.com/office/powerpoint/2015/main" val="1"/>
+                </p:ext>
+              </p:extLst>
+            </p:nvPr>
+          </p:nvCxnSpPr>
+          <p:spPr>
+            <a:xfrm flipH="1">
+              <a:off x="11276012" y="2963333"/>
+              <a:ext cx="912814" cy="912812"/>
+            </a:xfrm>
+            <a:prstGeom prst="line">
+              <a:avLst/>
+            </a:prstGeom>
+            <a:ln w="9525">
+              <a:solidFill>
+                <a:schemeClr val="tx1"/>
+              </a:solidFill>
+            </a:ln>
+          </p:spPr>
+          <p:style>
+            <a:lnRef idx="2">
+              <a:schemeClr val="accent1"/>
+            </a:lnRef>
+            <a:fillRef idx="0">
+              <a:schemeClr val="accent1"/>
+            </a:fillRef>
+            <a:effectRef idx="1">
+              <a:schemeClr val="accent1"/>
+            </a:effectRef>
+            <a:fontRef idx="minor">
+              <a:schemeClr val="tx1"/>
+            </a:fontRef>
+          </p:style>
+        </p:cxnSp>
+        <p:cxnSp>
+          <p:nvCxnSpPr>
+            <p:cNvPr id="13" name="Straight Connector 12">
+              <a:extLst>
+                <a:ext uri="{FF2B5EF4-FFF2-40B4-BE49-F238E27FC236}">
+                  <a16:creationId xmlns:a16="http://schemas.microsoft.com/office/drawing/2014/main" id="{CB3F3B7C-7909-4486-AA08-5C6B625C3A0A}"/>
+                </a:ext>
+              </a:extLst>
+            </p:cNvPr>
+            <p:cNvCxnSpPr/>
+            <p:nvPr>
+              <p:extLst>
+                <p:ext uri="{386F3935-93C4-4BCD-93E2-E3B085C9AB24}">
+                  <p16:designElem xmlns:p16="http://schemas.microsoft.com/office/powerpoint/2015/main" val="1"/>
+                </p:ext>
+              </p:extLst>
+            </p:nvPr>
+          </p:nvCxnSpPr>
+          <p:spPr>
+            <a:xfrm flipH="1">
+              <a:off x="9206969" y="3190344"/>
+              <a:ext cx="2981857" cy="2981856"/>
+            </a:xfrm>
+            <a:prstGeom prst="line">
+              <a:avLst/>
+            </a:prstGeom>
+            <a:ln w="9525">
+              <a:solidFill>
+                <a:schemeClr val="tx1"/>
+              </a:solidFill>
+            </a:ln>
+          </p:spPr>
+          <p:style>
+            <a:lnRef idx="2">
+              <a:schemeClr val="accent1"/>
+            </a:lnRef>
+            <a:fillRef idx="0">
+              <a:schemeClr val="accent1"/>
+            </a:fillRef>
+            <a:effectRef idx="1">
+              <a:schemeClr val="accent1"/>
+            </a:effectRef>
+            <a:fontRef idx="minor">
+              <a:schemeClr val="tx1"/>
+            </a:fontRef>
+          </p:style>
+        </p:cxnSp>
+        <p:cxnSp>
+          <p:nvCxnSpPr>
+            <p:cNvPr id="14" name="Straight Connector 13">
+              <a:extLst>
+                <a:ext uri="{FF2B5EF4-FFF2-40B4-BE49-F238E27FC236}">
+                  <a16:creationId xmlns:a16="http://schemas.microsoft.com/office/drawing/2014/main" id="{00BD7DA8-741F-4296-9363-05EF91541119}"/>
+                </a:ext>
+              </a:extLst>
+            </p:cNvPr>
+            <p:cNvCxnSpPr/>
+            <p:nvPr>
+              <p:extLst>
+                <p:ext uri="{386F3935-93C4-4BCD-93E2-E3B085C9AB24}">
+                  <p16:designElem xmlns:p16="http://schemas.microsoft.com/office/powerpoint/2015/main" val="1"/>
+                </p:ext>
+              </p:extLst>
+            </p:nvPr>
+          </p:nvCxnSpPr>
+          <p:spPr>
+            <a:xfrm flipH="1">
+              <a:off x="10292292" y="3285067"/>
+              <a:ext cx="1896534" cy="1896533"/>
+            </a:xfrm>
+            <a:prstGeom prst="line">
+              <a:avLst/>
+            </a:prstGeom>
+            <a:ln w="9525">
+              <a:solidFill>
+                <a:schemeClr val="tx1"/>
+              </a:solidFill>
+            </a:ln>
+          </p:spPr>
+          <p:style>
+            <a:lnRef idx="2">
+              <a:schemeClr val="accent1"/>
+            </a:lnRef>
+            <a:fillRef idx="0">
+              <a:schemeClr val="accent1"/>
+            </a:fillRef>
+            <a:effectRef idx="1">
+              <a:schemeClr val="accent1"/>
+            </a:effectRef>
+            <a:fontRef idx="minor">
+              <a:schemeClr val="tx1"/>
+            </a:fontRef>
+          </p:style>
+        </p:cxnSp>
+        <p:cxnSp>
+          <p:nvCxnSpPr>
+            <p:cNvPr id="15" name="Straight Connector 14">
+              <a:extLst>
+                <a:ext uri="{FF2B5EF4-FFF2-40B4-BE49-F238E27FC236}">
+                  <a16:creationId xmlns:a16="http://schemas.microsoft.com/office/drawing/2014/main" id="{62068EFC-20FC-456F-839F-4BCFFCAA8197}"/>
+                </a:ext>
+              </a:extLst>
+            </p:cNvPr>
+            <p:cNvCxnSpPr/>
+            <p:nvPr>
+              <p:extLst>
+                <p:ext uri="{386F3935-93C4-4BCD-93E2-E3B085C9AB24}">
+                  <p16:designElem xmlns:p16="http://schemas.microsoft.com/office/powerpoint/2015/main" val="1"/>
+                </p:ext>
+              </p:extLst>
+            </p:nvPr>
+          </p:nvCxnSpPr>
+          <p:spPr>
+            <a:xfrm flipH="1">
+              <a:off x="10443103" y="3131080"/>
+              <a:ext cx="1745722" cy="1745720"/>
+            </a:xfrm>
+            <a:prstGeom prst="line">
+              <a:avLst/>
+            </a:prstGeom>
+            <a:ln w="28575">
+              <a:solidFill>
+                <a:schemeClr val="tx1"/>
+              </a:solidFill>
+            </a:ln>
+          </p:spPr>
+          <p:style>
+            <a:lnRef idx="2">
+              <a:schemeClr val="accent1"/>
+            </a:lnRef>
+            <a:fillRef idx="0">
+              <a:schemeClr val="accent1"/>
+            </a:fillRef>
+            <a:effectRef idx="1">
+              <a:schemeClr val="accent1"/>
+            </a:effectRef>
+            <a:fontRef idx="minor">
+              <a:schemeClr val="tx1"/>
+            </a:fontRef>
+          </p:style>
+        </p:cxnSp>
+        <p:cxnSp>
+          <p:nvCxnSpPr>
+            <p:cNvPr id="16" name="Straight Connector 15">
+              <a:extLst>
+                <a:ext uri="{FF2B5EF4-FFF2-40B4-BE49-F238E27FC236}">
+                  <a16:creationId xmlns:a16="http://schemas.microsoft.com/office/drawing/2014/main" id="{3251C60F-B911-433E-BF75-3BBEFD0538CB}"/>
+                </a:ext>
+              </a:extLst>
+            </p:cNvPr>
+            <p:cNvCxnSpPr/>
+            <p:nvPr>
+              <p:extLst>
+                <p:ext uri="{386F3935-93C4-4BCD-93E2-E3B085C9AB24}">
+                  <p16:designElem xmlns:p16="http://schemas.microsoft.com/office/powerpoint/2015/main" val="1"/>
+                </p:ext>
+              </p:extLst>
+            </p:nvPr>
+          </p:nvCxnSpPr>
+          <p:spPr>
+            <a:xfrm flipH="1">
+              <a:off x="10918826" y="3683001"/>
+              <a:ext cx="1270001" cy="1269999"/>
+            </a:xfrm>
+            <a:prstGeom prst="line">
+              <a:avLst/>
+            </a:prstGeom>
+            <a:ln w="28575">
+              <a:solidFill>
+                <a:schemeClr val="tx1"/>
+              </a:solidFill>
+            </a:ln>
+          </p:spPr>
+          <p:style>
+            <a:lnRef idx="2">
+              <a:schemeClr val="accent1"/>
+            </a:lnRef>
+            <a:fillRef idx="0">
+              <a:schemeClr val="accent1"/>
+            </a:fillRef>
+            <a:effectRef idx="1">
+              <a:schemeClr val="accent1"/>
+            </a:effectRef>
+            <a:fontRef idx="minor">
+              <a:schemeClr val="tx1"/>
+            </a:fontRef>
+          </p:style>
+        </p:cxnSp>
+      </p:grpSp>
+      <p:sp>
+        <p:nvSpPr>
+          <p:cNvPr id="18" name="Snip Diagonal Corner Rectangle 24">
+            <a:extLst>
+              <a:ext uri="{FF2B5EF4-FFF2-40B4-BE49-F238E27FC236}">
+                <a16:creationId xmlns:a16="http://schemas.microsoft.com/office/drawing/2014/main" id="{1DFF944F-74BA-483A-82C0-64E3AAF4AE98}"/>
+              </a:ext>
+            </a:extLst>
+          </p:cNvPr>
+          <p:cNvSpPr>
+            <a:spLocks noGrp="1" noRot="1" noChangeAspect="1" noMove="1" noResize="1" noEditPoints="1" noAdjustHandles="1" noChangeArrowheads="1" noChangeShapeType="1" noTextEdit="1"/>
+          </p:cNvSpPr>
+          <p:nvPr>
+            <p:extLst>
+              <p:ext uri="{386F3935-93C4-4BCD-93E2-E3B085C9AB24}">
+                <p16:designElem xmlns:p16="http://schemas.microsoft.com/office/powerpoint/2015/main" val="1"/>
+              </p:ext>
+            </p:extLst>
+          </p:nvPr>
+        </p:nvSpPr>
+        <p:spPr>
+          <a:xfrm>
+            <a:off x="612990" y="620722"/>
+            <a:ext cx="6575496" cy="5286838"/>
+          </a:xfrm>
+          <a:prstGeom prst="snip2DiagRect">
+            <a:avLst>
+              <a:gd name="adj1" fmla="val 10787"/>
+              <a:gd name="adj2" fmla="val 0"/>
+            </a:avLst>
+          </a:prstGeom>
+          <a:solidFill>
+            <a:schemeClr val="tx1"/>
+          </a:solidFill>
+          <a:ln>
+            <a:noFill/>
+          </a:ln>
+          <a:effectLst>
+            <a:innerShdw blurRad="57150" dist="38100" dir="14460000">
+              <a:prstClr val="black">
+                <a:alpha val="70000"/>
+              </a:prstClr>
+            </a:innerShdw>
+          </a:effectLst>
+        </p:spPr>
+        <p:style>
+          <a:lnRef idx="2">
+            <a:schemeClr val="accent1">
+              <a:shade val="50000"/>
+            </a:schemeClr>
+          </a:lnRef>
+          <a:fillRef idx="1">
+            <a:schemeClr val="accent1"/>
+          </a:fillRef>
+          <a:effectRef idx="0">
+            <a:schemeClr val="accent1"/>
+          </a:effectRef>
+          <a:fontRef idx="minor">
+            <a:schemeClr val="lt1"/>
+          </a:fontRef>
+        </p:style>
+        <p:txBody>
+          <a:bodyPr rtlCol="0" anchor="ctr"/>
+          <a:lstStyle/>
+          <a:p>
+            <a:pPr algn="ctr"/>
+            <a:endParaRPr lang="en-US"/>
+          </a:p>
+        </p:txBody>
+      </p:sp>
+      <p:pic>
+        <p:nvPicPr>
+          <p:cNvPr id="4" name="Picture 3">
+            <a:extLst>
+              <a:ext uri="{FF2B5EF4-FFF2-40B4-BE49-F238E27FC236}">
+                <a16:creationId xmlns:a16="http://schemas.microsoft.com/office/drawing/2014/main" id="{65F49319-859C-4635-8F2C-3EA48BD56F38}"/>
+              </a:ext>
+            </a:extLst>
+          </p:cNvPr>
+          <p:cNvPicPr>
+            <a:picLocks noChangeAspect="1"/>
+          </p:cNvPicPr>
+          <p:nvPr/>
+        </p:nvPicPr>
+        <p:blipFill rotWithShape="1">
+          <a:blip r:embed="rId2"/>
+          <a:srcRect t="631" r="-4" b="711"/>
+          <a:stretch/>
+        </p:blipFill>
+        <p:spPr>
+          <a:xfrm>
+            <a:off x="778062" y="786117"/>
+            <a:ext cx="6245352" cy="4956048"/>
+          </a:xfrm>
+          <a:custGeom>
+            <a:avLst/>
+            <a:gdLst>
+              <a:gd name="connsiteX0" fmla="*/ 534609 w 6245352"/>
+              <a:gd name="connsiteY0" fmla="*/ 0 h 4956048"/>
+              <a:gd name="connsiteX1" fmla="*/ 6245352 w 6245352"/>
+              <a:gd name="connsiteY1" fmla="*/ 0 h 4956048"/>
+              <a:gd name="connsiteX2" fmla="*/ 6245352 w 6245352"/>
+              <a:gd name="connsiteY2" fmla="*/ 4421439 h 4956048"/>
+              <a:gd name="connsiteX3" fmla="*/ 5710743 w 6245352"/>
+              <a:gd name="connsiteY3" fmla="*/ 4956048 h 4956048"/>
+              <a:gd name="connsiteX4" fmla="*/ 0 w 6245352"/>
+              <a:gd name="connsiteY4" fmla="*/ 4956048 h 4956048"/>
+              <a:gd name="connsiteX5" fmla="*/ 0 w 6245352"/>
+              <a:gd name="connsiteY5" fmla="*/ 534609 h 4956048"/>
+            </a:gdLst>
+            <a:ahLst/>
+            <a:cxnLst>
+              <a:cxn ang="0">
+                <a:pos x="connsiteX0" y="connsiteY0"/>
+              </a:cxn>
+              <a:cxn ang="0">
+                <a:pos x="connsiteX1" y="connsiteY1"/>
+              </a:cxn>
+              <a:cxn ang="0">
+                <a:pos x="connsiteX2" y="connsiteY2"/>
+              </a:cxn>
+              <a:cxn ang="0">
+                <a:pos x="connsiteX3" y="connsiteY3"/>
+              </a:cxn>
+              <a:cxn ang="0">
+                <a:pos x="connsiteX4" y="connsiteY4"/>
+              </a:cxn>
+              <a:cxn ang="0">
+                <a:pos x="connsiteX5" y="connsiteY5"/>
+              </a:cxn>
+            </a:cxnLst>
+            <a:rect l="l" t="t" r="r" b="b"/>
+            <a:pathLst>
+              <a:path w="6245352" h="4956048">
+                <a:moveTo>
+                  <a:pt x="534609" y="0"/>
+                </a:moveTo>
+                <a:lnTo>
+                  <a:pt x="6245352" y="0"/>
+                </a:lnTo>
+                <a:lnTo>
+                  <a:pt x="6245352" y="4421439"/>
+                </a:lnTo>
+                <a:lnTo>
+                  <a:pt x="5710743" y="4956048"/>
+                </a:lnTo>
+                <a:lnTo>
+                  <a:pt x="0" y="4956048"/>
+                </a:lnTo>
+                <a:lnTo>
+                  <a:pt x="0" y="534609"/>
+                </a:lnTo>
+                <a:close/>
+              </a:path>
+            </a:pathLst>
+          </a:custGeom>
+        </p:spPr>
+      </p:pic>
+      <p:sp>
+        <p:nvSpPr>
+          <p:cNvPr id="2" name="Title 1">
+            <a:extLst>
+              <a:ext uri="{FF2B5EF4-FFF2-40B4-BE49-F238E27FC236}">
+                <a16:creationId xmlns:a16="http://schemas.microsoft.com/office/drawing/2014/main" id="{0DC84629-F084-4339-A9BB-90B36BB755EA}"/>
+              </a:ext>
+            </a:extLst>
+          </p:cNvPr>
+          <p:cNvSpPr>
+            <a:spLocks noGrp="1"/>
+          </p:cNvSpPr>
+          <p:nvPr>
+            <p:ph type="title"/>
+          </p:nvPr>
+        </p:nvSpPr>
+        <p:spPr>
+          <a:xfrm>
+            <a:off x="7532710" y="620722"/>
+            <a:ext cx="3518748" cy="1142462"/>
+          </a:xfrm>
+        </p:spPr>
+        <p:txBody>
+          <a:bodyPr anchor="b">
+            <a:normAutofit/>
+          </a:bodyPr>
+          <a:lstStyle/>
+          <a:p>
+            <a:r>
+              <a:rPr lang="en-US" sz="2800"/>
+              <a:t>Results: Country A</a:t>
+            </a:r>
+          </a:p>
+        </p:txBody>
+      </p:sp>
+      <p:sp>
+        <p:nvSpPr>
+          <p:cNvPr id="3" name="Content Placeholder 2">
+            <a:extLst>
+              <a:ext uri="{FF2B5EF4-FFF2-40B4-BE49-F238E27FC236}">
+                <a16:creationId xmlns:a16="http://schemas.microsoft.com/office/drawing/2014/main" id="{D9C86AE4-0DBE-4960-B4ED-1E5C6CDDAAA0}"/>
+              </a:ext>
+            </a:extLst>
+          </p:cNvPr>
+          <p:cNvSpPr>
+            <a:spLocks noGrp="1"/>
+          </p:cNvSpPr>
+          <p:nvPr>
+            <p:ph idx="1"/>
+          </p:nvPr>
+        </p:nvSpPr>
+        <p:spPr>
+          <a:xfrm>
+            <a:off x="7532710" y="1822449"/>
+            <a:ext cx="3578230" cy="3521076"/>
+          </a:xfrm>
+        </p:spPr>
+        <p:txBody>
+          <a:bodyPr anchor="t">
+            <a:normAutofit/>
+          </a:bodyPr>
+          <a:lstStyle/>
+          <a:p>
+            <a:r>
+              <a:rPr lang="en-US" b="1" dirty="0"/>
+              <a:t>Country A had 53 percent no-information rate</a:t>
+            </a:r>
+          </a:p>
+          <a:p>
+            <a:endParaRPr lang="en-US" b="1" dirty="0"/>
+          </a:p>
+          <a:p>
+            <a:r>
+              <a:rPr lang="en-US" b="1" dirty="0"/>
+              <a:t>Caret’s ‘</a:t>
+            </a:r>
+            <a:r>
+              <a:rPr lang="en-US" b="1" dirty="0" err="1"/>
+              <a:t>avNNet</a:t>
+            </a:r>
+            <a:r>
+              <a:rPr lang="en-US" b="1" dirty="0"/>
+              <a:t>’ (Neural Networks Using Model Averaging) had highest accuracy</a:t>
+            </a:r>
+          </a:p>
+          <a:p>
+            <a:endParaRPr lang="en-US" sz="1400" dirty="0"/>
+          </a:p>
+        </p:txBody>
+      </p:sp>
+    </p:spTree>
+    <p:extLst>
+      <p:ext uri="{BB962C8B-B14F-4D97-AF65-F5344CB8AC3E}">
+        <p14:creationId xmlns:p14="http://schemas.microsoft.com/office/powerpoint/2010/main" val="762061507"/>
+      </p:ext>
+    </p:extLst>
+  </p:cSld>
+  <p:clrMapOvr>
+    <a:masterClrMapping/>
+  </p:clrMapOvr>
+</p:sld>
+</file>
+
+<file path=ppt/slides/slide8.xml><?xml version="1.0" encoding="utf-8"?>
+<p:sld xmlns:a="http://schemas.openxmlformats.org/drawingml/2006/main" xmlns:r="http://schemas.openxmlformats.org/officeDocument/2006/relationships" xmlns:p="http://schemas.openxmlformats.org/presentationml/2006/main">
+  <p:cSld>
+    <p:bg>
+      <p:bgPr>
+        <a:gradFill rotWithShape="1">
+          <a:gsLst>
+            <a:gs pos="10000">
+              <a:schemeClr val="bg2">
+                <a:tint val="97000"/>
+                <a:hueMod val="92000"/>
+                <a:satMod val="169000"/>
+                <a:lumMod val="164000"/>
+              </a:schemeClr>
+            </a:gs>
+            <a:gs pos="100000">
+              <a:schemeClr val="bg2">
+                <a:shade val="96000"/>
+                <a:satMod val="120000"/>
+                <a:lumMod val="90000"/>
+              </a:schemeClr>
+            </a:gs>
+          </a:gsLst>
+          <a:lin ang="6120000" scaled="1"/>
+        </a:gradFill>
+        <a:effectLst/>
+      </p:bgPr>
+    </p:bg>
+    <p:spTree>
+      <p:nvGrpSpPr>
+        <p:cNvPr id="1" name=""/>
+        <p:cNvGrpSpPr/>
+        <p:nvPr/>
+      </p:nvGrpSpPr>
+      <p:grpSpPr>
+        <a:xfrm>
+          <a:off x="0" y="0"/>
+          <a:ext cx="0" cy="0"/>
+          <a:chOff x="0" y="0"/>
+          <a:chExt cx="0" cy="0"/>
+        </a:xfrm>
+      </p:grpSpPr>
+      <p:sp useBgFill="1">
+        <p:nvSpPr>
+          <p:cNvPr id="10" name="Rectangle 9">
+            <a:extLst>
+              <a:ext uri="{FF2B5EF4-FFF2-40B4-BE49-F238E27FC236}">
+                <a16:creationId xmlns:a16="http://schemas.microsoft.com/office/drawing/2014/main" id="{E09CCB3F-DBCE-4964-9E34-8C5DE80EF4B5}"/>
+              </a:ext>
+            </a:extLst>
+          </p:cNvPr>
+          <p:cNvSpPr>
+            <a:spLocks noGrp="1" noRot="1" noChangeAspect="1" noMove="1" noResize="1" noEditPoints="1" noAdjustHandles="1" noChangeArrowheads="1" noChangeShapeType="1" noTextEdit="1"/>
+          </p:cNvSpPr>
+          <p:nvPr>
+            <p:extLst>
+              <p:ext uri="{386F3935-93C4-4BCD-93E2-E3B085C9AB24}">
+                <p16:designElem xmlns:p16="http://schemas.microsoft.com/office/powerpoint/2015/main" val="1"/>
+              </p:ext>
+            </p:extLst>
+          </p:nvPr>
+        </p:nvSpPr>
+        <p:spPr>
+          <a:xfrm>
+            <a:off x="0" y="0"/>
+            <a:ext cx="12192000" cy="6858000"/>
+          </a:xfrm>
+          <a:prstGeom prst="rect">
+            <a:avLst/>
+          </a:prstGeom>
+          <a:ln>
+            <a:noFill/>
+          </a:ln>
+        </p:spPr>
+        <p:style>
+          <a:lnRef idx="2">
+            <a:schemeClr val="accent1">
+              <a:shade val="50000"/>
+            </a:schemeClr>
+          </a:lnRef>
+          <a:fillRef idx="1">
+            <a:schemeClr val="accent1"/>
+          </a:fillRef>
+          <a:effectRef idx="0">
+            <a:schemeClr val="accent1"/>
+          </a:effectRef>
+          <a:fontRef idx="minor">
+            <a:schemeClr val="lt1"/>
+          </a:fontRef>
+        </p:style>
+        <p:txBody>
+          <a:bodyPr rtlCol="0" anchor="ctr"/>
+          <a:lstStyle/>
+          <a:p>
+            <a:pPr algn="ctr"/>
+            <a:endParaRPr lang="en-US"/>
+          </a:p>
+        </p:txBody>
+      </p:sp>
+      <p:grpSp>
+        <p:nvGrpSpPr>
+          <p:cNvPr id="12" name="Group 11">
+            <a:extLst>
+              <a:ext uri="{FF2B5EF4-FFF2-40B4-BE49-F238E27FC236}">
+                <a16:creationId xmlns:a16="http://schemas.microsoft.com/office/drawing/2014/main" id="{A9733A91-F958-4629-801A-3F6F1E09AD64}"/>
+              </a:ext>
+            </a:extLst>
+          </p:cNvPr>
+          <p:cNvGrpSpPr>
+            <a:grpSpLocks noGrp="1" noUngrp="1" noRot="1" noChangeAspect="1" noMove="1" noResize="1"/>
+          </p:cNvGrpSpPr>
+          <p:nvPr>
+            <p:extLst>
+              <p:ext uri="{386F3935-93C4-4BCD-93E2-E3B085C9AB24}">
+                <p16:designElem xmlns:p16="http://schemas.microsoft.com/office/powerpoint/2015/main" val="1"/>
+              </p:ext>
+            </p:extLst>
+          </p:nvPr>
+        </p:nvGrpSpPr>
+        <p:grpSpPr>
+          <a:xfrm>
+            <a:off x="9206969" y="2963333"/>
+            <a:ext cx="2981858" cy="3208867"/>
+            <a:chOff x="9206969" y="2963333"/>
+            <a:chExt cx="2981858" cy="3208867"/>
+          </a:xfrm>
+        </p:grpSpPr>
+        <p:cxnSp>
+          <p:nvCxnSpPr>
+            <p:cNvPr id="13" name="Straight Connector 12">
+              <a:extLst>
+                <a:ext uri="{FF2B5EF4-FFF2-40B4-BE49-F238E27FC236}">
+                  <a16:creationId xmlns:a16="http://schemas.microsoft.com/office/drawing/2014/main" id="{F3812972-C68B-4C59-B3A7-4AF61E935D4A}"/>
+                </a:ext>
+              </a:extLst>
+            </p:cNvPr>
+            <p:cNvCxnSpPr/>
+            <p:nvPr>
+              <p:extLst>
+                <p:ext uri="{386F3935-93C4-4BCD-93E2-E3B085C9AB24}">
+                  <p16:designElem xmlns:p16="http://schemas.microsoft.com/office/powerpoint/2015/main" val="1"/>
+                </p:ext>
+              </p:extLst>
+            </p:nvPr>
+          </p:nvCxnSpPr>
+          <p:spPr>
+            <a:xfrm flipH="1">
+              <a:off x="11276012" y="2963333"/>
+              <a:ext cx="912814" cy="912812"/>
+            </a:xfrm>
+            <a:prstGeom prst="line">
+              <a:avLst/>
+            </a:prstGeom>
+            <a:ln w="9525">
+              <a:solidFill>
+                <a:schemeClr val="tx1"/>
+              </a:solidFill>
+            </a:ln>
+          </p:spPr>
+          <p:style>
+            <a:lnRef idx="2">
+              <a:schemeClr val="accent1"/>
+            </a:lnRef>
+            <a:fillRef idx="0">
+              <a:schemeClr val="accent1"/>
+            </a:fillRef>
+            <a:effectRef idx="1">
+              <a:schemeClr val="accent1"/>
+            </a:effectRef>
+            <a:fontRef idx="minor">
+              <a:schemeClr val="tx1"/>
+            </a:fontRef>
+          </p:style>
+        </p:cxnSp>
+        <p:cxnSp>
+          <p:nvCxnSpPr>
+            <p:cNvPr id="14" name="Straight Connector 13">
+              <a:extLst>
+                <a:ext uri="{FF2B5EF4-FFF2-40B4-BE49-F238E27FC236}">
+                  <a16:creationId xmlns:a16="http://schemas.microsoft.com/office/drawing/2014/main" id="{CB3F3B7C-7909-4486-AA08-5C6B625C3A0A}"/>
+                </a:ext>
+              </a:extLst>
+            </p:cNvPr>
+            <p:cNvCxnSpPr/>
+            <p:nvPr>
+              <p:extLst>
+                <p:ext uri="{386F3935-93C4-4BCD-93E2-E3B085C9AB24}">
+                  <p16:designElem xmlns:p16="http://schemas.microsoft.com/office/powerpoint/2015/main" val="1"/>
+                </p:ext>
+              </p:extLst>
+            </p:nvPr>
+          </p:nvCxnSpPr>
+          <p:spPr>
+            <a:xfrm flipH="1">
+              <a:off x="9206969" y="3190344"/>
+              <a:ext cx="2981857" cy="2981856"/>
+            </a:xfrm>
+            <a:prstGeom prst="line">
+              <a:avLst/>
+            </a:prstGeom>
+            <a:ln w="9525">
+              <a:solidFill>
+                <a:schemeClr val="tx1"/>
+              </a:solidFill>
+            </a:ln>
+          </p:spPr>
+          <p:style>
+            <a:lnRef idx="2">
+              <a:schemeClr val="accent1"/>
+            </a:lnRef>
+            <a:fillRef idx="0">
+              <a:schemeClr val="accent1"/>
+            </a:fillRef>
+            <a:effectRef idx="1">
+              <a:schemeClr val="accent1"/>
+            </a:effectRef>
+            <a:fontRef idx="minor">
+              <a:schemeClr val="tx1"/>
+            </a:fontRef>
+          </p:style>
+        </p:cxnSp>
+        <p:cxnSp>
+          <p:nvCxnSpPr>
+            <p:cNvPr id="15" name="Straight Connector 14">
+              <a:extLst>
+                <a:ext uri="{FF2B5EF4-FFF2-40B4-BE49-F238E27FC236}">
+                  <a16:creationId xmlns:a16="http://schemas.microsoft.com/office/drawing/2014/main" id="{00BD7DA8-741F-4296-9363-05EF91541119}"/>
+                </a:ext>
+              </a:extLst>
+            </p:cNvPr>
+            <p:cNvCxnSpPr/>
+            <p:nvPr>
+              <p:extLst>
+                <p:ext uri="{386F3935-93C4-4BCD-93E2-E3B085C9AB24}">
+                  <p16:designElem xmlns:p16="http://schemas.microsoft.com/office/powerpoint/2015/main" val="1"/>
+                </p:ext>
+              </p:extLst>
+            </p:nvPr>
+          </p:nvCxnSpPr>
+          <p:spPr>
+            <a:xfrm flipH="1">
+              <a:off x="10292292" y="3285067"/>
+              <a:ext cx="1896534" cy="1896533"/>
+            </a:xfrm>
+            <a:prstGeom prst="line">
+              <a:avLst/>
+            </a:prstGeom>
+            <a:ln w="9525">
+              <a:solidFill>
+                <a:schemeClr val="tx1"/>
+              </a:solidFill>
+            </a:ln>
+          </p:spPr>
+          <p:style>
+            <a:lnRef idx="2">
+              <a:schemeClr val="accent1"/>
+            </a:lnRef>
+            <a:fillRef idx="0">
+              <a:schemeClr val="accent1"/>
+            </a:fillRef>
+            <a:effectRef idx="1">
+              <a:schemeClr val="accent1"/>
+            </a:effectRef>
+            <a:fontRef idx="minor">
+              <a:schemeClr val="tx1"/>
+            </a:fontRef>
+          </p:style>
+        </p:cxnSp>
+        <p:cxnSp>
+          <p:nvCxnSpPr>
+            <p:cNvPr id="16" name="Straight Connector 15">
+              <a:extLst>
+                <a:ext uri="{FF2B5EF4-FFF2-40B4-BE49-F238E27FC236}">
+                  <a16:creationId xmlns:a16="http://schemas.microsoft.com/office/drawing/2014/main" id="{62068EFC-20FC-456F-839F-4BCFFCAA8197}"/>
+                </a:ext>
+              </a:extLst>
+            </p:cNvPr>
+            <p:cNvCxnSpPr/>
+            <p:nvPr>
+              <p:extLst>
+                <p:ext uri="{386F3935-93C4-4BCD-93E2-E3B085C9AB24}">
+                  <p16:designElem xmlns:p16="http://schemas.microsoft.com/office/powerpoint/2015/main" val="1"/>
+                </p:ext>
+              </p:extLst>
+            </p:nvPr>
+          </p:nvCxnSpPr>
+          <p:spPr>
+            <a:xfrm flipH="1">
+              <a:off x="10443103" y="3131080"/>
+              <a:ext cx="1745722" cy="1745720"/>
+            </a:xfrm>
+            <a:prstGeom prst="line">
+              <a:avLst/>
+            </a:prstGeom>
+            <a:ln w="28575">
+              <a:solidFill>
+                <a:schemeClr val="tx1"/>
+              </a:solidFill>
+            </a:ln>
+          </p:spPr>
+          <p:style>
+            <a:lnRef idx="2">
+              <a:schemeClr val="accent1"/>
+            </a:lnRef>
+            <a:fillRef idx="0">
+              <a:schemeClr val="accent1"/>
+            </a:fillRef>
+            <a:effectRef idx="1">
+              <a:schemeClr val="accent1"/>
+            </a:effectRef>
+            <a:fontRef idx="minor">
+              <a:schemeClr val="tx1"/>
+            </a:fontRef>
+          </p:style>
+        </p:cxnSp>
+        <p:cxnSp>
+          <p:nvCxnSpPr>
+            <p:cNvPr id="17" name="Straight Connector 16">
+              <a:extLst>
+                <a:ext uri="{FF2B5EF4-FFF2-40B4-BE49-F238E27FC236}">
+                  <a16:creationId xmlns:a16="http://schemas.microsoft.com/office/drawing/2014/main" id="{3251C60F-B911-433E-BF75-3BBEFD0538CB}"/>
+                </a:ext>
+              </a:extLst>
+            </p:cNvPr>
+            <p:cNvCxnSpPr/>
+            <p:nvPr>
+              <p:extLst>
+                <p:ext uri="{386F3935-93C4-4BCD-93E2-E3B085C9AB24}">
+                  <p16:designElem xmlns:p16="http://schemas.microsoft.com/office/powerpoint/2015/main" val="1"/>
+                </p:ext>
+              </p:extLst>
+            </p:nvPr>
+          </p:nvCxnSpPr>
+          <p:spPr>
+            <a:xfrm flipH="1">
+              <a:off x="10918826" y="3683001"/>
+              <a:ext cx="1270001" cy="1269999"/>
+            </a:xfrm>
+            <a:prstGeom prst="line">
+              <a:avLst/>
+            </a:prstGeom>
+            <a:ln w="28575">
+              <a:solidFill>
+                <a:schemeClr val="tx1"/>
+              </a:solidFill>
+            </a:ln>
+          </p:spPr>
+          <p:style>
+            <a:lnRef idx="2">
+              <a:schemeClr val="accent1"/>
+            </a:lnRef>
+            <a:fillRef idx="0">
+              <a:schemeClr val="accent1"/>
+            </a:fillRef>
+            <a:effectRef idx="1">
+              <a:schemeClr val="accent1"/>
+            </a:effectRef>
+            <a:fontRef idx="minor">
+              <a:schemeClr val="tx1"/>
+            </a:fontRef>
+          </p:style>
+        </p:cxnSp>
+      </p:grpSp>
+      <p:sp>
+        <p:nvSpPr>
+          <p:cNvPr id="19" name="Snip Diagonal Corner Rectangle 24">
+            <a:extLst>
+              <a:ext uri="{FF2B5EF4-FFF2-40B4-BE49-F238E27FC236}">
+                <a16:creationId xmlns:a16="http://schemas.microsoft.com/office/drawing/2014/main" id="{1DFF944F-74BA-483A-82C0-64E3AAF4AE98}"/>
+              </a:ext>
+            </a:extLst>
+          </p:cNvPr>
+          <p:cNvSpPr>
+            <a:spLocks noGrp="1" noRot="1" noChangeAspect="1" noMove="1" noResize="1" noEditPoints="1" noAdjustHandles="1" noChangeArrowheads="1" noChangeShapeType="1" noTextEdit="1"/>
+          </p:cNvSpPr>
+          <p:nvPr>
+            <p:extLst>
+              <p:ext uri="{386F3935-93C4-4BCD-93E2-E3B085C9AB24}">
+                <p16:designElem xmlns:p16="http://schemas.microsoft.com/office/powerpoint/2015/main" val="1"/>
+              </p:ext>
+            </p:extLst>
+          </p:nvPr>
+        </p:nvSpPr>
+        <p:spPr>
+          <a:xfrm>
+            <a:off x="612990" y="620722"/>
+            <a:ext cx="6575496" cy="5286838"/>
+          </a:xfrm>
+          <a:prstGeom prst="snip2DiagRect">
+            <a:avLst>
+              <a:gd name="adj1" fmla="val 10787"/>
+              <a:gd name="adj2" fmla="val 0"/>
+            </a:avLst>
+          </a:prstGeom>
+          <a:solidFill>
+            <a:schemeClr val="tx1"/>
+          </a:solidFill>
+          <a:ln>
+            <a:noFill/>
+          </a:ln>
+          <a:effectLst>
+            <a:innerShdw blurRad="57150" dist="38100" dir="14460000">
+              <a:prstClr val="black">
+                <a:alpha val="70000"/>
+              </a:prstClr>
+            </a:innerShdw>
+          </a:effectLst>
+        </p:spPr>
+        <p:style>
+          <a:lnRef idx="2">
+            <a:schemeClr val="accent1">
+              <a:shade val="50000"/>
+            </a:schemeClr>
+          </a:lnRef>
+          <a:fillRef idx="1">
+            <a:schemeClr val="accent1"/>
+          </a:fillRef>
+          <a:effectRef idx="0">
+            <a:schemeClr val="accent1"/>
+          </a:effectRef>
+          <a:fontRef idx="minor">
+            <a:schemeClr val="lt1"/>
+          </a:fontRef>
+        </p:style>
+        <p:txBody>
+          <a:bodyPr rtlCol="0" anchor="ctr"/>
+          <a:lstStyle/>
+          <a:p>
+            <a:pPr algn="ctr"/>
+            <a:endParaRPr lang="en-US"/>
+          </a:p>
+        </p:txBody>
+      </p:sp>
+      <p:pic>
+        <p:nvPicPr>
+          <p:cNvPr id="5" name="Picture 4">
+            <a:extLst>
+              <a:ext uri="{FF2B5EF4-FFF2-40B4-BE49-F238E27FC236}">
+                <a16:creationId xmlns:a16="http://schemas.microsoft.com/office/drawing/2014/main" id="{9F28CFC9-F141-4F08-BBC2-964DE8EC2804}"/>
+              </a:ext>
+            </a:extLst>
+          </p:cNvPr>
+          <p:cNvPicPr>
+            <a:picLocks noChangeAspect="1"/>
+          </p:cNvPicPr>
+          <p:nvPr/>
+        </p:nvPicPr>
+        <p:blipFill rotWithShape="1">
+          <a:blip r:embed="rId2"/>
+          <a:srcRect r="-4" b="1342"/>
+          <a:stretch/>
+        </p:blipFill>
+        <p:spPr>
+          <a:xfrm>
+            <a:off x="778062" y="786117"/>
+            <a:ext cx="6245352" cy="4956048"/>
+          </a:xfrm>
+          <a:custGeom>
+            <a:avLst/>
+            <a:gdLst>
+              <a:gd name="connsiteX0" fmla="*/ 534609 w 6245352"/>
+              <a:gd name="connsiteY0" fmla="*/ 0 h 4956048"/>
+              <a:gd name="connsiteX1" fmla="*/ 6245352 w 6245352"/>
+              <a:gd name="connsiteY1" fmla="*/ 0 h 4956048"/>
+              <a:gd name="connsiteX2" fmla="*/ 6245352 w 6245352"/>
+              <a:gd name="connsiteY2" fmla="*/ 4421439 h 4956048"/>
+              <a:gd name="connsiteX3" fmla="*/ 5710743 w 6245352"/>
+              <a:gd name="connsiteY3" fmla="*/ 4956048 h 4956048"/>
+              <a:gd name="connsiteX4" fmla="*/ 0 w 6245352"/>
+              <a:gd name="connsiteY4" fmla="*/ 4956048 h 4956048"/>
+              <a:gd name="connsiteX5" fmla="*/ 0 w 6245352"/>
+              <a:gd name="connsiteY5" fmla="*/ 534609 h 4956048"/>
+            </a:gdLst>
+            <a:ahLst/>
+            <a:cxnLst>
+              <a:cxn ang="0">
+                <a:pos x="connsiteX0" y="connsiteY0"/>
+              </a:cxn>
+              <a:cxn ang="0">
+                <a:pos x="connsiteX1" y="connsiteY1"/>
+              </a:cxn>
+              <a:cxn ang="0">
+                <a:pos x="connsiteX2" y="connsiteY2"/>
+              </a:cxn>
+              <a:cxn ang="0">
+                <a:pos x="connsiteX3" y="connsiteY3"/>
+              </a:cxn>
+              <a:cxn ang="0">
+                <a:pos x="connsiteX4" y="connsiteY4"/>
+              </a:cxn>
+              <a:cxn ang="0">
+                <a:pos x="connsiteX5" y="connsiteY5"/>
+              </a:cxn>
+            </a:cxnLst>
+            <a:rect l="l" t="t" r="r" b="b"/>
+            <a:pathLst>
+              <a:path w="6245352" h="4956048">
+                <a:moveTo>
+                  <a:pt x="534609" y="0"/>
+                </a:moveTo>
+                <a:lnTo>
+                  <a:pt x="6245352" y="0"/>
+                </a:lnTo>
+                <a:lnTo>
+                  <a:pt x="6245352" y="4421439"/>
+                </a:lnTo>
+                <a:lnTo>
+                  <a:pt x="5710743" y="4956048"/>
+                </a:lnTo>
+                <a:lnTo>
+                  <a:pt x="0" y="4956048"/>
+                </a:lnTo>
+                <a:lnTo>
+                  <a:pt x="0" y="534609"/>
+                </a:lnTo>
+                <a:close/>
+              </a:path>
+            </a:pathLst>
+          </a:custGeom>
+        </p:spPr>
+      </p:pic>
+      <p:sp>
+        <p:nvSpPr>
+          <p:cNvPr id="2" name="Title 1">
+            <a:extLst>
+              <a:ext uri="{FF2B5EF4-FFF2-40B4-BE49-F238E27FC236}">
+                <a16:creationId xmlns:a16="http://schemas.microsoft.com/office/drawing/2014/main" id="{320F7AF6-CFBB-4BC1-9930-FCEB54A95511}"/>
+              </a:ext>
+            </a:extLst>
+          </p:cNvPr>
+          <p:cNvSpPr>
+            <a:spLocks noGrp="1"/>
+          </p:cNvSpPr>
+          <p:nvPr>
+            <p:ph type="title"/>
+          </p:nvPr>
+        </p:nvSpPr>
+        <p:spPr>
+          <a:xfrm>
+            <a:off x="7532710" y="620722"/>
+            <a:ext cx="3518748" cy="1142462"/>
+          </a:xfrm>
+        </p:spPr>
+        <p:txBody>
+          <a:bodyPr anchor="b">
+            <a:normAutofit/>
+          </a:bodyPr>
+          <a:lstStyle/>
+          <a:p>
+            <a:r>
+              <a:rPr lang="en-US" sz="2800"/>
+              <a:t>Results: Country B</a:t>
+            </a:r>
+          </a:p>
+        </p:txBody>
+      </p:sp>
+      <p:sp>
+        <p:nvSpPr>
+          <p:cNvPr id="3" name="Content Placeholder 2">
+            <a:extLst>
+              <a:ext uri="{FF2B5EF4-FFF2-40B4-BE49-F238E27FC236}">
+                <a16:creationId xmlns:a16="http://schemas.microsoft.com/office/drawing/2014/main" id="{8DDE47E3-E5F3-4859-A3B9-9CBAA3775F06}"/>
+              </a:ext>
+            </a:extLst>
+          </p:cNvPr>
+          <p:cNvSpPr>
+            <a:spLocks noGrp="1"/>
+          </p:cNvSpPr>
+          <p:nvPr>
+            <p:ph idx="1"/>
+          </p:nvPr>
+        </p:nvSpPr>
+        <p:spPr>
+          <a:xfrm>
+            <a:off x="7532710" y="1822449"/>
+            <a:ext cx="3479419" cy="3070226"/>
+          </a:xfrm>
+        </p:spPr>
+        <p:txBody>
+          <a:bodyPr anchor="t">
+            <a:normAutofit/>
+          </a:bodyPr>
+          <a:lstStyle/>
+          <a:p>
+            <a:r>
+              <a:rPr lang="en-US" sz="1600" b="1" dirty="0"/>
+              <a:t>Country B had 96 percent no information rate</a:t>
+            </a:r>
+          </a:p>
+          <a:p>
+            <a:endParaRPr lang="en-US" sz="1600" b="1" dirty="0"/>
+          </a:p>
+          <a:p>
+            <a:r>
+              <a:rPr lang="en-US" sz="1600" b="1" dirty="0" err="1"/>
+              <a:t>XGBoost</a:t>
+            </a:r>
+            <a:r>
+              <a:rPr lang="en-US" sz="1600" b="1" dirty="0"/>
+              <a:t> had highest accuracy at 92 percent</a:t>
+            </a:r>
+          </a:p>
+        </p:txBody>
+      </p:sp>
+    </p:spTree>
+    <p:extLst>
+      <p:ext uri="{BB962C8B-B14F-4D97-AF65-F5344CB8AC3E}">
+        <p14:creationId xmlns:p14="http://schemas.microsoft.com/office/powerpoint/2010/main" val="3044392806"/>
+      </p:ext>
+    </p:extLst>
+  </p:cSld>
+  <p:clrMapOvr>
+    <a:masterClrMapping/>
+  </p:clrMapOvr>
+</p:sld>
+</file>
+
+<file path=ppt/slides/slide9.xml><?xml version="1.0" encoding="utf-8"?>
+<p:sld xmlns:a="http://schemas.openxmlformats.org/drawingml/2006/main" xmlns:r="http://schemas.openxmlformats.org/officeDocument/2006/relationships" xmlns:p="http://schemas.openxmlformats.org/presentationml/2006/main">
+  <p:cSld>
+    <p:bg>
+      <p:bgPr>
+        <a:gradFill rotWithShape="1">
+          <a:gsLst>
+            <a:gs pos="10000">
+              <a:schemeClr val="bg2">
+                <a:tint val="97000"/>
+                <a:hueMod val="92000"/>
+                <a:satMod val="169000"/>
+                <a:lumMod val="164000"/>
+              </a:schemeClr>
+            </a:gs>
+            <a:gs pos="100000">
+              <a:schemeClr val="bg2">
+                <a:shade val="96000"/>
+                <a:satMod val="120000"/>
+                <a:lumMod val="90000"/>
+              </a:schemeClr>
+            </a:gs>
+          </a:gsLst>
+          <a:lin ang="6120000" scaled="1"/>
+        </a:gradFill>
+        <a:effectLst/>
+      </p:bgPr>
+    </p:bg>
+    <p:spTree>
+      <p:nvGrpSpPr>
+        <p:cNvPr id="1" name=""/>
+        <p:cNvGrpSpPr/>
+        <p:nvPr/>
+      </p:nvGrpSpPr>
+      <p:grpSpPr>
+        <a:xfrm>
+          <a:off x="0" y="0"/>
+          <a:ext cx="0" cy="0"/>
+          <a:chOff x="0" y="0"/>
+          <a:chExt cx="0" cy="0"/>
+        </a:xfrm>
+      </p:grpSpPr>
+      <p:sp useBgFill="1">
+        <p:nvSpPr>
+          <p:cNvPr id="9" name="Rectangle 8">
+            <a:extLst>
+              <a:ext uri="{FF2B5EF4-FFF2-40B4-BE49-F238E27FC236}">
+                <a16:creationId xmlns:a16="http://schemas.microsoft.com/office/drawing/2014/main" id="{E09CCB3F-DBCE-4964-9E34-8C5DE80EF4B5}"/>
+              </a:ext>
+            </a:extLst>
+          </p:cNvPr>
+          <p:cNvSpPr>
+            <a:spLocks noGrp="1" noRot="1" noChangeAspect="1" noMove="1" noResize="1" noEditPoints="1" noAdjustHandles="1" noChangeArrowheads="1" noChangeShapeType="1" noTextEdit="1"/>
+          </p:cNvSpPr>
+          <p:nvPr>
+            <p:extLst>
+              <p:ext uri="{386F3935-93C4-4BCD-93E2-E3B085C9AB24}">
+                <p16:designElem xmlns:p16="http://schemas.microsoft.com/office/powerpoint/2015/main" val="1"/>
+              </p:ext>
+            </p:extLst>
+          </p:nvPr>
+        </p:nvSpPr>
+        <p:spPr>
+          <a:xfrm>
+            <a:off x="0" y="0"/>
+            <a:ext cx="12192000" cy="6858000"/>
+          </a:xfrm>
+          <a:prstGeom prst="rect">
+            <a:avLst/>
+          </a:prstGeom>
+          <a:ln>
+            <a:noFill/>
+          </a:ln>
+        </p:spPr>
+        <p:style>
+          <a:lnRef idx="2">
+            <a:schemeClr val="accent1">
+              <a:shade val="50000"/>
+            </a:schemeClr>
+          </a:lnRef>
+          <a:fillRef idx="1">
+            <a:schemeClr val="accent1"/>
+          </a:fillRef>
+          <a:effectRef idx="0">
+            <a:schemeClr val="accent1"/>
+          </a:effectRef>
+          <a:fontRef idx="minor">
+            <a:schemeClr val="lt1"/>
+          </a:fontRef>
+        </p:style>
+        <p:txBody>
+          <a:bodyPr rtlCol="0" anchor="ctr"/>
+          <a:lstStyle/>
+          <a:p>
+            <a:pPr algn="ctr"/>
+            <a:endParaRPr lang="en-US"/>
+          </a:p>
+        </p:txBody>
+      </p:sp>
+      <p:grpSp>
+        <p:nvGrpSpPr>
+          <p:cNvPr id="11" name="Group 10">
+            <a:extLst>
+              <a:ext uri="{FF2B5EF4-FFF2-40B4-BE49-F238E27FC236}">
+                <a16:creationId xmlns:a16="http://schemas.microsoft.com/office/drawing/2014/main" id="{A9733A91-F958-4629-801A-3F6F1E09AD64}"/>
+              </a:ext>
+            </a:extLst>
+          </p:cNvPr>
+          <p:cNvGrpSpPr>
+            <a:grpSpLocks noGrp="1" noUngrp="1" noRot="1" noChangeAspect="1" noMove="1" noResize="1"/>
+          </p:cNvGrpSpPr>
+          <p:nvPr>
+            <p:extLst>
+              <p:ext uri="{386F3935-93C4-4BCD-93E2-E3B085C9AB24}">
+                <p16:designElem xmlns:p16="http://schemas.microsoft.com/office/powerpoint/2015/main" val="1"/>
+              </p:ext>
+            </p:extLst>
+          </p:nvPr>
+        </p:nvGrpSpPr>
+        <p:grpSpPr>
+          <a:xfrm>
+            <a:off x="9206969" y="2963333"/>
+            <a:ext cx="2981858" cy="3208867"/>
+            <a:chOff x="9206969" y="2963333"/>
+            <a:chExt cx="2981858" cy="3208867"/>
+          </a:xfrm>
+        </p:grpSpPr>
+        <p:cxnSp>
+          <p:nvCxnSpPr>
+            <p:cNvPr id="12" name="Straight Connector 11">
+              <a:extLst>
+                <a:ext uri="{FF2B5EF4-FFF2-40B4-BE49-F238E27FC236}">
+                  <a16:creationId xmlns:a16="http://schemas.microsoft.com/office/drawing/2014/main" id="{F3812972-C68B-4C59-B3A7-4AF61E935D4A}"/>
+                </a:ext>
+              </a:extLst>
+            </p:cNvPr>
+            <p:cNvCxnSpPr/>
+            <p:nvPr>
+              <p:extLst>
+                <p:ext uri="{386F3935-93C4-4BCD-93E2-E3B085C9AB24}">
+                  <p16:designElem xmlns:p16="http://schemas.microsoft.com/office/powerpoint/2015/main" val="1"/>
+                </p:ext>
+              </p:extLst>
+            </p:nvPr>
+          </p:nvCxnSpPr>
+          <p:spPr>
+            <a:xfrm flipH="1">
+              <a:off x="11276012" y="2963333"/>
+              <a:ext cx="912814" cy="912812"/>
+            </a:xfrm>
+            <a:prstGeom prst="line">
+              <a:avLst/>
+            </a:prstGeom>
+            <a:ln w="9525">
+              <a:solidFill>
+                <a:schemeClr val="tx1"/>
+              </a:solidFill>
+            </a:ln>
+          </p:spPr>
+          <p:style>
+            <a:lnRef idx="2">
+              <a:schemeClr val="accent1"/>
+            </a:lnRef>
+            <a:fillRef idx="0">
+              <a:schemeClr val="accent1"/>
+            </a:fillRef>
+            <a:effectRef idx="1">
+              <a:schemeClr val="accent1"/>
+            </a:effectRef>
+            <a:fontRef idx="minor">
+              <a:schemeClr val="tx1"/>
+            </a:fontRef>
+          </p:style>
+        </p:cxnSp>
+        <p:cxnSp>
+          <p:nvCxnSpPr>
+            <p:cNvPr id="13" name="Straight Connector 12">
+              <a:extLst>
+                <a:ext uri="{FF2B5EF4-FFF2-40B4-BE49-F238E27FC236}">
+                  <a16:creationId xmlns:a16="http://schemas.microsoft.com/office/drawing/2014/main" id="{CB3F3B7C-7909-4486-AA08-5C6B625C3A0A}"/>
+                </a:ext>
+              </a:extLst>
+            </p:cNvPr>
+            <p:cNvCxnSpPr/>
+            <p:nvPr>
+              <p:extLst>
+                <p:ext uri="{386F3935-93C4-4BCD-93E2-E3B085C9AB24}">
+                  <p16:designElem xmlns:p16="http://schemas.microsoft.com/office/powerpoint/2015/main" val="1"/>
+                </p:ext>
+              </p:extLst>
+            </p:nvPr>
+          </p:nvCxnSpPr>
+          <p:spPr>
+            <a:xfrm flipH="1">
+              <a:off x="9206969" y="3190344"/>
+              <a:ext cx="2981857" cy="2981856"/>
+            </a:xfrm>
+            <a:prstGeom prst="line">
+              <a:avLst/>
+            </a:prstGeom>
+            <a:ln w="9525">
+              <a:solidFill>
+                <a:schemeClr val="tx1"/>
+              </a:solidFill>
+            </a:ln>
+          </p:spPr>
+          <p:style>
+            <a:lnRef idx="2">
+              <a:schemeClr val="accent1"/>
+            </a:lnRef>
+            <a:fillRef idx="0">
+              <a:schemeClr val="accent1"/>
+            </a:fillRef>
+            <a:effectRef idx="1">
+              <a:schemeClr val="accent1"/>
+            </a:effectRef>
+            <a:fontRef idx="minor">
+              <a:schemeClr val="tx1"/>
+            </a:fontRef>
+          </p:style>
+        </p:cxnSp>
+        <p:cxnSp>
+          <p:nvCxnSpPr>
+            <p:cNvPr id="14" name="Straight Connector 13">
+              <a:extLst>
+                <a:ext uri="{FF2B5EF4-FFF2-40B4-BE49-F238E27FC236}">
+                  <a16:creationId xmlns:a16="http://schemas.microsoft.com/office/drawing/2014/main" id="{00BD7DA8-741F-4296-9363-05EF91541119}"/>
+                </a:ext>
+              </a:extLst>
+            </p:cNvPr>
+            <p:cNvCxnSpPr/>
+            <p:nvPr>
+              <p:extLst>
+                <p:ext uri="{386F3935-93C4-4BCD-93E2-E3B085C9AB24}">
+                  <p16:designElem xmlns:p16="http://schemas.microsoft.com/office/powerpoint/2015/main" val="1"/>
+                </p:ext>
+              </p:extLst>
+            </p:nvPr>
+          </p:nvCxnSpPr>
+          <p:spPr>
+            <a:xfrm flipH="1">
+              <a:off x="10292292" y="3285067"/>
+              <a:ext cx="1896534" cy="1896533"/>
+            </a:xfrm>
+            <a:prstGeom prst="line">
+              <a:avLst/>
+            </a:prstGeom>
+            <a:ln w="9525">
+              <a:solidFill>
+                <a:schemeClr val="tx1"/>
+              </a:solidFill>
+            </a:ln>
+          </p:spPr>
+          <p:style>
+            <a:lnRef idx="2">
+              <a:schemeClr val="accent1"/>
+            </a:lnRef>
+            <a:fillRef idx="0">
+              <a:schemeClr val="accent1"/>
+            </a:fillRef>
+            <a:effectRef idx="1">
+              <a:schemeClr val="accent1"/>
+            </a:effectRef>
+            <a:fontRef idx="minor">
+              <a:schemeClr val="tx1"/>
+            </a:fontRef>
+          </p:style>
+        </p:cxnSp>
+        <p:cxnSp>
+          <p:nvCxnSpPr>
+            <p:cNvPr id="15" name="Straight Connector 14">
+              <a:extLst>
+                <a:ext uri="{FF2B5EF4-FFF2-40B4-BE49-F238E27FC236}">
+                  <a16:creationId xmlns:a16="http://schemas.microsoft.com/office/drawing/2014/main" id="{62068EFC-20FC-456F-839F-4BCFFCAA8197}"/>
+                </a:ext>
+              </a:extLst>
+            </p:cNvPr>
+            <p:cNvCxnSpPr/>
+            <p:nvPr>
+              <p:extLst>
+                <p:ext uri="{386F3935-93C4-4BCD-93E2-E3B085C9AB24}">
+                  <p16:designElem xmlns:p16="http://schemas.microsoft.com/office/powerpoint/2015/main" val="1"/>
+                </p:ext>
+              </p:extLst>
+            </p:nvPr>
+          </p:nvCxnSpPr>
+          <p:spPr>
+            <a:xfrm flipH="1">
+              <a:off x="10443103" y="3131080"/>
+              <a:ext cx="1745722" cy="1745720"/>
+            </a:xfrm>
+            <a:prstGeom prst="line">
+              <a:avLst/>
+            </a:prstGeom>
+            <a:ln w="28575">
+              <a:solidFill>
+                <a:schemeClr val="tx1"/>
+              </a:solidFill>
+            </a:ln>
+          </p:spPr>
+          <p:style>
+            <a:lnRef idx="2">
+              <a:schemeClr val="accent1"/>
+            </a:lnRef>
+            <a:fillRef idx="0">
+              <a:schemeClr val="accent1"/>
+            </a:fillRef>
+            <a:effectRef idx="1">
+              <a:schemeClr val="accent1"/>
+            </a:effectRef>
+            <a:fontRef idx="minor">
+              <a:schemeClr val="tx1"/>
+            </a:fontRef>
+          </p:style>
+        </p:cxnSp>
+        <p:cxnSp>
+          <p:nvCxnSpPr>
+            <p:cNvPr id="16" name="Straight Connector 15">
+              <a:extLst>
+                <a:ext uri="{FF2B5EF4-FFF2-40B4-BE49-F238E27FC236}">
+                  <a16:creationId xmlns:a16="http://schemas.microsoft.com/office/drawing/2014/main" id="{3251C60F-B911-433E-BF75-3BBEFD0538CB}"/>
+                </a:ext>
+              </a:extLst>
+            </p:cNvPr>
+            <p:cNvCxnSpPr/>
+            <p:nvPr>
+              <p:extLst>
+                <p:ext uri="{386F3935-93C4-4BCD-93E2-E3B085C9AB24}">
+                  <p16:designElem xmlns:p16="http://schemas.microsoft.com/office/powerpoint/2015/main" val="1"/>
+                </p:ext>
+              </p:extLst>
+            </p:nvPr>
+          </p:nvCxnSpPr>
+          <p:spPr>
+            <a:xfrm flipH="1">
+              <a:off x="10918826" y="3683001"/>
+              <a:ext cx="1270001" cy="1269999"/>
+            </a:xfrm>
+            <a:prstGeom prst="line">
+              <a:avLst/>
+            </a:prstGeom>
+            <a:ln w="28575">
+              <a:solidFill>
+                <a:schemeClr val="tx1"/>
+              </a:solidFill>
+            </a:ln>
+          </p:spPr>
+          <p:style>
+            <a:lnRef idx="2">
+              <a:schemeClr val="accent1"/>
+            </a:lnRef>
+            <a:fillRef idx="0">
+              <a:schemeClr val="accent1"/>
+            </a:fillRef>
+            <a:effectRef idx="1">
+              <a:schemeClr val="accent1"/>
+            </a:effectRef>
+            <a:fontRef idx="minor">
+              <a:schemeClr val="tx1"/>
+            </a:fontRef>
+          </p:style>
+        </p:cxnSp>
+      </p:grpSp>
+      <p:sp>
+        <p:nvSpPr>
+          <p:cNvPr id="18" name="Snip Diagonal Corner Rectangle 24">
+            <a:extLst>
+              <a:ext uri="{FF2B5EF4-FFF2-40B4-BE49-F238E27FC236}">
+                <a16:creationId xmlns:a16="http://schemas.microsoft.com/office/drawing/2014/main" id="{1DFF944F-74BA-483A-82C0-64E3AAF4AE98}"/>
+              </a:ext>
+            </a:extLst>
+          </p:cNvPr>
+          <p:cNvSpPr>
+            <a:spLocks noGrp="1" noRot="1" noChangeAspect="1" noMove="1" noResize="1" noEditPoints="1" noAdjustHandles="1" noChangeArrowheads="1" noChangeShapeType="1" noTextEdit="1"/>
+          </p:cNvSpPr>
+          <p:nvPr>
+            <p:extLst>
+              <p:ext uri="{386F3935-93C4-4BCD-93E2-E3B085C9AB24}">
+                <p16:designElem xmlns:p16="http://schemas.microsoft.com/office/powerpoint/2015/main" val="1"/>
+              </p:ext>
+            </p:extLst>
+          </p:nvPr>
+        </p:nvSpPr>
+        <p:spPr>
+          <a:xfrm>
+            <a:off x="612990" y="620722"/>
+            <a:ext cx="6575496" cy="5286838"/>
+          </a:xfrm>
+          <a:prstGeom prst="snip2DiagRect">
+            <a:avLst>
+              <a:gd name="adj1" fmla="val 10787"/>
+              <a:gd name="adj2" fmla="val 0"/>
+            </a:avLst>
+          </a:prstGeom>
+          <a:solidFill>
+            <a:schemeClr val="tx1"/>
+          </a:solidFill>
+          <a:ln>
+            <a:noFill/>
+          </a:ln>
+          <a:effectLst>
+            <a:innerShdw blurRad="57150" dist="38100" dir="14460000">
+              <a:prstClr val="black">
+                <a:alpha val="70000"/>
+              </a:prstClr>
+            </a:innerShdw>
+          </a:effectLst>
+        </p:spPr>
+        <p:style>
+          <a:lnRef idx="2">
+            <a:schemeClr val="accent1">
+              <a:shade val="50000"/>
+            </a:schemeClr>
+          </a:lnRef>
+          <a:fillRef idx="1">
+            <a:schemeClr val="accent1"/>
+          </a:fillRef>
+          <a:effectRef idx="0">
+            <a:schemeClr val="accent1"/>
+          </a:effectRef>
+          <a:fontRef idx="minor">
+            <a:schemeClr val="lt1"/>
+          </a:fontRef>
+        </p:style>
+        <p:txBody>
+          <a:bodyPr rtlCol="0" anchor="ctr"/>
+          <a:lstStyle/>
+          <a:p>
+            <a:pPr algn="ctr"/>
+            <a:endParaRPr lang="en-US"/>
+          </a:p>
+        </p:txBody>
+      </p:sp>
+      <p:pic>
+        <p:nvPicPr>
+          <p:cNvPr id="4" name="Picture 3">
+            <a:extLst>
+              <a:ext uri="{FF2B5EF4-FFF2-40B4-BE49-F238E27FC236}">
+                <a16:creationId xmlns:a16="http://schemas.microsoft.com/office/drawing/2014/main" id="{D3356930-1215-4696-8959-673BFB653569}"/>
+              </a:ext>
+            </a:extLst>
+          </p:cNvPr>
+          <p:cNvPicPr>
+            <a:picLocks noChangeAspect="1"/>
+          </p:cNvPicPr>
+          <p:nvPr/>
+        </p:nvPicPr>
+        <p:blipFill rotWithShape="1">
+          <a:blip r:embed="rId2"/>
+          <a:srcRect r="-4" b="1342"/>
+          <a:stretch/>
+        </p:blipFill>
+        <p:spPr>
+          <a:xfrm>
+            <a:off x="778062" y="786117"/>
+            <a:ext cx="6245352" cy="4956048"/>
+          </a:xfrm>
+          <a:custGeom>
+            <a:avLst/>
+            <a:gdLst>
+              <a:gd name="connsiteX0" fmla="*/ 534609 w 6245352"/>
+              <a:gd name="connsiteY0" fmla="*/ 0 h 4956048"/>
+              <a:gd name="connsiteX1" fmla="*/ 6245352 w 6245352"/>
+              <a:gd name="connsiteY1" fmla="*/ 0 h 4956048"/>
+              <a:gd name="connsiteX2" fmla="*/ 6245352 w 6245352"/>
+              <a:gd name="connsiteY2" fmla="*/ 4421439 h 4956048"/>
+              <a:gd name="connsiteX3" fmla="*/ 5710743 w 6245352"/>
+              <a:gd name="connsiteY3" fmla="*/ 4956048 h 4956048"/>
+              <a:gd name="connsiteX4" fmla="*/ 0 w 6245352"/>
+              <a:gd name="connsiteY4" fmla="*/ 4956048 h 4956048"/>
+              <a:gd name="connsiteX5" fmla="*/ 0 w 6245352"/>
+              <a:gd name="connsiteY5" fmla="*/ 534609 h 4956048"/>
+            </a:gdLst>
+            <a:ahLst/>
+            <a:cxnLst>
+              <a:cxn ang="0">
+                <a:pos x="connsiteX0" y="connsiteY0"/>
+              </a:cxn>
+              <a:cxn ang="0">
+                <a:pos x="connsiteX1" y="connsiteY1"/>
+              </a:cxn>
+              <a:cxn ang="0">
+                <a:pos x="connsiteX2" y="connsiteY2"/>
+              </a:cxn>
+              <a:cxn ang="0">
+                <a:pos x="connsiteX3" y="connsiteY3"/>
+              </a:cxn>
+              <a:cxn ang="0">
+                <a:pos x="connsiteX4" y="connsiteY4"/>
+              </a:cxn>
+              <a:cxn ang="0">
+                <a:pos x="connsiteX5" y="connsiteY5"/>
+              </a:cxn>
+            </a:cxnLst>
+            <a:rect l="l" t="t" r="r" b="b"/>
+            <a:pathLst>
+              <a:path w="6245352" h="4956048">
+                <a:moveTo>
+                  <a:pt x="534609" y="0"/>
+                </a:moveTo>
+                <a:lnTo>
+                  <a:pt x="6245352" y="0"/>
+                </a:lnTo>
+                <a:lnTo>
+                  <a:pt x="6245352" y="4421439"/>
+                </a:lnTo>
+                <a:lnTo>
+                  <a:pt x="5710743" y="4956048"/>
+                </a:lnTo>
+                <a:lnTo>
+                  <a:pt x="0" y="4956048"/>
+                </a:lnTo>
+                <a:lnTo>
+                  <a:pt x="0" y="534609"/>
+                </a:lnTo>
+                <a:close/>
+              </a:path>
+            </a:pathLst>
+          </a:custGeom>
+        </p:spPr>
+      </p:pic>
+      <p:sp>
+        <p:nvSpPr>
+          <p:cNvPr id="2" name="Title 1">
+            <a:extLst>
+              <a:ext uri="{FF2B5EF4-FFF2-40B4-BE49-F238E27FC236}">
+                <a16:creationId xmlns:a16="http://schemas.microsoft.com/office/drawing/2014/main" id="{92B0A96E-44ED-4EE9-9EC5-A9A4CB60F53B}"/>
+              </a:ext>
+            </a:extLst>
+          </p:cNvPr>
+          <p:cNvSpPr>
+            <a:spLocks noGrp="1"/>
+          </p:cNvSpPr>
+          <p:nvPr>
+            <p:ph type="title"/>
+          </p:nvPr>
+        </p:nvSpPr>
+        <p:spPr>
+          <a:xfrm>
+            <a:off x="7532710" y="620722"/>
+            <a:ext cx="3881228" cy="1142462"/>
+          </a:xfrm>
+        </p:spPr>
+        <p:txBody>
+          <a:bodyPr anchor="b">
+            <a:normAutofit/>
+          </a:bodyPr>
+          <a:lstStyle/>
+          <a:p>
+            <a:r>
+              <a:rPr lang="en-US" sz="2800" dirty="0"/>
+              <a:t>Results: Country C</a:t>
+            </a:r>
+          </a:p>
+        </p:txBody>
+      </p:sp>
+      <p:sp>
+        <p:nvSpPr>
+          <p:cNvPr id="3" name="Content Placeholder 2">
+            <a:extLst>
+              <a:ext uri="{FF2B5EF4-FFF2-40B4-BE49-F238E27FC236}">
+                <a16:creationId xmlns:a16="http://schemas.microsoft.com/office/drawing/2014/main" id="{83BA63FD-15E9-42EF-90D7-278EAEF4AB5A}"/>
+              </a:ext>
+            </a:extLst>
+          </p:cNvPr>
+          <p:cNvSpPr>
+            <a:spLocks noGrp="1"/>
+          </p:cNvSpPr>
+          <p:nvPr>
+            <p:ph idx="1"/>
+          </p:nvPr>
+        </p:nvSpPr>
+        <p:spPr>
+          <a:xfrm>
+            <a:off x="7532710" y="2489199"/>
+            <a:ext cx="3479419" cy="3070226"/>
+          </a:xfrm>
+        </p:spPr>
+        <p:txBody>
+          <a:bodyPr anchor="t">
+            <a:normAutofit/>
+          </a:bodyPr>
+          <a:lstStyle/>
+          <a:p>
+            <a:r>
+              <a:rPr lang="en-US" sz="1800" b="1" dirty="0"/>
+              <a:t>Country C had 85 percent no-information rate</a:t>
+            </a:r>
+          </a:p>
+          <a:p>
+            <a:endParaRPr lang="en-US" sz="1800" b="1" dirty="0"/>
+          </a:p>
+          <a:p>
+            <a:r>
+              <a:rPr lang="en-US" sz="1800" b="1" dirty="0"/>
+              <a:t>Random Forest had highest accuracy with 99.3 percent accuracy</a:t>
+            </a:r>
+          </a:p>
+        </p:txBody>
+      </p:sp>
+    </p:spTree>
+    <p:extLst>
+      <p:ext uri="{BB962C8B-B14F-4D97-AF65-F5344CB8AC3E}">
+        <p14:creationId xmlns:p14="http://schemas.microsoft.com/office/powerpoint/2010/main" val="3624225864"/>
       </p:ext>
     </p:extLst>
   </p:cSld>
